--- a/ACA/homework/2.ISA/Schoolwork/ACA-ISA.pptx
+++ b/ACA/homework/2.ISA/Schoolwork/ACA-ISA.pptx
@@ -1,25 +1,25 @@
 
 <file path=ppt/presentation.xml><?xml version="1.0" encoding="utf-8"?>
-<p:presentation xmlns:a="http://schemas.openxmlformats.org/drawingml/2006/main" xmlns:r="http://schemas.openxmlformats.org/officeDocument/2006/relationships" xmlns:mc="http://schemas.openxmlformats.org/markup-compatibility/2006" xmlns:mv="urn:schemas-microsoft-com:mac:vml" xmlns:p="http://schemas.openxmlformats.org/presentationml/2006/main" xmlns:c="http://schemas.openxmlformats.org/drawingml/2006/chart" xmlns:dgm="http://schemas.openxmlformats.org/drawingml/2006/diagram" xmlns:o="urn:schemas-microsoft-com:office:office" xmlns:v="urn:schemas-microsoft-com:vml" xmlns:pvml="urn:schemas-microsoft-com:office:powerpoint" xmlns:com="http://schemas.openxmlformats.org/drawingml/2006/compatibility" xmlns:p14="http://schemas.microsoft.com/office/powerpoint/2010/main" xmlns:p15="http://schemas.microsoft.com/office/powerpoint/2012/main" xmlns:ahyp="http://schemas.microsoft.com/office/drawing/2018/hyperlinkcolor" autoCompressPictures="0" strictFirstAndLastChars="0" saveSubsetFonts="1">
+<p:presentation xmlns:a="http://schemas.openxmlformats.org/drawingml/2006/main" xmlns:r="http://schemas.openxmlformats.org/officeDocument/2006/relationships" xmlns:p="http://schemas.openxmlformats.org/presentationml/2006/main" strictFirstAndLastChars="0" autoCompressPictures="0">
   <p:sldMasterIdLst>
-    <p:sldMasterId id="2147483659" r:id="rId5"/>
+    <p:sldMasterId id="2147483648" r:id="rId1"/>
   </p:sldMasterIdLst>
   <p:notesMasterIdLst>
-    <p:notesMasterId r:id="rId6"/>
+    <p:notesMasterId r:id="rId4"/>
   </p:notesMasterIdLst>
   <p:sldIdLst>
-    <p:sldId id="256" r:id="rId7"/>
-    <p:sldId id="257" r:id="rId8"/>
-    <p:sldId id="258" r:id="rId9"/>
-    <p:sldId id="259" r:id="rId10"/>
-    <p:sldId id="260" r:id="rId11"/>
-    <p:sldId id="261" r:id="rId12"/>
-    <p:sldId id="262" r:id="rId13"/>
+    <p:sldId id="256" r:id="rId3"/>
+    <p:sldId id="257" r:id="rId5"/>
+    <p:sldId id="258" r:id="rId6"/>
+    <p:sldId id="259" r:id="rId7"/>
+    <p:sldId id="260" r:id="rId8"/>
+    <p:sldId id="261" r:id="rId9"/>
+    <p:sldId id="262" r:id="rId10"/>
   </p:sldIdLst>
-  <p:sldSz cy="5143500" cx="9144000"/>
+  <p:sldSz cx="9144000" cy="5143500"/>
   <p:notesSz cx="6858000" cy="9144000"/>
   <p:defaultTextStyle>
-    <a:defPPr lvl="0" marR="0" rtl="0" algn="l">
+    <a:defPPr marR="0" lvl="0" algn="l" rtl="0">
       <a:lnSpc>
         <a:spcPct val="100000"/>
       </a:lnSpc>
@@ -30,7 +30,7 @@
         <a:spcPts val="0"/>
       </a:spcAft>
     </a:defPPr>
-    <a:lvl1pPr lvl="0" marR="0" rtl="0" algn="l">
+    <a:lvl1pPr marR="0" lvl="0" algn="l" rtl="0">
       <a:lnSpc>
         <a:spcPct val="100000"/>
       </a:lnSpc>
@@ -43,18 +43,18 @@
       <a:buClr>
         <a:srgbClr val="000000"/>
       </a:buClr>
-      <a:buFont typeface="Arial"/>
-      <a:defRPr b="0" i="0" sz="1400" u="none" cap="none" strike="noStrike">
+      <a:buFont typeface="Arial" panose="020B0604020202020204"/>
+      <a:defRPr sz="1400" b="0" i="0" u="none" strike="noStrike" cap="none">
         <a:solidFill>
           <a:srgbClr val="000000"/>
         </a:solidFill>
-        <a:latin typeface="Arial"/>
-        <a:ea typeface="Arial"/>
-        <a:cs typeface="Arial"/>
-        <a:sym typeface="Arial"/>
+        <a:latin typeface="Arial" panose="020B0604020202020204"/>
+        <a:ea typeface="Arial" panose="020B0604020202020204"/>
+        <a:cs typeface="Arial" panose="020B0604020202020204"/>
+        <a:sym typeface="Arial" panose="020B0604020202020204"/>
       </a:defRPr>
     </a:lvl1pPr>
-    <a:lvl2pPr lvl="1" marR="0" rtl="0" algn="l">
+    <a:lvl2pPr marR="0" lvl="1" algn="l" rtl="0">
       <a:lnSpc>
         <a:spcPct val="100000"/>
       </a:lnSpc>
@@ -67,18 +67,18 @@
       <a:buClr>
         <a:srgbClr val="000000"/>
       </a:buClr>
-      <a:buFont typeface="Arial"/>
-      <a:defRPr b="0" i="0" sz="1400" u="none" cap="none" strike="noStrike">
+      <a:buFont typeface="Arial" panose="020B0604020202020204"/>
+      <a:defRPr sz="1400" b="0" i="0" u="none" strike="noStrike" cap="none">
         <a:solidFill>
           <a:srgbClr val="000000"/>
         </a:solidFill>
-        <a:latin typeface="Arial"/>
-        <a:ea typeface="Arial"/>
-        <a:cs typeface="Arial"/>
-        <a:sym typeface="Arial"/>
+        <a:latin typeface="Arial" panose="020B0604020202020204"/>
+        <a:ea typeface="Arial" panose="020B0604020202020204"/>
+        <a:cs typeface="Arial" panose="020B0604020202020204"/>
+        <a:sym typeface="Arial" panose="020B0604020202020204"/>
       </a:defRPr>
     </a:lvl2pPr>
-    <a:lvl3pPr lvl="2" marR="0" rtl="0" algn="l">
+    <a:lvl3pPr marR="0" lvl="2" algn="l" rtl="0">
       <a:lnSpc>
         <a:spcPct val="100000"/>
       </a:lnSpc>
@@ -91,18 +91,18 @@
       <a:buClr>
         <a:srgbClr val="000000"/>
       </a:buClr>
-      <a:buFont typeface="Arial"/>
-      <a:defRPr b="0" i="0" sz="1400" u="none" cap="none" strike="noStrike">
+      <a:buFont typeface="Arial" panose="020B0604020202020204"/>
+      <a:defRPr sz="1400" b="0" i="0" u="none" strike="noStrike" cap="none">
         <a:solidFill>
           <a:srgbClr val="000000"/>
         </a:solidFill>
-        <a:latin typeface="Arial"/>
-        <a:ea typeface="Arial"/>
-        <a:cs typeface="Arial"/>
-        <a:sym typeface="Arial"/>
+        <a:latin typeface="Arial" panose="020B0604020202020204"/>
+        <a:ea typeface="Arial" panose="020B0604020202020204"/>
+        <a:cs typeface="Arial" panose="020B0604020202020204"/>
+        <a:sym typeface="Arial" panose="020B0604020202020204"/>
       </a:defRPr>
     </a:lvl3pPr>
-    <a:lvl4pPr lvl="3" marR="0" rtl="0" algn="l">
+    <a:lvl4pPr marR="0" lvl="3" algn="l" rtl="0">
       <a:lnSpc>
         <a:spcPct val="100000"/>
       </a:lnSpc>
@@ -115,18 +115,18 @@
       <a:buClr>
         <a:srgbClr val="000000"/>
       </a:buClr>
-      <a:buFont typeface="Arial"/>
-      <a:defRPr b="0" i="0" sz="1400" u="none" cap="none" strike="noStrike">
+      <a:buFont typeface="Arial" panose="020B0604020202020204"/>
+      <a:defRPr sz="1400" b="0" i="0" u="none" strike="noStrike" cap="none">
         <a:solidFill>
           <a:srgbClr val="000000"/>
         </a:solidFill>
-        <a:latin typeface="Arial"/>
-        <a:ea typeface="Arial"/>
-        <a:cs typeface="Arial"/>
-        <a:sym typeface="Arial"/>
+        <a:latin typeface="Arial" panose="020B0604020202020204"/>
+        <a:ea typeface="Arial" panose="020B0604020202020204"/>
+        <a:cs typeface="Arial" panose="020B0604020202020204"/>
+        <a:sym typeface="Arial" panose="020B0604020202020204"/>
       </a:defRPr>
     </a:lvl4pPr>
-    <a:lvl5pPr lvl="4" marR="0" rtl="0" algn="l">
+    <a:lvl5pPr marR="0" lvl="4" algn="l" rtl="0">
       <a:lnSpc>
         <a:spcPct val="100000"/>
       </a:lnSpc>
@@ -139,18 +139,18 @@
       <a:buClr>
         <a:srgbClr val="000000"/>
       </a:buClr>
-      <a:buFont typeface="Arial"/>
-      <a:defRPr b="0" i="0" sz="1400" u="none" cap="none" strike="noStrike">
+      <a:buFont typeface="Arial" panose="020B0604020202020204"/>
+      <a:defRPr sz="1400" b="0" i="0" u="none" strike="noStrike" cap="none">
         <a:solidFill>
           <a:srgbClr val="000000"/>
         </a:solidFill>
-        <a:latin typeface="Arial"/>
-        <a:ea typeface="Arial"/>
-        <a:cs typeface="Arial"/>
-        <a:sym typeface="Arial"/>
+        <a:latin typeface="Arial" panose="020B0604020202020204"/>
+        <a:ea typeface="Arial" panose="020B0604020202020204"/>
+        <a:cs typeface="Arial" panose="020B0604020202020204"/>
+        <a:sym typeface="Arial" panose="020B0604020202020204"/>
       </a:defRPr>
     </a:lvl5pPr>
-    <a:lvl6pPr lvl="5" marR="0" rtl="0" algn="l">
+    <a:lvl6pPr marR="0" lvl="5" algn="l" rtl="0">
       <a:lnSpc>
         <a:spcPct val="100000"/>
       </a:lnSpc>
@@ -163,18 +163,18 @@
       <a:buClr>
         <a:srgbClr val="000000"/>
       </a:buClr>
-      <a:buFont typeface="Arial"/>
-      <a:defRPr b="0" i="0" sz="1400" u="none" cap="none" strike="noStrike">
+      <a:buFont typeface="Arial" panose="020B0604020202020204"/>
+      <a:defRPr sz="1400" b="0" i="0" u="none" strike="noStrike" cap="none">
         <a:solidFill>
           <a:srgbClr val="000000"/>
         </a:solidFill>
-        <a:latin typeface="Arial"/>
-        <a:ea typeface="Arial"/>
-        <a:cs typeface="Arial"/>
-        <a:sym typeface="Arial"/>
+        <a:latin typeface="Arial" panose="020B0604020202020204"/>
+        <a:ea typeface="Arial" panose="020B0604020202020204"/>
+        <a:cs typeface="Arial" panose="020B0604020202020204"/>
+        <a:sym typeface="Arial" panose="020B0604020202020204"/>
       </a:defRPr>
     </a:lvl6pPr>
-    <a:lvl7pPr lvl="6" marR="0" rtl="0" algn="l">
+    <a:lvl7pPr marR="0" lvl="6" algn="l" rtl="0">
       <a:lnSpc>
         <a:spcPct val="100000"/>
       </a:lnSpc>
@@ -187,18 +187,18 @@
       <a:buClr>
         <a:srgbClr val="000000"/>
       </a:buClr>
-      <a:buFont typeface="Arial"/>
-      <a:defRPr b="0" i="0" sz="1400" u="none" cap="none" strike="noStrike">
+      <a:buFont typeface="Arial" panose="020B0604020202020204"/>
+      <a:defRPr sz="1400" b="0" i="0" u="none" strike="noStrike" cap="none">
         <a:solidFill>
           <a:srgbClr val="000000"/>
         </a:solidFill>
-        <a:latin typeface="Arial"/>
-        <a:ea typeface="Arial"/>
-        <a:cs typeface="Arial"/>
-        <a:sym typeface="Arial"/>
+        <a:latin typeface="Arial" panose="020B0604020202020204"/>
+        <a:ea typeface="Arial" panose="020B0604020202020204"/>
+        <a:cs typeface="Arial" panose="020B0604020202020204"/>
+        <a:sym typeface="Arial" panose="020B0604020202020204"/>
       </a:defRPr>
     </a:lvl7pPr>
-    <a:lvl8pPr lvl="7" marR="0" rtl="0" algn="l">
+    <a:lvl8pPr marR="0" lvl="7" algn="l" rtl="0">
       <a:lnSpc>
         <a:spcPct val="100000"/>
       </a:lnSpc>
@@ -211,18 +211,18 @@
       <a:buClr>
         <a:srgbClr val="000000"/>
       </a:buClr>
-      <a:buFont typeface="Arial"/>
-      <a:defRPr b="0" i="0" sz="1400" u="none" cap="none" strike="noStrike">
+      <a:buFont typeface="Arial" panose="020B0604020202020204"/>
+      <a:defRPr sz="1400" b="0" i="0" u="none" strike="noStrike" cap="none">
         <a:solidFill>
           <a:srgbClr val="000000"/>
         </a:solidFill>
-        <a:latin typeface="Arial"/>
-        <a:ea typeface="Arial"/>
-        <a:cs typeface="Arial"/>
-        <a:sym typeface="Arial"/>
+        <a:latin typeface="Arial" panose="020B0604020202020204"/>
+        <a:ea typeface="Arial" panose="020B0604020202020204"/>
+        <a:cs typeface="Arial" panose="020B0604020202020204"/>
+        <a:sym typeface="Arial" panose="020B0604020202020204"/>
       </a:defRPr>
     </a:lvl8pPr>
-    <a:lvl9pPr lvl="8" marR="0" rtl="0" algn="l">
+    <a:lvl9pPr marR="0" lvl="8" algn="l" rtl="0">
       <a:lnSpc>
         <a:spcPct val="100000"/>
       </a:lnSpc>
@@ -235,40 +235,29 @@
       <a:buClr>
         <a:srgbClr val="000000"/>
       </a:buClr>
-      <a:buFont typeface="Arial"/>
-      <a:defRPr b="0" i="0" sz="1400" u="none" cap="none" strike="noStrike">
+      <a:buFont typeface="Arial" panose="020B0604020202020204"/>
+      <a:defRPr sz="1400" b="0" i="0" u="none" strike="noStrike" cap="none">
         <a:solidFill>
           <a:srgbClr val="000000"/>
         </a:solidFill>
-        <a:latin typeface="Arial"/>
-        <a:ea typeface="Arial"/>
-        <a:cs typeface="Arial"/>
-        <a:sym typeface="Arial"/>
+        <a:latin typeface="Arial" panose="020B0604020202020204"/>
+        <a:ea typeface="Arial" panose="020B0604020202020204"/>
+        <a:cs typeface="Arial" panose="020B0604020202020204"/>
+        <a:sym typeface="Arial" panose="020B0604020202020204"/>
       </a:defRPr>
     </a:lvl9pPr>
   </p:defaultTextStyle>
-  <p:extLst>
-    <p:ext uri="{EFAFB233-063F-42B5-8137-9DF3F51BA10A}">
-      <p15:sldGuideLst>
-        <p15:guide id="1" orient="horz" pos="1620">
-          <p15:clr>
-            <a:srgbClr val="A4A3A4"/>
-          </p15:clr>
-        </p15:guide>
-        <p15:guide id="2" pos="2880">
-          <p15:clr>
-            <a:srgbClr val="A4A3A4"/>
-          </p15:clr>
-        </p15:guide>
-      </p15:sldGuideLst>
-    </p:ext>
-  </p:extLst>
 </p:presentation>
 </file>
 
 <file path=ppt/notesMasters/notesMaster1.xml><?xml version="1.0" encoding="utf-8"?>
-<p:notesMaster xmlns:a="http://schemas.openxmlformats.org/drawingml/2006/main" xmlns:r="http://schemas.openxmlformats.org/officeDocument/2006/relationships" xmlns:mc="http://schemas.openxmlformats.org/markup-compatibility/2006" xmlns:mv="urn:schemas-microsoft-com:mac:vml" xmlns:p="http://schemas.openxmlformats.org/presentationml/2006/main" xmlns:c="http://schemas.openxmlformats.org/drawingml/2006/chart" xmlns:dgm="http://schemas.openxmlformats.org/drawingml/2006/diagram" xmlns:o="urn:schemas-microsoft-com:office:office" xmlns:v="urn:schemas-microsoft-com:vml" xmlns:pvml="urn:schemas-microsoft-com:office:powerpoint" xmlns:com="http://schemas.openxmlformats.org/drawingml/2006/compatibility" xmlns:p14="http://schemas.microsoft.com/office/powerpoint/2010/main" xmlns:p15="http://schemas.microsoft.com/office/powerpoint/2012/main" xmlns:ahyp="http://schemas.microsoft.com/office/drawing/2018/hyperlinkcolor">
+<p:notesMaster xmlns:a="http://schemas.openxmlformats.org/drawingml/2006/main" xmlns:r="http://schemas.openxmlformats.org/officeDocument/2006/relationships" xmlns:p="http://schemas.openxmlformats.org/presentationml/2006/main">
   <p:cSld>
+    <p:bg>
+      <p:bgRef idx="1001">
+        <a:schemeClr val="bg1"/>
+      </p:bgRef>
+    </p:bg>
     <p:spTree>
       <p:nvGrpSpPr>
         <p:cNvPr id="2" name="Shape 2"/>
@@ -288,7 +277,7 @@
           <p:cNvPr id="3" name="Google Shape;3;n"/>
           <p:cNvSpPr/>
           <p:nvPr>
-            <p:ph idx="2" type="sldImg"/>
+            <p:ph type="sldImg" idx="2"/>
           </p:nvPr>
         </p:nvSpPr>
         <p:spPr>
@@ -297,9 +286,13 @@
             <a:ext cx="6096000" cy="3429000"/>
           </a:xfrm>
           <a:custGeom>
-            <a:rect b="b" l="l" r="r" t="t"/>
+            <a:avLst/>
+            <a:gdLst/>
+            <a:ahLst/>
+            <a:cxnLst/>
+            <a:rect l="l" t="t" r="r" b="b"/>
             <a:pathLst>
-              <a:path extrusionOk="0" h="120000" w="120000">
+              <a:path w="120000" h="120000" extrusionOk="false">
                 <a:moveTo>
                   <a:pt x="0" y="0"/>
                 </a:moveTo>
@@ -317,23 +310,23 @@
             </a:pathLst>
           </a:custGeom>
           <a:noFill/>
-          <a:ln cap="flat" cmpd="sng" w="9525">
+          <a:ln w="9525" cap="flat" cmpd="sng">
             <a:solidFill>
               <a:srgbClr val="000000"/>
             </a:solidFill>
             <a:prstDash val="solid"/>
             <a:round/>
-            <a:headEnd len="sm" w="sm" type="none"/>
-            <a:tailEnd len="sm" w="sm" type="none"/>
+            <a:headEnd type="none" w="sm" len="sm"/>
+            <a:tailEnd type="none" w="sm" len="sm"/>
           </a:ln>
         </p:spPr>
       </p:sp>
       <p:sp>
         <p:nvSpPr>
           <p:cNvPr id="4" name="Google Shape;4;n"/>
-          <p:cNvSpPr txBox="1"/>
+          <p:cNvSpPr txBox="true"/>
           <p:nvPr>
-            <p:ph idx="1" type="body"/>
+            <p:ph type="body" idx="1"/>
           </p:nvPr>
         </p:nvSpPr>
         <p:spPr>
@@ -350,11 +343,11 @@
           </a:ln>
         </p:spPr>
         <p:txBody>
-          <a:bodyPr anchorCtr="0" anchor="t" bIns="91425" lIns="91425" spcFirstLastPara="1" rIns="91425" wrap="square" tIns="91425">
+          <a:bodyPr spcFirstLastPara="1" wrap="square" lIns="91425" tIns="91425" rIns="91425" bIns="91425" anchor="t" anchorCtr="false">
             <a:noAutofit/>
           </a:bodyPr>
           <a:lstStyle>
-            <a:lvl1pPr indent="-298450" lvl="0" marL="457200">
+            <a:lvl1pPr marL="457200" lvl="0" indent="-298450">
               <a:spcBef>
                 <a:spcPts val="0"/>
               </a:spcBef>
@@ -365,7 +358,7 @@
               <a:buChar char="●"/>
               <a:defRPr sz="1100"/>
             </a:lvl1pPr>
-            <a:lvl2pPr indent="-298450" lvl="1" marL="914400">
+            <a:lvl2pPr marL="914400" lvl="1" indent="-298450">
               <a:spcBef>
                 <a:spcPts val="0"/>
               </a:spcBef>
@@ -376,7 +369,7 @@
               <a:buChar char="○"/>
               <a:defRPr sz="1100"/>
             </a:lvl2pPr>
-            <a:lvl3pPr indent="-298450" lvl="2" marL="1371600">
+            <a:lvl3pPr marL="1371600" lvl="2" indent="-298450">
               <a:spcBef>
                 <a:spcPts val="0"/>
               </a:spcBef>
@@ -387,7 +380,7 @@
               <a:buChar char="■"/>
               <a:defRPr sz="1100"/>
             </a:lvl3pPr>
-            <a:lvl4pPr indent="-298450" lvl="3" marL="1828800">
+            <a:lvl4pPr marL="1828800" lvl="3" indent="-298450">
               <a:spcBef>
                 <a:spcPts val="0"/>
               </a:spcBef>
@@ -398,7 +391,7 @@
               <a:buChar char="●"/>
               <a:defRPr sz="1100"/>
             </a:lvl4pPr>
-            <a:lvl5pPr indent="-298450" lvl="4" marL="2286000">
+            <a:lvl5pPr marL="2286000" lvl="4" indent="-298450">
               <a:spcBef>
                 <a:spcPts val="0"/>
               </a:spcBef>
@@ -409,7 +402,7 @@
               <a:buChar char="○"/>
               <a:defRPr sz="1100"/>
             </a:lvl5pPr>
-            <a:lvl6pPr indent="-298450" lvl="5" marL="2743200">
+            <a:lvl6pPr marL="2743200" lvl="5" indent="-298450">
               <a:spcBef>
                 <a:spcPts val="0"/>
               </a:spcBef>
@@ -420,7 +413,7 @@
               <a:buChar char="■"/>
               <a:defRPr sz="1100"/>
             </a:lvl6pPr>
-            <a:lvl7pPr indent="-298450" lvl="6" marL="3200400">
+            <a:lvl7pPr marL="3200400" lvl="6" indent="-298450">
               <a:spcBef>
                 <a:spcPts val="0"/>
               </a:spcBef>
@@ -431,7 +424,7 @@
               <a:buChar char="●"/>
               <a:defRPr sz="1100"/>
             </a:lvl7pPr>
-            <a:lvl8pPr indent="-298450" lvl="7" marL="3657600">
+            <a:lvl8pPr marL="3657600" lvl="7" indent="-298450">
               <a:spcBef>
                 <a:spcPts val="0"/>
               </a:spcBef>
@@ -442,7 +435,7 @@
               <a:buChar char="○"/>
               <a:defRPr sz="1100"/>
             </a:lvl8pPr>
-            <a:lvl9pPr indent="-298450" lvl="8" marL="4114800">
+            <a:lvl9pPr marL="4114800" lvl="8" indent="-298450">
               <a:spcBef>
                 <a:spcPts val="0"/>
               </a:spcBef>
@@ -459,9 +452,9 @@
       </p:sp>
     </p:spTree>
   </p:cSld>
-  <p:clrMap accent1="accent1" accent2="accent2" accent3="accent3" accent4="accent4" accent5="accent5" accent6="accent6" bg1="lt1" bg2="dk2" tx1="dk1" tx2="lt2" folHlink="folHlink" hlink="hlink"/>
+  <p:clrMap bg1="lt1" tx1="dk1" bg2="dk2" tx2="lt2" accent1="accent1" accent2="accent2" accent3="accent3" accent4="accent4" accent5="accent5" accent6="accent6" hlink="hlink" folHlink="folHlink"/>
   <p:notesStyle>
-    <a:defPPr lvl="0" marR="0" rtl="0" algn="l">
+    <a:defPPr marR="0" lvl="0" algn="l" rtl="0">
       <a:lnSpc>
         <a:spcPct val="100000"/>
       </a:lnSpc>
@@ -472,7 +465,7 @@
         <a:spcPts val="0"/>
       </a:spcAft>
     </a:defPPr>
-    <a:lvl1pPr lvl="0" marR="0" rtl="0" algn="l">
+    <a:lvl1pPr marR="0" lvl="0" algn="l" rtl="0">
       <a:lnSpc>
         <a:spcPct val="100000"/>
       </a:lnSpc>
@@ -485,18 +478,18 @@
       <a:buClr>
         <a:srgbClr val="000000"/>
       </a:buClr>
-      <a:buFont typeface="Arial"/>
-      <a:defRPr b="0" i="0" sz="1400" u="none" cap="none" strike="noStrike">
+      <a:buFont typeface="Arial" panose="020B0604020202020204"/>
+      <a:defRPr sz="1400" b="0" i="0" u="none" strike="noStrike" cap="none">
         <a:solidFill>
           <a:srgbClr val="000000"/>
         </a:solidFill>
-        <a:latin typeface="Arial"/>
-        <a:ea typeface="Arial"/>
-        <a:cs typeface="Arial"/>
-        <a:sym typeface="Arial"/>
+        <a:latin typeface="Arial" panose="020B0604020202020204"/>
+        <a:ea typeface="Arial" panose="020B0604020202020204"/>
+        <a:cs typeface="Arial" panose="020B0604020202020204"/>
+        <a:sym typeface="Arial" panose="020B0604020202020204"/>
       </a:defRPr>
     </a:lvl1pPr>
-    <a:lvl2pPr lvl="1" marR="0" rtl="0" algn="l">
+    <a:lvl2pPr marR="0" lvl="1" algn="l" rtl="0">
       <a:lnSpc>
         <a:spcPct val="100000"/>
       </a:lnSpc>
@@ -509,18 +502,18 @@
       <a:buClr>
         <a:srgbClr val="000000"/>
       </a:buClr>
-      <a:buFont typeface="Arial"/>
-      <a:defRPr b="0" i="0" sz="1400" u="none" cap="none" strike="noStrike">
+      <a:buFont typeface="Arial" panose="020B0604020202020204"/>
+      <a:defRPr sz="1400" b="0" i="0" u="none" strike="noStrike" cap="none">
         <a:solidFill>
           <a:srgbClr val="000000"/>
         </a:solidFill>
-        <a:latin typeface="Arial"/>
-        <a:ea typeface="Arial"/>
-        <a:cs typeface="Arial"/>
-        <a:sym typeface="Arial"/>
+        <a:latin typeface="Arial" panose="020B0604020202020204"/>
+        <a:ea typeface="Arial" panose="020B0604020202020204"/>
+        <a:cs typeface="Arial" panose="020B0604020202020204"/>
+        <a:sym typeface="Arial" panose="020B0604020202020204"/>
       </a:defRPr>
     </a:lvl2pPr>
-    <a:lvl3pPr lvl="2" marR="0" rtl="0" algn="l">
+    <a:lvl3pPr marR="0" lvl="2" algn="l" rtl="0">
       <a:lnSpc>
         <a:spcPct val="100000"/>
       </a:lnSpc>
@@ -533,18 +526,18 @@
       <a:buClr>
         <a:srgbClr val="000000"/>
       </a:buClr>
-      <a:buFont typeface="Arial"/>
-      <a:defRPr b="0" i="0" sz="1400" u="none" cap="none" strike="noStrike">
+      <a:buFont typeface="Arial" panose="020B0604020202020204"/>
+      <a:defRPr sz="1400" b="0" i="0" u="none" strike="noStrike" cap="none">
         <a:solidFill>
           <a:srgbClr val="000000"/>
         </a:solidFill>
-        <a:latin typeface="Arial"/>
-        <a:ea typeface="Arial"/>
-        <a:cs typeface="Arial"/>
-        <a:sym typeface="Arial"/>
+        <a:latin typeface="Arial" panose="020B0604020202020204"/>
+        <a:ea typeface="Arial" panose="020B0604020202020204"/>
+        <a:cs typeface="Arial" panose="020B0604020202020204"/>
+        <a:sym typeface="Arial" panose="020B0604020202020204"/>
       </a:defRPr>
     </a:lvl3pPr>
-    <a:lvl4pPr lvl="3" marR="0" rtl="0" algn="l">
+    <a:lvl4pPr marR="0" lvl="3" algn="l" rtl="0">
       <a:lnSpc>
         <a:spcPct val="100000"/>
       </a:lnSpc>
@@ -557,18 +550,18 @@
       <a:buClr>
         <a:srgbClr val="000000"/>
       </a:buClr>
-      <a:buFont typeface="Arial"/>
-      <a:defRPr b="0" i="0" sz="1400" u="none" cap="none" strike="noStrike">
+      <a:buFont typeface="Arial" panose="020B0604020202020204"/>
+      <a:defRPr sz="1400" b="0" i="0" u="none" strike="noStrike" cap="none">
         <a:solidFill>
           <a:srgbClr val="000000"/>
         </a:solidFill>
-        <a:latin typeface="Arial"/>
-        <a:ea typeface="Arial"/>
-        <a:cs typeface="Arial"/>
-        <a:sym typeface="Arial"/>
+        <a:latin typeface="Arial" panose="020B0604020202020204"/>
+        <a:ea typeface="Arial" panose="020B0604020202020204"/>
+        <a:cs typeface="Arial" panose="020B0604020202020204"/>
+        <a:sym typeface="Arial" panose="020B0604020202020204"/>
       </a:defRPr>
     </a:lvl4pPr>
-    <a:lvl5pPr lvl="4" marR="0" rtl="0" algn="l">
+    <a:lvl5pPr marR="0" lvl="4" algn="l" rtl="0">
       <a:lnSpc>
         <a:spcPct val="100000"/>
       </a:lnSpc>
@@ -581,18 +574,18 @@
       <a:buClr>
         <a:srgbClr val="000000"/>
       </a:buClr>
-      <a:buFont typeface="Arial"/>
-      <a:defRPr b="0" i="0" sz="1400" u="none" cap="none" strike="noStrike">
+      <a:buFont typeface="Arial" panose="020B0604020202020204"/>
+      <a:defRPr sz="1400" b="0" i="0" u="none" strike="noStrike" cap="none">
         <a:solidFill>
           <a:srgbClr val="000000"/>
         </a:solidFill>
-        <a:latin typeface="Arial"/>
-        <a:ea typeface="Arial"/>
-        <a:cs typeface="Arial"/>
-        <a:sym typeface="Arial"/>
+        <a:latin typeface="Arial" panose="020B0604020202020204"/>
+        <a:ea typeface="Arial" panose="020B0604020202020204"/>
+        <a:cs typeface="Arial" panose="020B0604020202020204"/>
+        <a:sym typeface="Arial" panose="020B0604020202020204"/>
       </a:defRPr>
     </a:lvl5pPr>
-    <a:lvl6pPr lvl="5" marR="0" rtl="0" algn="l">
+    <a:lvl6pPr marR="0" lvl="5" algn="l" rtl="0">
       <a:lnSpc>
         <a:spcPct val="100000"/>
       </a:lnSpc>
@@ -605,18 +598,18 @@
       <a:buClr>
         <a:srgbClr val="000000"/>
       </a:buClr>
-      <a:buFont typeface="Arial"/>
-      <a:defRPr b="0" i="0" sz="1400" u="none" cap="none" strike="noStrike">
+      <a:buFont typeface="Arial" panose="020B0604020202020204"/>
+      <a:defRPr sz="1400" b="0" i="0" u="none" strike="noStrike" cap="none">
         <a:solidFill>
           <a:srgbClr val="000000"/>
         </a:solidFill>
-        <a:latin typeface="Arial"/>
-        <a:ea typeface="Arial"/>
-        <a:cs typeface="Arial"/>
-        <a:sym typeface="Arial"/>
+        <a:latin typeface="Arial" panose="020B0604020202020204"/>
+        <a:ea typeface="Arial" panose="020B0604020202020204"/>
+        <a:cs typeface="Arial" panose="020B0604020202020204"/>
+        <a:sym typeface="Arial" panose="020B0604020202020204"/>
       </a:defRPr>
     </a:lvl6pPr>
-    <a:lvl7pPr lvl="6" marR="0" rtl="0" algn="l">
+    <a:lvl7pPr marR="0" lvl="6" algn="l" rtl="0">
       <a:lnSpc>
         <a:spcPct val="100000"/>
       </a:lnSpc>
@@ -629,18 +622,18 @@
       <a:buClr>
         <a:srgbClr val="000000"/>
       </a:buClr>
-      <a:buFont typeface="Arial"/>
-      <a:defRPr b="0" i="0" sz="1400" u="none" cap="none" strike="noStrike">
+      <a:buFont typeface="Arial" panose="020B0604020202020204"/>
+      <a:defRPr sz="1400" b="0" i="0" u="none" strike="noStrike" cap="none">
         <a:solidFill>
           <a:srgbClr val="000000"/>
         </a:solidFill>
-        <a:latin typeface="Arial"/>
-        <a:ea typeface="Arial"/>
-        <a:cs typeface="Arial"/>
-        <a:sym typeface="Arial"/>
+        <a:latin typeface="Arial" panose="020B0604020202020204"/>
+        <a:ea typeface="Arial" panose="020B0604020202020204"/>
+        <a:cs typeface="Arial" panose="020B0604020202020204"/>
+        <a:sym typeface="Arial" panose="020B0604020202020204"/>
       </a:defRPr>
     </a:lvl7pPr>
-    <a:lvl8pPr lvl="7" marR="0" rtl="0" algn="l">
+    <a:lvl8pPr marR="0" lvl="7" algn="l" rtl="0">
       <a:lnSpc>
         <a:spcPct val="100000"/>
       </a:lnSpc>
@@ -653,18 +646,18 @@
       <a:buClr>
         <a:srgbClr val="000000"/>
       </a:buClr>
-      <a:buFont typeface="Arial"/>
-      <a:defRPr b="0" i="0" sz="1400" u="none" cap="none" strike="noStrike">
+      <a:buFont typeface="Arial" panose="020B0604020202020204"/>
+      <a:defRPr sz="1400" b="0" i="0" u="none" strike="noStrike" cap="none">
         <a:solidFill>
           <a:srgbClr val="000000"/>
         </a:solidFill>
-        <a:latin typeface="Arial"/>
-        <a:ea typeface="Arial"/>
-        <a:cs typeface="Arial"/>
-        <a:sym typeface="Arial"/>
+        <a:latin typeface="Arial" panose="020B0604020202020204"/>
+        <a:ea typeface="Arial" panose="020B0604020202020204"/>
+        <a:cs typeface="Arial" panose="020B0604020202020204"/>
+        <a:sym typeface="Arial" panose="020B0604020202020204"/>
       </a:defRPr>
     </a:lvl8pPr>
-    <a:lvl9pPr lvl="8" marR="0" rtl="0" algn="l">
+    <a:lvl9pPr marR="0" lvl="8" algn="l" rtl="0">
       <a:lnSpc>
         <a:spcPct val="100000"/>
       </a:lnSpc>
@@ -677,15 +670,15 @@
       <a:buClr>
         <a:srgbClr val="000000"/>
       </a:buClr>
-      <a:buFont typeface="Arial"/>
-      <a:defRPr b="0" i="0" sz="1400" u="none" cap="none" strike="noStrike">
+      <a:buFont typeface="Arial" panose="020B0604020202020204"/>
+      <a:defRPr sz="1400" b="0" i="0" u="none" strike="noStrike" cap="none">
         <a:solidFill>
           <a:srgbClr val="000000"/>
         </a:solidFill>
-        <a:latin typeface="Arial"/>
-        <a:ea typeface="Arial"/>
-        <a:cs typeface="Arial"/>
-        <a:sym typeface="Arial"/>
+        <a:latin typeface="Arial" panose="020B0604020202020204"/>
+        <a:ea typeface="Arial" panose="020B0604020202020204"/>
+        <a:cs typeface="Arial" panose="020B0604020202020204"/>
+        <a:sym typeface="Arial" panose="020B0604020202020204"/>
       </a:defRPr>
     </a:lvl9pPr>
   </p:notesStyle>
@@ -693,7 +686,7 @@
 </file>
 
 <file path=ppt/notesSlides/notesSlide1.xml><?xml version="1.0" encoding="utf-8"?>
-<p:notes xmlns:a="http://schemas.openxmlformats.org/drawingml/2006/main" xmlns:r="http://schemas.openxmlformats.org/officeDocument/2006/relationships" xmlns:mc="http://schemas.openxmlformats.org/markup-compatibility/2006" xmlns:mv="urn:schemas-microsoft-com:mac:vml" xmlns:p="http://schemas.openxmlformats.org/presentationml/2006/main" xmlns:c="http://schemas.openxmlformats.org/drawingml/2006/chart" xmlns:dgm="http://schemas.openxmlformats.org/drawingml/2006/diagram" xmlns:o="urn:schemas-microsoft-com:office:office" xmlns:v="urn:schemas-microsoft-com:vml" xmlns:pvml="urn:schemas-microsoft-com:office:powerpoint" xmlns:com="http://schemas.openxmlformats.org/drawingml/2006/compatibility" xmlns:p14="http://schemas.microsoft.com/office/powerpoint/2010/main" xmlns:p15="http://schemas.microsoft.com/office/powerpoint/2012/main" xmlns:ahyp="http://schemas.microsoft.com/office/drawing/2018/hyperlinkcolor" showMasterPhAnim="0" showMasterSp="0">
+<p:notes xmlns:a="http://schemas.openxmlformats.org/drawingml/2006/main" xmlns:r="http://schemas.openxmlformats.org/officeDocument/2006/relationships" xmlns:p="http://schemas.openxmlformats.org/presentationml/2006/main" showMasterPhAnim="0" showMasterSp="0">
   <p:cSld>
     <p:spTree>
       <p:nvGrpSpPr>
@@ -714,7 +707,7 @@
           <p:cNvPr id="51" name="Google Shape;51;p:notes"/>
           <p:cNvSpPr/>
           <p:nvPr>
-            <p:ph idx="2" type="sldImg"/>
+            <p:ph type="sldImg" idx="2"/>
           </p:nvPr>
         </p:nvSpPr>
         <p:spPr>
@@ -723,9 +716,13 @@
             <a:ext cx="6096000" cy="3429000"/>
           </a:xfrm>
           <a:custGeom>
-            <a:rect b="b" l="l" r="r" t="t"/>
+            <a:avLst/>
+            <a:gdLst/>
+            <a:ahLst/>
+            <a:cxnLst/>
+            <a:rect l="l" t="t" r="r" b="b"/>
             <a:pathLst>
-              <a:path extrusionOk="0" h="120000" w="120000">
+              <a:path w="120000" h="120000" extrusionOk="false">
                 <a:moveTo>
                   <a:pt x="0" y="0"/>
                 </a:moveTo>
@@ -747,9 +744,9 @@
       <p:sp>
         <p:nvSpPr>
           <p:cNvPr id="52" name="Google Shape;52;p:notes"/>
-          <p:cNvSpPr txBox="1"/>
+          <p:cNvSpPr txBox="true"/>
           <p:nvPr>
-            <p:ph idx="1" type="body"/>
+            <p:ph type="body" idx="1"/>
           </p:nvPr>
         </p:nvSpPr>
         <p:spPr>
@@ -762,12 +759,12 @@
           </a:prstGeom>
         </p:spPr>
         <p:txBody>
-          <a:bodyPr anchorCtr="0" anchor="t" bIns="91425" lIns="91425" spcFirstLastPara="1" rIns="91425" wrap="square" tIns="91425">
+          <a:bodyPr spcFirstLastPara="1" wrap="square" lIns="91425" tIns="91425" rIns="91425" bIns="91425" anchor="t" anchorCtr="false">
             <a:noAutofit/>
           </a:bodyPr>
           <a:lstStyle/>
           <a:p>
-            <a:pPr indent="0" lvl="0" marL="0" rtl="0" algn="l">
+            <a:pPr marL="0" lvl="0" indent="0" algn="l" rtl="0">
               <a:spcBef>
                 <a:spcPts val="0"/>
               </a:spcBef>
@@ -776,10 +773,6 @@
               </a:spcAft>
               <a:buNone/>
             </a:pPr>
-            <a:r>
-              <a:t/>
-            </a:r>
-            <a:endParaRPr/>
           </a:p>
         </p:txBody>
       </p:sp>
@@ -792,7 +785,7 @@
 </file>
 
 <file path=ppt/notesSlides/notesSlide2.xml><?xml version="1.0" encoding="utf-8"?>
-<p:notes xmlns:a="http://schemas.openxmlformats.org/drawingml/2006/main" xmlns:r="http://schemas.openxmlformats.org/officeDocument/2006/relationships" xmlns:mc="http://schemas.openxmlformats.org/markup-compatibility/2006" xmlns:mv="urn:schemas-microsoft-com:mac:vml" xmlns:p="http://schemas.openxmlformats.org/presentationml/2006/main" xmlns:c="http://schemas.openxmlformats.org/drawingml/2006/chart" xmlns:dgm="http://schemas.openxmlformats.org/drawingml/2006/diagram" xmlns:o="urn:schemas-microsoft-com:office:office" xmlns:v="urn:schemas-microsoft-com:vml" xmlns:pvml="urn:schemas-microsoft-com:office:powerpoint" xmlns:com="http://schemas.openxmlformats.org/drawingml/2006/compatibility" xmlns:p14="http://schemas.microsoft.com/office/powerpoint/2010/main" xmlns:p15="http://schemas.microsoft.com/office/powerpoint/2012/main" xmlns:ahyp="http://schemas.microsoft.com/office/drawing/2018/hyperlinkcolor" showMasterPhAnim="0" showMasterSp="0">
+<p:notes xmlns:a="http://schemas.openxmlformats.org/drawingml/2006/main" xmlns:r="http://schemas.openxmlformats.org/officeDocument/2006/relationships" xmlns:p="http://schemas.openxmlformats.org/presentationml/2006/main" showMasterPhAnim="0" showMasterSp="0">
   <p:cSld>
     <p:spTree>
       <p:nvGrpSpPr>
@@ -813,7 +806,7 @@
           <p:cNvPr id="56" name="Google Shape;56;ga541ea1d0c_0_1:notes"/>
           <p:cNvSpPr/>
           <p:nvPr>
-            <p:ph idx="2" type="sldImg"/>
+            <p:ph type="sldImg" idx="2"/>
           </p:nvPr>
         </p:nvSpPr>
         <p:spPr>
@@ -822,9 +815,13 @@
             <a:ext cx="6096000" cy="3429000"/>
           </a:xfrm>
           <a:custGeom>
-            <a:rect b="b" l="l" r="r" t="t"/>
+            <a:avLst/>
+            <a:gdLst/>
+            <a:ahLst/>
+            <a:cxnLst/>
+            <a:rect l="l" t="t" r="r" b="b"/>
             <a:pathLst>
-              <a:path extrusionOk="0" h="120000" w="120000">
+              <a:path w="120000" h="120000" extrusionOk="false">
                 <a:moveTo>
                   <a:pt x="0" y="0"/>
                 </a:moveTo>
@@ -846,9 +843,9 @@
       <p:sp>
         <p:nvSpPr>
           <p:cNvPr id="57" name="Google Shape;57;ga541ea1d0c_0_1:notes"/>
-          <p:cNvSpPr txBox="1"/>
+          <p:cNvSpPr txBox="true"/>
           <p:nvPr>
-            <p:ph idx="1" type="body"/>
+            <p:ph type="body" idx="1"/>
           </p:nvPr>
         </p:nvSpPr>
         <p:spPr>
@@ -861,12 +858,12 @@
           </a:prstGeom>
         </p:spPr>
         <p:txBody>
-          <a:bodyPr anchorCtr="0" anchor="t" bIns="91425" lIns="91425" spcFirstLastPara="1" rIns="91425" wrap="square" tIns="91425">
+          <a:bodyPr spcFirstLastPara="1" wrap="square" lIns="91425" tIns="91425" rIns="91425" bIns="91425" anchor="t" anchorCtr="false">
             <a:noAutofit/>
           </a:bodyPr>
           <a:lstStyle/>
           <a:p>
-            <a:pPr indent="0" lvl="0" marL="0" rtl="0" algn="l">
+            <a:pPr marL="0" lvl="0" indent="0" algn="l" rtl="0">
               <a:spcBef>
                 <a:spcPts val="0"/>
               </a:spcBef>
@@ -875,10 +872,6 @@
               </a:spcAft>
               <a:buNone/>
             </a:pPr>
-            <a:r>
-              <a:t/>
-            </a:r>
-            <a:endParaRPr/>
           </a:p>
         </p:txBody>
       </p:sp>
@@ -891,7 +884,7 @@
 </file>
 
 <file path=ppt/notesSlides/notesSlide3.xml><?xml version="1.0" encoding="utf-8"?>
-<p:notes xmlns:a="http://schemas.openxmlformats.org/drawingml/2006/main" xmlns:r="http://schemas.openxmlformats.org/officeDocument/2006/relationships" xmlns:mc="http://schemas.openxmlformats.org/markup-compatibility/2006" xmlns:mv="urn:schemas-microsoft-com:mac:vml" xmlns:p="http://schemas.openxmlformats.org/presentationml/2006/main" xmlns:c="http://schemas.openxmlformats.org/drawingml/2006/chart" xmlns:dgm="http://schemas.openxmlformats.org/drawingml/2006/diagram" xmlns:o="urn:schemas-microsoft-com:office:office" xmlns:v="urn:schemas-microsoft-com:vml" xmlns:pvml="urn:schemas-microsoft-com:office:powerpoint" xmlns:com="http://schemas.openxmlformats.org/drawingml/2006/compatibility" xmlns:p14="http://schemas.microsoft.com/office/powerpoint/2010/main" xmlns:p15="http://schemas.microsoft.com/office/powerpoint/2012/main" xmlns:ahyp="http://schemas.microsoft.com/office/drawing/2018/hyperlinkcolor" showMasterPhAnim="0" showMasterSp="0">
+<p:notes xmlns:a="http://schemas.openxmlformats.org/drawingml/2006/main" xmlns:r="http://schemas.openxmlformats.org/officeDocument/2006/relationships" xmlns:p="http://schemas.openxmlformats.org/presentationml/2006/main" showMasterPhAnim="0" showMasterSp="0">
   <p:cSld>
     <p:spTree>
       <p:nvGrpSpPr>
@@ -912,7 +905,7 @@
           <p:cNvPr id="62" name="Google Shape;62;ga541ea1d0c_0_7:notes"/>
           <p:cNvSpPr/>
           <p:nvPr>
-            <p:ph idx="2" type="sldImg"/>
+            <p:ph type="sldImg" idx="2"/>
           </p:nvPr>
         </p:nvSpPr>
         <p:spPr>
@@ -921,9 +914,13 @@
             <a:ext cx="6096000" cy="3429000"/>
           </a:xfrm>
           <a:custGeom>
-            <a:rect b="b" l="l" r="r" t="t"/>
+            <a:avLst/>
+            <a:gdLst/>
+            <a:ahLst/>
+            <a:cxnLst/>
+            <a:rect l="l" t="t" r="r" b="b"/>
             <a:pathLst>
-              <a:path extrusionOk="0" h="120000" w="120000">
+              <a:path w="120000" h="120000" extrusionOk="false">
                 <a:moveTo>
                   <a:pt x="0" y="0"/>
                 </a:moveTo>
@@ -945,9 +942,9 @@
       <p:sp>
         <p:nvSpPr>
           <p:cNvPr id="63" name="Google Shape;63;ga541ea1d0c_0_7:notes"/>
-          <p:cNvSpPr txBox="1"/>
+          <p:cNvSpPr txBox="true"/>
           <p:nvPr>
-            <p:ph idx="1" type="body"/>
+            <p:ph type="body" idx="1"/>
           </p:nvPr>
         </p:nvSpPr>
         <p:spPr>
@@ -960,12 +957,12 @@
           </a:prstGeom>
         </p:spPr>
         <p:txBody>
-          <a:bodyPr anchorCtr="0" anchor="t" bIns="91425" lIns="91425" spcFirstLastPara="1" rIns="91425" wrap="square" tIns="91425">
+          <a:bodyPr spcFirstLastPara="1" wrap="square" lIns="91425" tIns="91425" rIns="91425" bIns="91425" anchor="t" anchorCtr="false">
             <a:noAutofit/>
           </a:bodyPr>
           <a:lstStyle/>
           <a:p>
-            <a:pPr indent="0" lvl="0" marL="0" rtl="0" algn="l">
+            <a:pPr marL="0" lvl="0" indent="0" algn="l" rtl="0">
               <a:spcBef>
                 <a:spcPts val="0"/>
               </a:spcBef>
@@ -974,10 +971,6 @@
               </a:spcAft>
               <a:buNone/>
             </a:pPr>
-            <a:r>
-              <a:t/>
-            </a:r>
-            <a:endParaRPr/>
           </a:p>
         </p:txBody>
       </p:sp>
@@ -990,7 +983,7 @@
 </file>
 
 <file path=ppt/notesSlides/notesSlide4.xml><?xml version="1.0" encoding="utf-8"?>
-<p:notes xmlns:a="http://schemas.openxmlformats.org/drawingml/2006/main" xmlns:r="http://schemas.openxmlformats.org/officeDocument/2006/relationships" xmlns:mc="http://schemas.openxmlformats.org/markup-compatibility/2006" xmlns:mv="urn:schemas-microsoft-com:mac:vml" xmlns:p="http://schemas.openxmlformats.org/presentationml/2006/main" xmlns:c="http://schemas.openxmlformats.org/drawingml/2006/chart" xmlns:dgm="http://schemas.openxmlformats.org/drawingml/2006/diagram" xmlns:o="urn:schemas-microsoft-com:office:office" xmlns:v="urn:schemas-microsoft-com:vml" xmlns:pvml="urn:schemas-microsoft-com:office:powerpoint" xmlns:com="http://schemas.openxmlformats.org/drawingml/2006/compatibility" xmlns:p14="http://schemas.microsoft.com/office/powerpoint/2010/main" xmlns:p15="http://schemas.microsoft.com/office/powerpoint/2012/main" xmlns:ahyp="http://schemas.microsoft.com/office/drawing/2018/hyperlinkcolor" showMasterPhAnim="0" showMasterSp="0">
+<p:notes xmlns:a="http://schemas.openxmlformats.org/drawingml/2006/main" xmlns:r="http://schemas.openxmlformats.org/officeDocument/2006/relationships" xmlns:p="http://schemas.openxmlformats.org/presentationml/2006/main" showMasterPhAnim="0" showMasterSp="0">
   <p:cSld>
     <p:spTree>
       <p:nvGrpSpPr>
@@ -1011,7 +1004,7 @@
           <p:cNvPr id="68" name="Google Shape;68;ga541ea1d0c_0_14:notes"/>
           <p:cNvSpPr/>
           <p:nvPr>
-            <p:ph idx="2" type="sldImg"/>
+            <p:ph type="sldImg" idx="2"/>
           </p:nvPr>
         </p:nvSpPr>
         <p:spPr>
@@ -1020,9 +1013,13 @@
             <a:ext cx="6096000" cy="3429000"/>
           </a:xfrm>
           <a:custGeom>
-            <a:rect b="b" l="l" r="r" t="t"/>
+            <a:avLst/>
+            <a:gdLst/>
+            <a:ahLst/>
+            <a:cxnLst/>
+            <a:rect l="l" t="t" r="r" b="b"/>
             <a:pathLst>
-              <a:path extrusionOk="0" h="120000" w="120000">
+              <a:path w="120000" h="120000" extrusionOk="false">
                 <a:moveTo>
                   <a:pt x="0" y="0"/>
                 </a:moveTo>
@@ -1044,9 +1041,9 @@
       <p:sp>
         <p:nvSpPr>
           <p:cNvPr id="69" name="Google Shape;69;ga541ea1d0c_0_14:notes"/>
-          <p:cNvSpPr txBox="1"/>
+          <p:cNvSpPr txBox="true"/>
           <p:nvPr>
-            <p:ph idx="1" type="body"/>
+            <p:ph type="body" idx="1"/>
           </p:nvPr>
         </p:nvSpPr>
         <p:spPr>
@@ -1059,12 +1056,12 @@
           </a:prstGeom>
         </p:spPr>
         <p:txBody>
-          <a:bodyPr anchorCtr="0" anchor="t" bIns="91425" lIns="91425" spcFirstLastPara="1" rIns="91425" wrap="square" tIns="91425">
+          <a:bodyPr spcFirstLastPara="1" wrap="square" lIns="91425" tIns="91425" rIns="91425" bIns="91425" anchor="t" anchorCtr="false">
             <a:noAutofit/>
           </a:bodyPr>
           <a:lstStyle/>
           <a:p>
-            <a:pPr indent="0" lvl="0" marL="0" rtl="0" algn="l">
+            <a:pPr marL="0" lvl="0" indent="0" algn="l" rtl="0">
               <a:spcBef>
                 <a:spcPts val="0"/>
               </a:spcBef>
@@ -1073,10 +1070,6 @@
               </a:spcAft>
               <a:buNone/>
             </a:pPr>
-            <a:r>
-              <a:t/>
-            </a:r>
-            <a:endParaRPr/>
           </a:p>
         </p:txBody>
       </p:sp>
@@ -1089,7 +1082,7 @@
 </file>
 
 <file path=ppt/notesSlides/notesSlide5.xml><?xml version="1.0" encoding="utf-8"?>
-<p:notes xmlns:a="http://schemas.openxmlformats.org/drawingml/2006/main" xmlns:r="http://schemas.openxmlformats.org/officeDocument/2006/relationships" xmlns:mc="http://schemas.openxmlformats.org/markup-compatibility/2006" xmlns:mv="urn:schemas-microsoft-com:mac:vml" xmlns:p="http://schemas.openxmlformats.org/presentationml/2006/main" xmlns:c="http://schemas.openxmlformats.org/drawingml/2006/chart" xmlns:dgm="http://schemas.openxmlformats.org/drawingml/2006/diagram" xmlns:o="urn:schemas-microsoft-com:office:office" xmlns:v="urn:schemas-microsoft-com:vml" xmlns:pvml="urn:schemas-microsoft-com:office:powerpoint" xmlns:com="http://schemas.openxmlformats.org/drawingml/2006/compatibility" xmlns:p14="http://schemas.microsoft.com/office/powerpoint/2010/main" xmlns:p15="http://schemas.microsoft.com/office/powerpoint/2012/main" xmlns:ahyp="http://schemas.microsoft.com/office/drawing/2018/hyperlinkcolor" showMasterPhAnim="0" showMasterSp="0">
+<p:notes xmlns:a="http://schemas.openxmlformats.org/drawingml/2006/main" xmlns:r="http://schemas.openxmlformats.org/officeDocument/2006/relationships" xmlns:p="http://schemas.openxmlformats.org/presentationml/2006/main" showMasterPhAnim="0" showMasterSp="0">
   <p:cSld>
     <p:spTree>
       <p:nvGrpSpPr>
@@ -1110,7 +1103,7 @@
           <p:cNvPr id="74" name="Google Shape;74;ga541ea1d0c_0_20:notes"/>
           <p:cNvSpPr/>
           <p:nvPr>
-            <p:ph idx="2" type="sldImg"/>
+            <p:ph type="sldImg" idx="2"/>
           </p:nvPr>
         </p:nvSpPr>
         <p:spPr>
@@ -1119,9 +1112,13 @@
             <a:ext cx="6096000" cy="3429000"/>
           </a:xfrm>
           <a:custGeom>
-            <a:rect b="b" l="l" r="r" t="t"/>
+            <a:avLst/>
+            <a:gdLst/>
+            <a:ahLst/>
+            <a:cxnLst/>
+            <a:rect l="l" t="t" r="r" b="b"/>
             <a:pathLst>
-              <a:path extrusionOk="0" h="120000" w="120000">
+              <a:path w="120000" h="120000" extrusionOk="false">
                 <a:moveTo>
                   <a:pt x="0" y="0"/>
                 </a:moveTo>
@@ -1143,9 +1140,9 @@
       <p:sp>
         <p:nvSpPr>
           <p:cNvPr id="75" name="Google Shape;75;ga541ea1d0c_0_20:notes"/>
-          <p:cNvSpPr txBox="1"/>
+          <p:cNvSpPr txBox="true"/>
           <p:nvPr>
-            <p:ph idx="1" type="body"/>
+            <p:ph type="body" idx="1"/>
           </p:nvPr>
         </p:nvSpPr>
         <p:spPr>
@@ -1158,12 +1155,12 @@
           </a:prstGeom>
         </p:spPr>
         <p:txBody>
-          <a:bodyPr anchorCtr="0" anchor="t" bIns="91425" lIns="91425" spcFirstLastPara="1" rIns="91425" wrap="square" tIns="91425">
+          <a:bodyPr spcFirstLastPara="1" wrap="square" lIns="91425" tIns="91425" rIns="91425" bIns="91425" anchor="t" anchorCtr="false">
             <a:noAutofit/>
           </a:bodyPr>
           <a:lstStyle/>
           <a:p>
-            <a:pPr indent="0" lvl="0" marL="0" rtl="0" algn="l">
+            <a:pPr marL="0" lvl="0" indent="0" algn="l" rtl="0">
               <a:spcBef>
                 <a:spcPts val="0"/>
               </a:spcBef>
@@ -1172,10 +1169,6 @@
               </a:spcAft>
               <a:buNone/>
             </a:pPr>
-            <a:r>
-              <a:t/>
-            </a:r>
-            <a:endParaRPr/>
           </a:p>
         </p:txBody>
       </p:sp>
@@ -1188,7 +1181,7 @@
 </file>
 
 <file path=ppt/notesSlides/notesSlide6.xml><?xml version="1.0" encoding="utf-8"?>
-<p:notes xmlns:a="http://schemas.openxmlformats.org/drawingml/2006/main" xmlns:r="http://schemas.openxmlformats.org/officeDocument/2006/relationships" xmlns:mc="http://schemas.openxmlformats.org/markup-compatibility/2006" xmlns:mv="urn:schemas-microsoft-com:mac:vml" xmlns:p="http://schemas.openxmlformats.org/presentationml/2006/main" xmlns:c="http://schemas.openxmlformats.org/drawingml/2006/chart" xmlns:dgm="http://schemas.openxmlformats.org/drawingml/2006/diagram" xmlns:o="urn:schemas-microsoft-com:office:office" xmlns:v="urn:schemas-microsoft-com:vml" xmlns:pvml="urn:schemas-microsoft-com:office:powerpoint" xmlns:com="http://schemas.openxmlformats.org/drawingml/2006/compatibility" xmlns:p14="http://schemas.microsoft.com/office/powerpoint/2010/main" xmlns:p15="http://schemas.microsoft.com/office/powerpoint/2012/main" xmlns:ahyp="http://schemas.microsoft.com/office/drawing/2018/hyperlinkcolor" showMasterPhAnim="0" showMasterSp="0">
+<p:notes xmlns:a="http://schemas.openxmlformats.org/drawingml/2006/main" xmlns:r="http://schemas.openxmlformats.org/officeDocument/2006/relationships" xmlns:p="http://schemas.openxmlformats.org/presentationml/2006/main" showMasterPhAnim="0" showMasterSp="0">
   <p:cSld>
     <p:spTree>
       <p:nvGrpSpPr>
@@ -1209,7 +1202,7 @@
           <p:cNvPr id="80" name="Google Shape;80;ga541ea1d0c_0_26:notes"/>
           <p:cNvSpPr/>
           <p:nvPr>
-            <p:ph idx="2" type="sldImg"/>
+            <p:ph type="sldImg" idx="2"/>
           </p:nvPr>
         </p:nvSpPr>
         <p:spPr>
@@ -1218,9 +1211,13 @@
             <a:ext cx="6096000" cy="3429000"/>
           </a:xfrm>
           <a:custGeom>
-            <a:rect b="b" l="l" r="r" t="t"/>
+            <a:avLst/>
+            <a:gdLst/>
+            <a:ahLst/>
+            <a:cxnLst/>
+            <a:rect l="l" t="t" r="r" b="b"/>
             <a:pathLst>
-              <a:path extrusionOk="0" h="120000" w="120000">
+              <a:path w="120000" h="120000" extrusionOk="false">
                 <a:moveTo>
                   <a:pt x="0" y="0"/>
                 </a:moveTo>
@@ -1242,9 +1239,9 @@
       <p:sp>
         <p:nvSpPr>
           <p:cNvPr id="81" name="Google Shape;81;ga541ea1d0c_0_26:notes"/>
-          <p:cNvSpPr txBox="1"/>
+          <p:cNvSpPr txBox="true"/>
           <p:nvPr>
-            <p:ph idx="1" type="body"/>
+            <p:ph type="body" idx="1"/>
           </p:nvPr>
         </p:nvSpPr>
         <p:spPr>
@@ -1257,12 +1254,12 @@
           </a:prstGeom>
         </p:spPr>
         <p:txBody>
-          <a:bodyPr anchorCtr="0" anchor="t" bIns="91425" lIns="91425" spcFirstLastPara="1" rIns="91425" wrap="square" tIns="91425">
+          <a:bodyPr spcFirstLastPara="1" wrap="square" lIns="91425" tIns="91425" rIns="91425" bIns="91425" anchor="t" anchorCtr="false">
             <a:noAutofit/>
           </a:bodyPr>
           <a:lstStyle/>
           <a:p>
-            <a:pPr indent="0" lvl="0" marL="0" rtl="0" algn="l">
+            <a:pPr marL="0" lvl="0" indent="0" algn="l" rtl="0">
               <a:spcBef>
                 <a:spcPts val="0"/>
               </a:spcBef>
@@ -1271,10 +1268,6 @@
               </a:spcAft>
               <a:buNone/>
             </a:pPr>
-            <a:r>
-              <a:t/>
-            </a:r>
-            <a:endParaRPr/>
           </a:p>
         </p:txBody>
       </p:sp>
@@ -1287,7 +1280,7 @@
 </file>
 
 <file path=ppt/notesSlides/notesSlide7.xml><?xml version="1.0" encoding="utf-8"?>
-<p:notes xmlns:a="http://schemas.openxmlformats.org/drawingml/2006/main" xmlns:r="http://schemas.openxmlformats.org/officeDocument/2006/relationships" xmlns:mc="http://schemas.openxmlformats.org/markup-compatibility/2006" xmlns:mv="urn:schemas-microsoft-com:mac:vml" xmlns:p="http://schemas.openxmlformats.org/presentationml/2006/main" xmlns:c="http://schemas.openxmlformats.org/drawingml/2006/chart" xmlns:dgm="http://schemas.openxmlformats.org/drawingml/2006/diagram" xmlns:o="urn:schemas-microsoft-com:office:office" xmlns:v="urn:schemas-microsoft-com:vml" xmlns:pvml="urn:schemas-microsoft-com:office:powerpoint" xmlns:com="http://schemas.openxmlformats.org/drawingml/2006/compatibility" xmlns:p14="http://schemas.microsoft.com/office/powerpoint/2010/main" xmlns:p15="http://schemas.microsoft.com/office/powerpoint/2012/main" xmlns:ahyp="http://schemas.microsoft.com/office/drawing/2018/hyperlinkcolor" showMasterPhAnim="0" showMasterSp="0">
+<p:notes xmlns:a="http://schemas.openxmlformats.org/drawingml/2006/main" xmlns:r="http://schemas.openxmlformats.org/officeDocument/2006/relationships" xmlns:p="http://schemas.openxmlformats.org/presentationml/2006/main" showMasterPhAnim="0" showMasterSp="0">
   <p:cSld>
     <p:spTree>
       <p:nvGrpSpPr>
@@ -1308,7 +1301,7 @@
           <p:cNvPr id="87" name="Google Shape;87;ga541ea1d0c_0_33:notes"/>
           <p:cNvSpPr/>
           <p:nvPr>
-            <p:ph idx="2" type="sldImg"/>
+            <p:ph type="sldImg" idx="2"/>
           </p:nvPr>
         </p:nvSpPr>
         <p:spPr>
@@ -1317,9 +1310,13 @@
             <a:ext cx="6096000" cy="3429000"/>
           </a:xfrm>
           <a:custGeom>
-            <a:rect b="b" l="l" r="r" t="t"/>
+            <a:avLst/>
+            <a:gdLst/>
+            <a:ahLst/>
+            <a:cxnLst/>
+            <a:rect l="l" t="t" r="r" b="b"/>
             <a:pathLst>
-              <a:path extrusionOk="0" h="120000" w="120000">
+              <a:path w="120000" h="120000" extrusionOk="false">
                 <a:moveTo>
                   <a:pt x="0" y="0"/>
                 </a:moveTo>
@@ -1341,9 +1338,9 @@
       <p:sp>
         <p:nvSpPr>
           <p:cNvPr id="88" name="Google Shape;88;ga541ea1d0c_0_33:notes"/>
-          <p:cNvSpPr txBox="1"/>
+          <p:cNvSpPr txBox="true"/>
           <p:nvPr>
-            <p:ph idx="1" type="body"/>
+            <p:ph type="body" idx="1"/>
           </p:nvPr>
         </p:nvSpPr>
         <p:spPr>
@@ -1356,12 +1353,12 @@
           </a:prstGeom>
         </p:spPr>
         <p:txBody>
-          <a:bodyPr anchorCtr="0" anchor="t" bIns="91425" lIns="91425" spcFirstLastPara="1" rIns="91425" wrap="square" tIns="91425">
+          <a:bodyPr spcFirstLastPara="1" wrap="square" lIns="91425" tIns="91425" rIns="91425" bIns="91425" anchor="t" anchorCtr="false">
             <a:noAutofit/>
           </a:bodyPr>
           <a:lstStyle/>
           <a:p>
-            <a:pPr indent="0" lvl="0" marL="0" rtl="0" algn="l">
+            <a:pPr marL="0" lvl="0" indent="0" algn="l" rtl="0">
               <a:spcBef>
                 <a:spcPts val="0"/>
               </a:spcBef>
@@ -1370,10 +1367,6 @@
               </a:spcAft>
               <a:buNone/>
             </a:pPr>
-            <a:r>
-              <a:t/>
-            </a:r>
-            <a:endParaRPr/>
           </a:p>
         </p:txBody>
       </p:sp>
@@ -1386,7 +1379,7 @@
 </file>
 
 <file path=ppt/slideLayouts/slideLayout1.xml><?xml version="1.0" encoding="utf-8"?>
-<p:sldLayout xmlns:a="http://schemas.openxmlformats.org/drawingml/2006/main" xmlns:r="http://schemas.openxmlformats.org/officeDocument/2006/relationships" xmlns:mc="http://schemas.openxmlformats.org/markup-compatibility/2006" xmlns:mv="urn:schemas-microsoft-com:mac:vml" xmlns:p="http://schemas.openxmlformats.org/presentationml/2006/main" xmlns:c="http://schemas.openxmlformats.org/drawingml/2006/chart" xmlns:dgm="http://schemas.openxmlformats.org/drawingml/2006/diagram" xmlns:o="urn:schemas-microsoft-com:office:office" xmlns:v="urn:schemas-microsoft-com:vml" xmlns:pvml="urn:schemas-microsoft-com:office:powerpoint" xmlns:com="http://schemas.openxmlformats.org/drawingml/2006/compatibility" xmlns:p14="http://schemas.microsoft.com/office/powerpoint/2010/main" xmlns:p15="http://schemas.microsoft.com/office/powerpoint/2012/main" xmlns:ahyp="http://schemas.microsoft.com/office/drawing/2018/hyperlinkcolor" matchingName="Title slide" type="title">
+<p:sldLayout xmlns:a="http://schemas.openxmlformats.org/drawingml/2006/main" xmlns:r="http://schemas.openxmlformats.org/officeDocument/2006/relationships" xmlns:p="http://schemas.openxmlformats.org/presentationml/2006/main" type="title" matchingName="Title slide">
   <p:cSld name="TITLE">
     <p:spTree>
       <p:nvGrpSpPr>
@@ -1405,7 +1398,7 @@
       <p:sp>
         <p:nvSpPr>
           <p:cNvPr id="10" name="Google Shape;10;p2"/>
-          <p:cNvSpPr txBox="1"/>
+          <p:cNvSpPr txBox="true"/>
           <p:nvPr>
             <p:ph type="ctrTitle"/>
           </p:nvPr>
@@ -1420,7 +1413,7 @@
           </a:prstGeom>
         </p:spPr>
         <p:txBody>
-          <a:bodyPr anchorCtr="0" anchor="b" bIns="91425" lIns="91425" spcFirstLastPara="1" rIns="91425" wrap="square" tIns="91425">
+          <a:bodyPr spcFirstLastPara="1" wrap="square" lIns="91425" tIns="91425" rIns="91425" bIns="91425" anchor="b" anchorCtr="false">
             <a:noAutofit/>
           </a:bodyPr>
           <a:lstStyle>
@@ -1530,9 +1523,9 @@
       <p:sp>
         <p:nvSpPr>
           <p:cNvPr id="11" name="Google Shape;11;p2"/>
-          <p:cNvSpPr txBox="1"/>
+          <p:cNvSpPr txBox="true"/>
           <p:nvPr>
-            <p:ph idx="1" type="subTitle"/>
+            <p:ph type="subTitle" idx="1"/>
           </p:nvPr>
         </p:nvSpPr>
         <p:spPr>
@@ -1545,7 +1538,7 @@
           </a:prstGeom>
         </p:spPr>
         <p:txBody>
-          <a:bodyPr anchorCtr="0" anchor="t" bIns="91425" lIns="91425" spcFirstLastPara="1" rIns="91425" wrap="square" tIns="91425">
+          <a:bodyPr spcFirstLastPara="1" wrap="square" lIns="91425" tIns="91425" rIns="91425" bIns="91425" anchor="t" anchorCtr="false">
             <a:noAutofit/>
           </a:bodyPr>
           <a:lstStyle>
@@ -1682,9 +1675,9 @@
       <p:sp>
         <p:nvSpPr>
           <p:cNvPr id="12" name="Google Shape;12;p2"/>
-          <p:cNvSpPr txBox="1"/>
+          <p:cNvSpPr txBox="true"/>
           <p:nvPr>
-            <p:ph idx="12" type="sldNum"/>
+            <p:ph type="sldNum" idx="12"/>
           </p:nvPr>
         </p:nvSpPr>
         <p:spPr>
@@ -1697,7 +1690,7 @@
           </a:prstGeom>
         </p:spPr>
         <p:txBody>
-          <a:bodyPr anchorCtr="0" anchor="ctr" bIns="91425" lIns="91425" spcFirstLastPara="1" rIns="91425" wrap="square" tIns="91425">
+          <a:bodyPr spcFirstLastPara="1" wrap="square" lIns="91425" tIns="91425" rIns="91425" bIns="91425" anchor="ctr" anchorCtr="false">
             <a:noAutofit/>
           </a:bodyPr>
           <a:lstStyle>
@@ -1739,7 +1732,7 @@
             </a:lvl9pPr>
           </a:lstStyle>
           <a:p>
-            <a:pPr indent="0" lvl="0" marL="0" rtl="0" algn="r">
+            <a:pPr marL="0" lvl="0" indent="0" algn="r" rtl="0">
               <a:spcBef>
                 <a:spcPts val="0"/>
               </a:spcBef>
@@ -1750,9 +1743,8 @@
             </a:pPr>
             <a:fld id="{00000000-1234-1234-1234-123412341234}" type="slidenum">
               <a:rPr lang="zh-CN"/>
-              <a:t>‹#›</a:t>
             </a:fld>
-            <a:endParaRPr/>
+            <a:endParaRPr lang="zh-CN"/>
           </a:p>
         </p:txBody>
       </p:sp>
@@ -1765,7 +1757,7 @@
 </file>
 
 <file path=ppt/slideLayouts/slideLayout10.xml><?xml version="1.0" encoding="utf-8"?>
-<p:sldLayout xmlns:a="http://schemas.openxmlformats.org/drawingml/2006/main" xmlns:r="http://schemas.openxmlformats.org/officeDocument/2006/relationships" xmlns:mc="http://schemas.openxmlformats.org/markup-compatibility/2006" xmlns:mv="urn:schemas-microsoft-com:mac:vml" xmlns:p="http://schemas.openxmlformats.org/presentationml/2006/main" xmlns:c="http://schemas.openxmlformats.org/drawingml/2006/chart" xmlns:dgm="http://schemas.openxmlformats.org/drawingml/2006/diagram" xmlns:o="urn:schemas-microsoft-com:office:office" xmlns:v="urn:schemas-microsoft-com:vml" xmlns:pvml="urn:schemas-microsoft-com:office:powerpoint" xmlns:com="http://schemas.openxmlformats.org/drawingml/2006/compatibility" xmlns:p14="http://schemas.microsoft.com/office/powerpoint/2010/main" xmlns:p15="http://schemas.microsoft.com/office/powerpoint/2012/main" xmlns:ahyp="http://schemas.microsoft.com/office/drawing/2018/hyperlinkcolor" matchingName="Big number">
+<p:sldLayout xmlns:a="http://schemas.openxmlformats.org/drawingml/2006/main" xmlns:r="http://schemas.openxmlformats.org/officeDocument/2006/relationships" xmlns:p="http://schemas.openxmlformats.org/presentationml/2006/main" matchingName="Big number">
   <p:cSld name="BIG_NUMBER">
     <p:spTree>
       <p:nvGrpSpPr>
@@ -1784,9 +1776,9 @@
       <p:sp>
         <p:nvSpPr>
           <p:cNvPr id="45" name="Google Shape;45;p11"/>
-          <p:cNvSpPr txBox="1"/>
+          <p:cNvSpPr txBox="true"/>
           <p:nvPr>
-            <p:ph hasCustomPrompt="1" type="title"/>
+            <p:ph type="title" hasCustomPrompt="true"/>
           </p:nvPr>
         </p:nvSpPr>
         <p:spPr>
@@ -1799,7 +1791,7 @@
           </a:prstGeom>
         </p:spPr>
         <p:txBody>
-          <a:bodyPr anchorCtr="0" anchor="b" bIns="91425" lIns="91425" spcFirstLastPara="1" rIns="91425" wrap="square" tIns="91425">
+          <a:bodyPr spcFirstLastPara="1" wrap="square" lIns="91425" tIns="91425" rIns="91425" bIns="91425" anchor="b" anchorCtr="false">
             <a:noAutofit/>
           </a:bodyPr>
           <a:lstStyle>
@@ -1913,9 +1905,9 @@
       <p:sp>
         <p:nvSpPr>
           <p:cNvPr id="46" name="Google Shape;46;p11"/>
-          <p:cNvSpPr txBox="1"/>
+          <p:cNvSpPr txBox="true"/>
           <p:nvPr>
-            <p:ph idx="1" type="body"/>
+            <p:ph type="body" idx="1"/>
           </p:nvPr>
         </p:nvSpPr>
         <p:spPr>
@@ -1928,11 +1920,11 @@
           </a:prstGeom>
         </p:spPr>
         <p:txBody>
-          <a:bodyPr anchorCtr="0" anchor="t" bIns="91425" lIns="91425" spcFirstLastPara="1" rIns="91425" wrap="square" tIns="91425">
+          <a:bodyPr spcFirstLastPara="1" wrap="square" lIns="91425" tIns="91425" rIns="91425" bIns="91425" anchor="t" anchorCtr="false">
             <a:noAutofit/>
           </a:bodyPr>
           <a:lstStyle>
-            <a:lvl1pPr indent="-342900" lvl="0" marL="457200" algn="ctr">
+            <a:lvl1pPr marL="457200" lvl="0" indent="-342900" algn="ctr">
               <a:spcBef>
                 <a:spcPts val="0"/>
               </a:spcBef>
@@ -1943,7 +1935,7 @@
               <a:buChar char="●"/>
               <a:defRPr/>
             </a:lvl1pPr>
-            <a:lvl2pPr indent="-317500" lvl="1" marL="914400" algn="ctr">
+            <a:lvl2pPr marL="914400" lvl="1" indent="-317500" algn="ctr">
               <a:spcBef>
                 <a:spcPts val="1600"/>
               </a:spcBef>
@@ -1954,7 +1946,7 @@
               <a:buChar char="○"/>
               <a:defRPr/>
             </a:lvl2pPr>
-            <a:lvl3pPr indent="-317500" lvl="2" marL="1371600" algn="ctr">
+            <a:lvl3pPr marL="1371600" lvl="2" indent="-317500" algn="ctr">
               <a:spcBef>
                 <a:spcPts val="1600"/>
               </a:spcBef>
@@ -1965,7 +1957,7 @@
               <a:buChar char="■"/>
               <a:defRPr/>
             </a:lvl3pPr>
-            <a:lvl4pPr indent="-317500" lvl="3" marL="1828800" algn="ctr">
+            <a:lvl4pPr marL="1828800" lvl="3" indent="-317500" algn="ctr">
               <a:spcBef>
                 <a:spcPts val="1600"/>
               </a:spcBef>
@@ -1976,7 +1968,7 @@
               <a:buChar char="●"/>
               <a:defRPr/>
             </a:lvl4pPr>
-            <a:lvl5pPr indent="-317500" lvl="4" marL="2286000" algn="ctr">
+            <a:lvl5pPr marL="2286000" lvl="4" indent="-317500" algn="ctr">
               <a:spcBef>
                 <a:spcPts val="1600"/>
               </a:spcBef>
@@ -1987,7 +1979,7 @@
               <a:buChar char="○"/>
               <a:defRPr/>
             </a:lvl5pPr>
-            <a:lvl6pPr indent="-317500" lvl="5" marL="2743200" algn="ctr">
+            <a:lvl6pPr marL="2743200" lvl="5" indent="-317500" algn="ctr">
               <a:spcBef>
                 <a:spcPts val="1600"/>
               </a:spcBef>
@@ -1998,7 +1990,7 @@
               <a:buChar char="■"/>
               <a:defRPr/>
             </a:lvl6pPr>
-            <a:lvl7pPr indent="-317500" lvl="6" marL="3200400" algn="ctr">
+            <a:lvl7pPr marL="3200400" lvl="6" indent="-317500" algn="ctr">
               <a:spcBef>
                 <a:spcPts val="1600"/>
               </a:spcBef>
@@ -2009,7 +2001,7 @@
               <a:buChar char="●"/>
               <a:defRPr/>
             </a:lvl7pPr>
-            <a:lvl8pPr indent="-317500" lvl="7" marL="3657600" algn="ctr">
+            <a:lvl8pPr marL="3657600" lvl="7" indent="-317500" algn="ctr">
               <a:spcBef>
                 <a:spcPts val="1600"/>
               </a:spcBef>
@@ -2020,7 +2012,7 @@
               <a:buChar char="○"/>
               <a:defRPr/>
             </a:lvl8pPr>
-            <a:lvl9pPr indent="-317500" lvl="8" marL="4114800" algn="ctr">
+            <a:lvl9pPr marL="4114800" lvl="8" indent="-317500" algn="ctr">
               <a:spcBef>
                 <a:spcPts val="1600"/>
               </a:spcBef>
@@ -2038,9 +2030,9 @@
       <p:sp>
         <p:nvSpPr>
           <p:cNvPr id="47" name="Google Shape;47;p11"/>
-          <p:cNvSpPr txBox="1"/>
+          <p:cNvSpPr txBox="true"/>
           <p:nvPr>
-            <p:ph idx="12" type="sldNum"/>
+            <p:ph type="sldNum" idx="12"/>
           </p:nvPr>
         </p:nvSpPr>
         <p:spPr>
@@ -2053,7 +2045,7 @@
           </a:prstGeom>
         </p:spPr>
         <p:txBody>
-          <a:bodyPr anchorCtr="0" anchor="ctr" bIns="91425" lIns="91425" spcFirstLastPara="1" rIns="91425" wrap="square" tIns="91425">
+          <a:bodyPr spcFirstLastPara="1" wrap="square" lIns="91425" tIns="91425" rIns="91425" bIns="91425" anchor="ctr" anchorCtr="false">
             <a:noAutofit/>
           </a:bodyPr>
           <a:lstStyle>
@@ -2095,7 +2087,7 @@
             </a:lvl9pPr>
           </a:lstStyle>
           <a:p>
-            <a:pPr indent="0" lvl="0" marL="0" rtl="0" algn="r">
+            <a:pPr marL="0" lvl="0" indent="0" algn="r" rtl="0">
               <a:spcBef>
                 <a:spcPts val="0"/>
               </a:spcBef>
@@ -2106,9 +2098,8 @@
             </a:pPr>
             <a:fld id="{00000000-1234-1234-1234-123412341234}" type="slidenum">
               <a:rPr lang="zh-CN"/>
-              <a:t>‹#›</a:t>
             </a:fld>
-            <a:endParaRPr/>
+            <a:endParaRPr lang="zh-CN"/>
           </a:p>
         </p:txBody>
       </p:sp>
@@ -2121,7 +2112,7 @@
 </file>
 
 <file path=ppt/slideLayouts/slideLayout11.xml><?xml version="1.0" encoding="utf-8"?>
-<p:sldLayout xmlns:a="http://schemas.openxmlformats.org/drawingml/2006/main" xmlns:r="http://schemas.openxmlformats.org/officeDocument/2006/relationships" xmlns:mc="http://schemas.openxmlformats.org/markup-compatibility/2006" xmlns:mv="urn:schemas-microsoft-com:mac:vml" xmlns:p="http://schemas.openxmlformats.org/presentationml/2006/main" xmlns:c="http://schemas.openxmlformats.org/drawingml/2006/chart" xmlns:dgm="http://schemas.openxmlformats.org/drawingml/2006/diagram" xmlns:o="urn:schemas-microsoft-com:office:office" xmlns:v="urn:schemas-microsoft-com:vml" xmlns:pvml="urn:schemas-microsoft-com:office:powerpoint" xmlns:com="http://schemas.openxmlformats.org/drawingml/2006/compatibility" xmlns:p14="http://schemas.microsoft.com/office/powerpoint/2010/main" xmlns:p15="http://schemas.microsoft.com/office/powerpoint/2012/main" xmlns:ahyp="http://schemas.microsoft.com/office/drawing/2018/hyperlinkcolor" matchingName="Blank" type="blank">
+<p:sldLayout xmlns:a="http://schemas.openxmlformats.org/drawingml/2006/main" xmlns:r="http://schemas.openxmlformats.org/officeDocument/2006/relationships" xmlns:p="http://schemas.openxmlformats.org/presentationml/2006/main" type="blank" matchingName="Blank">
   <p:cSld name="BLANK">
     <p:spTree>
       <p:nvGrpSpPr>
@@ -2140,9 +2131,9 @@
       <p:sp>
         <p:nvSpPr>
           <p:cNvPr id="49" name="Google Shape;49;p12"/>
-          <p:cNvSpPr txBox="1"/>
+          <p:cNvSpPr txBox="true"/>
           <p:nvPr>
-            <p:ph idx="12" type="sldNum"/>
+            <p:ph type="sldNum" idx="12"/>
           </p:nvPr>
         </p:nvSpPr>
         <p:spPr>
@@ -2155,7 +2146,7 @@
           </a:prstGeom>
         </p:spPr>
         <p:txBody>
-          <a:bodyPr anchorCtr="0" anchor="ctr" bIns="91425" lIns="91425" spcFirstLastPara="1" rIns="91425" wrap="square" tIns="91425">
+          <a:bodyPr spcFirstLastPara="1" wrap="square" lIns="91425" tIns="91425" rIns="91425" bIns="91425" anchor="ctr" anchorCtr="false">
             <a:noAutofit/>
           </a:bodyPr>
           <a:lstStyle>
@@ -2197,7 +2188,7 @@
             </a:lvl9pPr>
           </a:lstStyle>
           <a:p>
-            <a:pPr indent="0" lvl="0" marL="0" rtl="0" algn="r">
+            <a:pPr marL="0" lvl="0" indent="0" algn="r" rtl="0">
               <a:spcBef>
                 <a:spcPts val="0"/>
               </a:spcBef>
@@ -2208,9 +2199,8 @@
             </a:pPr>
             <a:fld id="{00000000-1234-1234-1234-123412341234}" type="slidenum">
               <a:rPr lang="zh-CN"/>
-              <a:t>‹#›</a:t>
             </a:fld>
-            <a:endParaRPr/>
+            <a:endParaRPr lang="zh-CN"/>
           </a:p>
         </p:txBody>
       </p:sp>
@@ -2223,7 +2213,7 @@
 </file>
 
 <file path=ppt/slideLayouts/slideLayout2.xml><?xml version="1.0" encoding="utf-8"?>
-<p:sldLayout xmlns:a="http://schemas.openxmlformats.org/drawingml/2006/main" xmlns:r="http://schemas.openxmlformats.org/officeDocument/2006/relationships" xmlns:mc="http://schemas.openxmlformats.org/markup-compatibility/2006" xmlns:mv="urn:schemas-microsoft-com:mac:vml" xmlns:p="http://schemas.openxmlformats.org/presentationml/2006/main" xmlns:c="http://schemas.openxmlformats.org/drawingml/2006/chart" xmlns:dgm="http://schemas.openxmlformats.org/drawingml/2006/diagram" xmlns:o="urn:schemas-microsoft-com:office:office" xmlns:v="urn:schemas-microsoft-com:vml" xmlns:pvml="urn:schemas-microsoft-com:office:powerpoint" xmlns:com="http://schemas.openxmlformats.org/drawingml/2006/compatibility" xmlns:p14="http://schemas.microsoft.com/office/powerpoint/2010/main" xmlns:p15="http://schemas.microsoft.com/office/powerpoint/2012/main" xmlns:ahyp="http://schemas.microsoft.com/office/drawing/2018/hyperlinkcolor" matchingName="Section header" type="secHead">
+<p:sldLayout xmlns:a="http://schemas.openxmlformats.org/drawingml/2006/main" xmlns:r="http://schemas.openxmlformats.org/officeDocument/2006/relationships" xmlns:p="http://schemas.openxmlformats.org/presentationml/2006/main" type="secHead" matchingName="Section header">
   <p:cSld name="SECTION_HEADER">
     <p:spTree>
       <p:nvGrpSpPr>
@@ -2242,7 +2232,7 @@
       <p:sp>
         <p:nvSpPr>
           <p:cNvPr id="14" name="Google Shape;14;p3"/>
-          <p:cNvSpPr txBox="1"/>
+          <p:cNvSpPr txBox="true"/>
           <p:nvPr>
             <p:ph type="title"/>
           </p:nvPr>
@@ -2257,7 +2247,7 @@
           </a:prstGeom>
         </p:spPr>
         <p:txBody>
-          <a:bodyPr anchorCtr="0" anchor="ctr" bIns="91425" lIns="91425" spcFirstLastPara="1" rIns="91425" wrap="square" tIns="91425">
+          <a:bodyPr spcFirstLastPara="1" wrap="square" lIns="91425" tIns="91425" rIns="91425" bIns="91425" anchor="ctr" anchorCtr="false">
             <a:noAutofit/>
           </a:bodyPr>
           <a:lstStyle>
@@ -2367,9 +2357,9 @@
       <p:sp>
         <p:nvSpPr>
           <p:cNvPr id="15" name="Google Shape;15;p3"/>
-          <p:cNvSpPr txBox="1"/>
+          <p:cNvSpPr txBox="true"/>
           <p:nvPr>
-            <p:ph idx="12" type="sldNum"/>
+            <p:ph type="sldNum" idx="12"/>
           </p:nvPr>
         </p:nvSpPr>
         <p:spPr>
@@ -2382,7 +2372,7 @@
           </a:prstGeom>
         </p:spPr>
         <p:txBody>
-          <a:bodyPr anchorCtr="0" anchor="ctr" bIns="91425" lIns="91425" spcFirstLastPara="1" rIns="91425" wrap="square" tIns="91425">
+          <a:bodyPr spcFirstLastPara="1" wrap="square" lIns="91425" tIns="91425" rIns="91425" bIns="91425" anchor="ctr" anchorCtr="false">
             <a:noAutofit/>
           </a:bodyPr>
           <a:lstStyle>
@@ -2424,7 +2414,7 @@
             </a:lvl9pPr>
           </a:lstStyle>
           <a:p>
-            <a:pPr indent="0" lvl="0" marL="0" rtl="0" algn="r">
+            <a:pPr marL="0" lvl="0" indent="0" algn="r" rtl="0">
               <a:spcBef>
                 <a:spcPts val="0"/>
               </a:spcBef>
@@ -2435,9 +2425,8 @@
             </a:pPr>
             <a:fld id="{00000000-1234-1234-1234-123412341234}" type="slidenum">
               <a:rPr lang="zh-CN"/>
-              <a:t>‹#›</a:t>
             </a:fld>
-            <a:endParaRPr/>
+            <a:endParaRPr lang="zh-CN"/>
           </a:p>
         </p:txBody>
       </p:sp>
@@ -2450,7 +2439,7 @@
 </file>
 
 <file path=ppt/slideLayouts/slideLayout3.xml><?xml version="1.0" encoding="utf-8"?>
-<p:sldLayout xmlns:a="http://schemas.openxmlformats.org/drawingml/2006/main" xmlns:r="http://schemas.openxmlformats.org/officeDocument/2006/relationships" xmlns:mc="http://schemas.openxmlformats.org/markup-compatibility/2006" xmlns:mv="urn:schemas-microsoft-com:mac:vml" xmlns:p="http://schemas.openxmlformats.org/presentationml/2006/main" xmlns:c="http://schemas.openxmlformats.org/drawingml/2006/chart" xmlns:dgm="http://schemas.openxmlformats.org/drawingml/2006/diagram" xmlns:o="urn:schemas-microsoft-com:office:office" xmlns:v="urn:schemas-microsoft-com:vml" xmlns:pvml="urn:schemas-microsoft-com:office:powerpoint" xmlns:com="http://schemas.openxmlformats.org/drawingml/2006/compatibility" xmlns:p14="http://schemas.microsoft.com/office/powerpoint/2010/main" xmlns:p15="http://schemas.microsoft.com/office/powerpoint/2012/main" xmlns:ahyp="http://schemas.microsoft.com/office/drawing/2018/hyperlinkcolor" matchingName="Title and body" type="tx">
+<p:sldLayout xmlns:a="http://schemas.openxmlformats.org/drawingml/2006/main" xmlns:r="http://schemas.openxmlformats.org/officeDocument/2006/relationships" xmlns:p="http://schemas.openxmlformats.org/presentationml/2006/main" type="tx" matchingName="Title and body">
   <p:cSld name="TITLE_AND_BODY">
     <p:spTree>
       <p:nvGrpSpPr>
@@ -2469,7 +2458,7 @@
       <p:sp>
         <p:nvSpPr>
           <p:cNvPr id="17" name="Google Shape;17;p4"/>
-          <p:cNvSpPr txBox="1"/>
+          <p:cNvSpPr txBox="true"/>
           <p:nvPr>
             <p:ph type="title"/>
           </p:nvPr>
@@ -2484,7 +2473,7 @@
           </a:prstGeom>
         </p:spPr>
         <p:txBody>
-          <a:bodyPr anchorCtr="0" anchor="t" bIns="91425" lIns="91425" spcFirstLastPara="1" rIns="91425" wrap="square" tIns="91425">
+          <a:bodyPr spcFirstLastPara="1" wrap="square" lIns="91425" tIns="91425" rIns="91425" bIns="91425" anchor="t" anchorCtr="false">
             <a:noAutofit/>
           </a:bodyPr>
           <a:lstStyle>
@@ -2594,9 +2583,9 @@
       <p:sp>
         <p:nvSpPr>
           <p:cNvPr id="18" name="Google Shape;18;p4"/>
-          <p:cNvSpPr txBox="1"/>
+          <p:cNvSpPr txBox="true"/>
           <p:nvPr>
-            <p:ph idx="1" type="body"/>
+            <p:ph type="body" idx="1"/>
           </p:nvPr>
         </p:nvSpPr>
         <p:spPr>
@@ -2609,11 +2598,11 @@
           </a:prstGeom>
         </p:spPr>
         <p:txBody>
-          <a:bodyPr anchorCtr="0" anchor="t" bIns="91425" lIns="91425" spcFirstLastPara="1" rIns="91425" wrap="square" tIns="91425">
+          <a:bodyPr spcFirstLastPara="1" wrap="square" lIns="91425" tIns="91425" rIns="91425" bIns="91425" anchor="t" anchorCtr="false">
             <a:noAutofit/>
           </a:bodyPr>
           <a:lstStyle>
-            <a:lvl1pPr indent="-342900" lvl="0" marL="457200">
+            <a:lvl1pPr marL="457200" lvl="0" indent="-342900">
               <a:spcBef>
                 <a:spcPts val="0"/>
               </a:spcBef>
@@ -2624,7 +2613,7 @@
               <a:buChar char="●"/>
               <a:defRPr/>
             </a:lvl1pPr>
-            <a:lvl2pPr indent="-317500" lvl="1" marL="914400">
+            <a:lvl2pPr marL="914400" lvl="1" indent="-317500">
               <a:spcBef>
                 <a:spcPts val="1600"/>
               </a:spcBef>
@@ -2635,7 +2624,7 @@
               <a:buChar char="○"/>
               <a:defRPr/>
             </a:lvl2pPr>
-            <a:lvl3pPr indent="-317500" lvl="2" marL="1371600">
+            <a:lvl3pPr marL="1371600" lvl="2" indent="-317500">
               <a:spcBef>
                 <a:spcPts val="1600"/>
               </a:spcBef>
@@ -2646,7 +2635,7 @@
               <a:buChar char="■"/>
               <a:defRPr/>
             </a:lvl3pPr>
-            <a:lvl4pPr indent="-317500" lvl="3" marL="1828800">
+            <a:lvl4pPr marL="1828800" lvl="3" indent="-317500">
               <a:spcBef>
                 <a:spcPts val="1600"/>
               </a:spcBef>
@@ -2657,7 +2646,7 @@
               <a:buChar char="●"/>
               <a:defRPr/>
             </a:lvl4pPr>
-            <a:lvl5pPr indent="-317500" lvl="4" marL="2286000">
+            <a:lvl5pPr marL="2286000" lvl="4" indent="-317500">
               <a:spcBef>
                 <a:spcPts val="1600"/>
               </a:spcBef>
@@ -2668,7 +2657,7 @@
               <a:buChar char="○"/>
               <a:defRPr/>
             </a:lvl5pPr>
-            <a:lvl6pPr indent="-317500" lvl="5" marL="2743200">
+            <a:lvl6pPr marL="2743200" lvl="5" indent="-317500">
               <a:spcBef>
                 <a:spcPts val="1600"/>
               </a:spcBef>
@@ -2679,7 +2668,7 @@
               <a:buChar char="■"/>
               <a:defRPr/>
             </a:lvl6pPr>
-            <a:lvl7pPr indent="-317500" lvl="6" marL="3200400">
+            <a:lvl7pPr marL="3200400" lvl="6" indent="-317500">
               <a:spcBef>
                 <a:spcPts val="1600"/>
               </a:spcBef>
@@ -2690,7 +2679,7 @@
               <a:buChar char="●"/>
               <a:defRPr/>
             </a:lvl7pPr>
-            <a:lvl8pPr indent="-317500" lvl="7" marL="3657600">
+            <a:lvl8pPr marL="3657600" lvl="7" indent="-317500">
               <a:spcBef>
                 <a:spcPts val="1600"/>
               </a:spcBef>
@@ -2701,7 +2690,7 @@
               <a:buChar char="○"/>
               <a:defRPr/>
             </a:lvl8pPr>
-            <a:lvl9pPr indent="-317500" lvl="8" marL="4114800">
+            <a:lvl9pPr marL="4114800" lvl="8" indent="-317500">
               <a:spcBef>
                 <a:spcPts val="1600"/>
               </a:spcBef>
@@ -2719,9 +2708,9 @@
       <p:sp>
         <p:nvSpPr>
           <p:cNvPr id="19" name="Google Shape;19;p4"/>
-          <p:cNvSpPr txBox="1"/>
+          <p:cNvSpPr txBox="true"/>
           <p:nvPr>
-            <p:ph idx="12" type="sldNum"/>
+            <p:ph type="sldNum" idx="12"/>
           </p:nvPr>
         </p:nvSpPr>
         <p:spPr>
@@ -2734,7 +2723,7 @@
           </a:prstGeom>
         </p:spPr>
         <p:txBody>
-          <a:bodyPr anchorCtr="0" anchor="ctr" bIns="91425" lIns="91425" spcFirstLastPara="1" rIns="91425" wrap="square" tIns="91425">
+          <a:bodyPr spcFirstLastPara="1" wrap="square" lIns="91425" tIns="91425" rIns="91425" bIns="91425" anchor="ctr" anchorCtr="false">
             <a:noAutofit/>
           </a:bodyPr>
           <a:lstStyle>
@@ -2776,7 +2765,7 @@
             </a:lvl9pPr>
           </a:lstStyle>
           <a:p>
-            <a:pPr indent="0" lvl="0" marL="0" rtl="0" algn="r">
+            <a:pPr marL="0" lvl="0" indent="0" algn="r" rtl="0">
               <a:spcBef>
                 <a:spcPts val="0"/>
               </a:spcBef>
@@ -2787,9 +2776,8 @@
             </a:pPr>
             <a:fld id="{00000000-1234-1234-1234-123412341234}" type="slidenum">
               <a:rPr lang="zh-CN"/>
-              <a:t>‹#›</a:t>
             </a:fld>
-            <a:endParaRPr/>
+            <a:endParaRPr lang="zh-CN"/>
           </a:p>
         </p:txBody>
       </p:sp>
@@ -2802,7 +2790,7 @@
 </file>
 
 <file path=ppt/slideLayouts/slideLayout4.xml><?xml version="1.0" encoding="utf-8"?>
-<p:sldLayout xmlns:a="http://schemas.openxmlformats.org/drawingml/2006/main" xmlns:r="http://schemas.openxmlformats.org/officeDocument/2006/relationships" xmlns:mc="http://schemas.openxmlformats.org/markup-compatibility/2006" xmlns:mv="urn:schemas-microsoft-com:mac:vml" xmlns:p="http://schemas.openxmlformats.org/presentationml/2006/main" xmlns:c="http://schemas.openxmlformats.org/drawingml/2006/chart" xmlns:dgm="http://schemas.openxmlformats.org/drawingml/2006/diagram" xmlns:o="urn:schemas-microsoft-com:office:office" xmlns:v="urn:schemas-microsoft-com:vml" xmlns:pvml="urn:schemas-microsoft-com:office:powerpoint" xmlns:com="http://schemas.openxmlformats.org/drawingml/2006/compatibility" xmlns:p14="http://schemas.microsoft.com/office/powerpoint/2010/main" xmlns:p15="http://schemas.microsoft.com/office/powerpoint/2012/main" xmlns:ahyp="http://schemas.microsoft.com/office/drawing/2018/hyperlinkcolor" matchingName="Title and two columns" type="twoColTx">
+<p:sldLayout xmlns:a="http://schemas.openxmlformats.org/drawingml/2006/main" xmlns:r="http://schemas.openxmlformats.org/officeDocument/2006/relationships" xmlns:p="http://schemas.openxmlformats.org/presentationml/2006/main" type="twoColTx" matchingName="Title and two columns">
   <p:cSld name="TITLE_AND_TWO_COLUMNS">
     <p:spTree>
       <p:nvGrpSpPr>
@@ -2821,7 +2809,7 @@
       <p:sp>
         <p:nvSpPr>
           <p:cNvPr id="21" name="Google Shape;21;p5"/>
-          <p:cNvSpPr txBox="1"/>
+          <p:cNvSpPr txBox="true"/>
           <p:nvPr>
             <p:ph type="title"/>
           </p:nvPr>
@@ -2836,7 +2824,7 @@
           </a:prstGeom>
         </p:spPr>
         <p:txBody>
-          <a:bodyPr anchorCtr="0" anchor="t" bIns="91425" lIns="91425" spcFirstLastPara="1" rIns="91425" wrap="square" tIns="91425">
+          <a:bodyPr spcFirstLastPara="1" wrap="square" lIns="91425" tIns="91425" rIns="91425" bIns="91425" anchor="t" anchorCtr="false">
             <a:noAutofit/>
           </a:bodyPr>
           <a:lstStyle>
@@ -2946,9 +2934,9 @@
       <p:sp>
         <p:nvSpPr>
           <p:cNvPr id="22" name="Google Shape;22;p5"/>
-          <p:cNvSpPr txBox="1"/>
+          <p:cNvSpPr txBox="true"/>
           <p:nvPr>
-            <p:ph idx="1" type="body"/>
+            <p:ph type="body" idx="1"/>
           </p:nvPr>
         </p:nvSpPr>
         <p:spPr>
@@ -2961,11 +2949,11 @@
           </a:prstGeom>
         </p:spPr>
         <p:txBody>
-          <a:bodyPr anchorCtr="0" anchor="t" bIns="91425" lIns="91425" spcFirstLastPara="1" rIns="91425" wrap="square" tIns="91425">
+          <a:bodyPr spcFirstLastPara="1" wrap="square" lIns="91425" tIns="91425" rIns="91425" bIns="91425" anchor="t" anchorCtr="false">
             <a:noAutofit/>
           </a:bodyPr>
           <a:lstStyle>
-            <a:lvl1pPr indent="-317500" lvl="0" marL="457200">
+            <a:lvl1pPr marL="457200" lvl="0" indent="-317500">
               <a:spcBef>
                 <a:spcPts val="0"/>
               </a:spcBef>
@@ -2976,7 +2964,7 @@
               <a:buChar char="●"/>
               <a:defRPr sz="1400"/>
             </a:lvl1pPr>
-            <a:lvl2pPr indent="-304800" lvl="1" marL="914400">
+            <a:lvl2pPr marL="914400" lvl="1" indent="-304800">
               <a:spcBef>
                 <a:spcPts val="1600"/>
               </a:spcBef>
@@ -2987,7 +2975,7 @@
               <a:buChar char="○"/>
               <a:defRPr sz="1200"/>
             </a:lvl2pPr>
-            <a:lvl3pPr indent="-304800" lvl="2" marL="1371600">
+            <a:lvl3pPr marL="1371600" lvl="2" indent="-304800">
               <a:spcBef>
                 <a:spcPts val="1600"/>
               </a:spcBef>
@@ -2998,7 +2986,7 @@
               <a:buChar char="■"/>
               <a:defRPr sz="1200"/>
             </a:lvl3pPr>
-            <a:lvl4pPr indent="-304800" lvl="3" marL="1828800">
+            <a:lvl4pPr marL="1828800" lvl="3" indent="-304800">
               <a:spcBef>
                 <a:spcPts val="1600"/>
               </a:spcBef>
@@ -3009,7 +2997,7 @@
               <a:buChar char="●"/>
               <a:defRPr sz="1200"/>
             </a:lvl4pPr>
-            <a:lvl5pPr indent="-304800" lvl="4" marL="2286000">
+            <a:lvl5pPr marL="2286000" lvl="4" indent="-304800">
               <a:spcBef>
                 <a:spcPts val="1600"/>
               </a:spcBef>
@@ -3020,7 +3008,7 @@
               <a:buChar char="○"/>
               <a:defRPr sz="1200"/>
             </a:lvl5pPr>
-            <a:lvl6pPr indent="-304800" lvl="5" marL="2743200">
+            <a:lvl6pPr marL="2743200" lvl="5" indent="-304800">
               <a:spcBef>
                 <a:spcPts val="1600"/>
               </a:spcBef>
@@ -3031,7 +3019,7 @@
               <a:buChar char="■"/>
               <a:defRPr sz="1200"/>
             </a:lvl6pPr>
-            <a:lvl7pPr indent="-304800" lvl="6" marL="3200400">
+            <a:lvl7pPr marL="3200400" lvl="6" indent="-304800">
               <a:spcBef>
                 <a:spcPts val="1600"/>
               </a:spcBef>
@@ -3042,7 +3030,7 @@
               <a:buChar char="●"/>
               <a:defRPr sz="1200"/>
             </a:lvl7pPr>
-            <a:lvl8pPr indent="-304800" lvl="7" marL="3657600">
+            <a:lvl8pPr marL="3657600" lvl="7" indent="-304800">
               <a:spcBef>
                 <a:spcPts val="1600"/>
               </a:spcBef>
@@ -3053,7 +3041,7 @@
               <a:buChar char="○"/>
               <a:defRPr sz="1200"/>
             </a:lvl8pPr>
-            <a:lvl9pPr indent="-304800" lvl="8" marL="4114800">
+            <a:lvl9pPr marL="4114800" lvl="8" indent="-304800">
               <a:spcBef>
                 <a:spcPts val="1600"/>
               </a:spcBef>
@@ -3071,9 +3059,9 @@
       <p:sp>
         <p:nvSpPr>
           <p:cNvPr id="23" name="Google Shape;23;p5"/>
-          <p:cNvSpPr txBox="1"/>
+          <p:cNvSpPr txBox="true"/>
           <p:nvPr>
-            <p:ph idx="2" type="body"/>
+            <p:ph type="body" idx="2"/>
           </p:nvPr>
         </p:nvSpPr>
         <p:spPr>
@@ -3086,11 +3074,11 @@
           </a:prstGeom>
         </p:spPr>
         <p:txBody>
-          <a:bodyPr anchorCtr="0" anchor="t" bIns="91425" lIns="91425" spcFirstLastPara="1" rIns="91425" wrap="square" tIns="91425">
+          <a:bodyPr spcFirstLastPara="1" wrap="square" lIns="91425" tIns="91425" rIns="91425" bIns="91425" anchor="t" anchorCtr="false">
             <a:noAutofit/>
           </a:bodyPr>
           <a:lstStyle>
-            <a:lvl1pPr indent="-317500" lvl="0" marL="457200">
+            <a:lvl1pPr marL="457200" lvl="0" indent="-317500">
               <a:spcBef>
                 <a:spcPts val="0"/>
               </a:spcBef>
@@ -3101,7 +3089,7 @@
               <a:buChar char="●"/>
               <a:defRPr sz="1400"/>
             </a:lvl1pPr>
-            <a:lvl2pPr indent="-304800" lvl="1" marL="914400">
+            <a:lvl2pPr marL="914400" lvl="1" indent="-304800">
               <a:spcBef>
                 <a:spcPts val="1600"/>
               </a:spcBef>
@@ -3112,7 +3100,7 @@
               <a:buChar char="○"/>
               <a:defRPr sz="1200"/>
             </a:lvl2pPr>
-            <a:lvl3pPr indent="-304800" lvl="2" marL="1371600">
+            <a:lvl3pPr marL="1371600" lvl="2" indent="-304800">
               <a:spcBef>
                 <a:spcPts val="1600"/>
               </a:spcBef>
@@ -3123,7 +3111,7 @@
               <a:buChar char="■"/>
               <a:defRPr sz="1200"/>
             </a:lvl3pPr>
-            <a:lvl4pPr indent="-304800" lvl="3" marL="1828800">
+            <a:lvl4pPr marL="1828800" lvl="3" indent="-304800">
               <a:spcBef>
                 <a:spcPts val="1600"/>
               </a:spcBef>
@@ -3134,7 +3122,7 @@
               <a:buChar char="●"/>
               <a:defRPr sz="1200"/>
             </a:lvl4pPr>
-            <a:lvl5pPr indent="-304800" lvl="4" marL="2286000">
+            <a:lvl5pPr marL="2286000" lvl="4" indent="-304800">
               <a:spcBef>
                 <a:spcPts val="1600"/>
               </a:spcBef>
@@ -3145,7 +3133,7 @@
               <a:buChar char="○"/>
               <a:defRPr sz="1200"/>
             </a:lvl5pPr>
-            <a:lvl6pPr indent="-304800" lvl="5" marL="2743200">
+            <a:lvl6pPr marL="2743200" lvl="5" indent="-304800">
               <a:spcBef>
                 <a:spcPts val="1600"/>
               </a:spcBef>
@@ -3156,7 +3144,7 @@
               <a:buChar char="■"/>
               <a:defRPr sz="1200"/>
             </a:lvl6pPr>
-            <a:lvl7pPr indent="-304800" lvl="6" marL="3200400">
+            <a:lvl7pPr marL="3200400" lvl="6" indent="-304800">
               <a:spcBef>
                 <a:spcPts val="1600"/>
               </a:spcBef>
@@ -3167,7 +3155,7 @@
               <a:buChar char="●"/>
               <a:defRPr sz="1200"/>
             </a:lvl7pPr>
-            <a:lvl8pPr indent="-304800" lvl="7" marL="3657600">
+            <a:lvl8pPr marL="3657600" lvl="7" indent="-304800">
               <a:spcBef>
                 <a:spcPts val="1600"/>
               </a:spcBef>
@@ -3178,7 +3166,7 @@
               <a:buChar char="○"/>
               <a:defRPr sz="1200"/>
             </a:lvl8pPr>
-            <a:lvl9pPr indent="-304800" lvl="8" marL="4114800">
+            <a:lvl9pPr marL="4114800" lvl="8" indent="-304800">
               <a:spcBef>
                 <a:spcPts val="1600"/>
               </a:spcBef>
@@ -3196,9 +3184,9 @@
       <p:sp>
         <p:nvSpPr>
           <p:cNvPr id="24" name="Google Shape;24;p5"/>
-          <p:cNvSpPr txBox="1"/>
+          <p:cNvSpPr txBox="true"/>
           <p:nvPr>
-            <p:ph idx="12" type="sldNum"/>
+            <p:ph type="sldNum" idx="12"/>
           </p:nvPr>
         </p:nvSpPr>
         <p:spPr>
@@ -3211,7 +3199,7 @@
           </a:prstGeom>
         </p:spPr>
         <p:txBody>
-          <a:bodyPr anchorCtr="0" anchor="ctr" bIns="91425" lIns="91425" spcFirstLastPara="1" rIns="91425" wrap="square" tIns="91425">
+          <a:bodyPr spcFirstLastPara="1" wrap="square" lIns="91425" tIns="91425" rIns="91425" bIns="91425" anchor="ctr" anchorCtr="false">
             <a:noAutofit/>
           </a:bodyPr>
           <a:lstStyle>
@@ -3253,7 +3241,7 @@
             </a:lvl9pPr>
           </a:lstStyle>
           <a:p>
-            <a:pPr indent="0" lvl="0" marL="0" rtl="0" algn="r">
+            <a:pPr marL="0" lvl="0" indent="0" algn="r" rtl="0">
               <a:spcBef>
                 <a:spcPts val="0"/>
               </a:spcBef>
@@ -3264,9 +3252,8 @@
             </a:pPr>
             <a:fld id="{00000000-1234-1234-1234-123412341234}" type="slidenum">
               <a:rPr lang="zh-CN"/>
-              <a:t>‹#›</a:t>
             </a:fld>
-            <a:endParaRPr/>
+            <a:endParaRPr lang="zh-CN"/>
           </a:p>
         </p:txBody>
       </p:sp>
@@ -3279,7 +3266,7 @@
 </file>
 
 <file path=ppt/slideLayouts/slideLayout5.xml><?xml version="1.0" encoding="utf-8"?>
-<p:sldLayout xmlns:a="http://schemas.openxmlformats.org/drawingml/2006/main" xmlns:r="http://schemas.openxmlformats.org/officeDocument/2006/relationships" xmlns:mc="http://schemas.openxmlformats.org/markup-compatibility/2006" xmlns:mv="urn:schemas-microsoft-com:mac:vml" xmlns:p="http://schemas.openxmlformats.org/presentationml/2006/main" xmlns:c="http://schemas.openxmlformats.org/drawingml/2006/chart" xmlns:dgm="http://schemas.openxmlformats.org/drawingml/2006/diagram" xmlns:o="urn:schemas-microsoft-com:office:office" xmlns:v="urn:schemas-microsoft-com:vml" xmlns:pvml="urn:schemas-microsoft-com:office:powerpoint" xmlns:com="http://schemas.openxmlformats.org/drawingml/2006/compatibility" xmlns:p14="http://schemas.microsoft.com/office/powerpoint/2010/main" xmlns:p15="http://schemas.microsoft.com/office/powerpoint/2012/main" xmlns:ahyp="http://schemas.microsoft.com/office/drawing/2018/hyperlinkcolor" matchingName="Title only" type="titleOnly">
+<p:sldLayout xmlns:a="http://schemas.openxmlformats.org/drawingml/2006/main" xmlns:r="http://schemas.openxmlformats.org/officeDocument/2006/relationships" xmlns:p="http://schemas.openxmlformats.org/presentationml/2006/main" type="titleOnly" matchingName="Title only">
   <p:cSld name="TITLE_ONLY">
     <p:spTree>
       <p:nvGrpSpPr>
@@ -3298,7 +3285,7 @@
       <p:sp>
         <p:nvSpPr>
           <p:cNvPr id="26" name="Google Shape;26;p6"/>
-          <p:cNvSpPr txBox="1"/>
+          <p:cNvSpPr txBox="true"/>
           <p:nvPr>
             <p:ph type="title"/>
           </p:nvPr>
@@ -3313,7 +3300,7 @@
           </a:prstGeom>
         </p:spPr>
         <p:txBody>
-          <a:bodyPr anchorCtr="0" anchor="t" bIns="91425" lIns="91425" spcFirstLastPara="1" rIns="91425" wrap="square" tIns="91425">
+          <a:bodyPr spcFirstLastPara="1" wrap="square" lIns="91425" tIns="91425" rIns="91425" bIns="91425" anchor="t" anchorCtr="false">
             <a:noAutofit/>
           </a:bodyPr>
           <a:lstStyle>
@@ -3423,9 +3410,9 @@
       <p:sp>
         <p:nvSpPr>
           <p:cNvPr id="27" name="Google Shape;27;p6"/>
-          <p:cNvSpPr txBox="1"/>
+          <p:cNvSpPr txBox="true"/>
           <p:nvPr>
-            <p:ph idx="12" type="sldNum"/>
+            <p:ph type="sldNum" idx="12"/>
           </p:nvPr>
         </p:nvSpPr>
         <p:spPr>
@@ -3438,7 +3425,7 @@
           </a:prstGeom>
         </p:spPr>
         <p:txBody>
-          <a:bodyPr anchorCtr="0" anchor="ctr" bIns="91425" lIns="91425" spcFirstLastPara="1" rIns="91425" wrap="square" tIns="91425">
+          <a:bodyPr spcFirstLastPara="1" wrap="square" lIns="91425" tIns="91425" rIns="91425" bIns="91425" anchor="ctr" anchorCtr="false">
             <a:noAutofit/>
           </a:bodyPr>
           <a:lstStyle>
@@ -3480,7 +3467,7 @@
             </a:lvl9pPr>
           </a:lstStyle>
           <a:p>
-            <a:pPr indent="0" lvl="0" marL="0" rtl="0" algn="r">
+            <a:pPr marL="0" lvl="0" indent="0" algn="r" rtl="0">
               <a:spcBef>
                 <a:spcPts val="0"/>
               </a:spcBef>
@@ -3491,9 +3478,8 @@
             </a:pPr>
             <a:fld id="{00000000-1234-1234-1234-123412341234}" type="slidenum">
               <a:rPr lang="zh-CN"/>
-              <a:t>‹#›</a:t>
             </a:fld>
-            <a:endParaRPr/>
+            <a:endParaRPr lang="zh-CN"/>
           </a:p>
         </p:txBody>
       </p:sp>
@@ -3506,7 +3492,7 @@
 </file>
 
 <file path=ppt/slideLayouts/slideLayout6.xml><?xml version="1.0" encoding="utf-8"?>
-<p:sldLayout xmlns:a="http://schemas.openxmlformats.org/drawingml/2006/main" xmlns:r="http://schemas.openxmlformats.org/officeDocument/2006/relationships" xmlns:mc="http://schemas.openxmlformats.org/markup-compatibility/2006" xmlns:mv="urn:schemas-microsoft-com:mac:vml" xmlns:p="http://schemas.openxmlformats.org/presentationml/2006/main" xmlns:c="http://schemas.openxmlformats.org/drawingml/2006/chart" xmlns:dgm="http://schemas.openxmlformats.org/drawingml/2006/diagram" xmlns:o="urn:schemas-microsoft-com:office:office" xmlns:v="urn:schemas-microsoft-com:vml" xmlns:pvml="urn:schemas-microsoft-com:office:powerpoint" xmlns:com="http://schemas.openxmlformats.org/drawingml/2006/compatibility" xmlns:p14="http://schemas.microsoft.com/office/powerpoint/2010/main" xmlns:p15="http://schemas.microsoft.com/office/powerpoint/2012/main" xmlns:ahyp="http://schemas.microsoft.com/office/drawing/2018/hyperlinkcolor" matchingName="One column text">
+<p:sldLayout xmlns:a="http://schemas.openxmlformats.org/drawingml/2006/main" xmlns:r="http://schemas.openxmlformats.org/officeDocument/2006/relationships" xmlns:p="http://schemas.openxmlformats.org/presentationml/2006/main" matchingName="One column text">
   <p:cSld name="ONE_COLUMN_TEXT">
     <p:spTree>
       <p:nvGrpSpPr>
@@ -3525,7 +3511,7 @@
       <p:sp>
         <p:nvSpPr>
           <p:cNvPr id="29" name="Google Shape;29;p7"/>
-          <p:cNvSpPr txBox="1"/>
+          <p:cNvSpPr txBox="true"/>
           <p:nvPr>
             <p:ph type="title"/>
           </p:nvPr>
@@ -3540,7 +3526,7 @@
           </a:prstGeom>
         </p:spPr>
         <p:txBody>
-          <a:bodyPr anchorCtr="0" anchor="b" bIns="91425" lIns="91425" spcFirstLastPara="1" rIns="91425" wrap="square" tIns="91425">
+          <a:bodyPr spcFirstLastPara="1" wrap="square" lIns="91425" tIns="91425" rIns="91425" bIns="91425" anchor="b" anchorCtr="false">
             <a:noAutofit/>
           </a:bodyPr>
           <a:lstStyle>
@@ -3650,9 +3636,9 @@
       <p:sp>
         <p:nvSpPr>
           <p:cNvPr id="30" name="Google Shape;30;p7"/>
-          <p:cNvSpPr txBox="1"/>
+          <p:cNvSpPr txBox="true"/>
           <p:nvPr>
-            <p:ph idx="1" type="body"/>
+            <p:ph type="body" idx="1"/>
           </p:nvPr>
         </p:nvSpPr>
         <p:spPr>
@@ -3665,11 +3651,11 @@
           </a:prstGeom>
         </p:spPr>
         <p:txBody>
-          <a:bodyPr anchorCtr="0" anchor="t" bIns="91425" lIns="91425" spcFirstLastPara="1" rIns="91425" wrap="square" tIns="91425">
+          <a:bodyPr spcFirstLastPara="1" wrap="square" lIns="91425" tIns="91425" rIns="91425" bIns="91425" anchor="t" anchorCtr="false">
             <a:noAutofit/>
           </a:bodyPr>
           <a:lstStyle>
-            <a:lvl1pPr indent="-304800" lvl="0" marL="457200">
+            <a:lvl1pPr marL="457200" lvl="0" indent="-304800">
               <a:spcBef>
                 <a:spcPts val="0"/>
               </a:spcBef>
@@ -3680,7 +3666,7 @@
               <a:buChar char="●"/>
               <a:defRPr sz="1200"/>
             </a:lvl1pPr>
-            <a:lvl2pPr indent="-304800" lvl="1" marL="914400">
+            <a:lvl2pPr marL="914400" lvl="1" indent="-304800">
               <a:spcBef>
                 <a:spcPts val="1600"/>
               </a:spcBef>
@@ -3691,7 +3677,7 @@
               <a:buChar char="○"/>
               <a:defRPr sz="1200"/>
             </a:lvl2pPr>
-            <a:lvl3pPr indent="-304800" lvl="2" marL="1371600">
+            <a:lvl3pPr marL="1371600" lvl="2" indent="-304800">
               <a:spcBef>
                 <a:spcPts val="1600"/>
               </a:spcBef>
@@ -3702,7 +3688,7 @@
               <a:buChar char="■"/>
               <a:defRPr sz="1200"/>
             </a:lvl3pPr>
-            <a:lvl4pPr indent="-304800" lvl="3" marL="1828800">
+            <a:lvl4pPr marL="1828800" lvl="3" indent="-304800">
               <a:spcBef>
                 <a:spcPts val="1600"/>
               </a:spcBef>
@@ -3713,7 +3699,7 @@
               <a:buChar char="●"/>
               <a:defRPr sz="1200"/>
             </a:lvl4pPr>
-            <a:lvl5pPr indent="-304800" lvl="4" marL="2286000">
+            <a:lvl5pPr marL="2286000" lvl="4" indent="-304800">
               <a:spcBef>
                 <a:spcPts val="1600"/>
               </a:spcBef>
@@ -3724,7 +3710,7 @@
               <a:buChar char="○"/>
               <a:defRPr sz="1200"/>
             </a:lvl5pPr>
-            <a:lvl6pPr indent="-304800" lvl="5" marL="2743200">
+            <a:lvl6pPr marL="2743200" lvl="5" indent="-304800">
               <a:spcBef>
                 <a:spcPts val="1600"/>
               </a:spcBef>
@@ -3735,7 +3721,7 @@
               <a:buChar char="■"/>
               <a:defRPr sz="1200"/>
             </a:lvl6pPr>
-            <a:lvl7pPr indent="-304800" lvl="6" marL="3200400">
+            <a:lvl7pPr marL="3200400" lvl="6" indent="-304800">
               <a:spcBef>
                 <a:spcPts val="1600"/>
               </a:spcBef>
@@ -3746,7 +3732,7 @@
               <a:buChar char="●"/>
               <a:defRPr sz="1200"/>
             </a:lvl7pPr>
-            <a:lvl8pPr indent="-304800" lvl="7" marL="3657600">
+            <a:lvl8pPr marL="3657600" lvl="7" indent="-304800">
               <a:spcBef>
                 <a:spcPts val="1600"/>
               </a:spcBef>
@@ -3757,7 +3743,7 @@
               <a:buChar char="○"/>
               <a:defRPr sz="1200"/>
             </a:lvl8pPr>
-            <a:lvl9pPr indent="-304800" lvl="8" marL="4114800">
+            <a:lvl9pPr marL="4114800" lvl="8" indent="-304800">
               <a:spcBef>
                 <a:spcPts val="1600"/>
               </a:spcBef>
@@ -3775,9 +3761,9 @@
       <p:sp>
         <p:nvSpPr>
           <p:cNvPr id="31" name="Google Shape;31;p7"/>
-          <p:cNvSpPr txBox="1"/>
+          <p:cNvSpPr txBox="true"/>
           <p:nvPr>
-            <p:ph idx="12" type="sldNum"/>
+            <p:ph type="sldNum" idx="12"/>
           </p:nvPr>
         </p:nvSpPr>
         <p:spPr>
@@ -3790,7 +3776,7 @@
           </a:prstGeom>
         </p:spPr>
         <p:txBody>
-          <a:bodyPr anchorCtr="0" anchor="ctr" bIns="91425" lIns="91425" spcFirstLastPara="1" rIns="91425" wrap="square" tIns="91425">
+          <a:bodyPr spcFirstLastPara="1" wrap="square" lIns="91425" tIns="91425" rIns="91425" bIns="91425" anchor="ctr" anchorCtr="false">
             <a:noAutofit/>
           </a:bodyPr>
           <a:lstStyle>
@@ -3832,7 +3818,7 @@
             </a:lvl9pPr>
           </a:lstStyle>
           <a:p>
-            <a:pPr indent="0" lvl="0" marL="0" rtl="0" algn="r">
+            <a:pPr marL="0" lvl="0" indent="0" algn="r" rtl="0">
               <a:spcBef>
                 <a:spcPts val="0"/>
               </a:spcBef>
@@ -3843,9 +3829,8 @@
             </a:pPr>
             <a:fld id="{00000000-1234-1234-1234-123412341234}" type="slidenum">
               <a:rPr lang="zh-CN"/>
-              <a:t>‹#›</a:t>
             </a:fld>
-            <a:endParaRPr/>
+            <a:endParaRPr lang="zh-CN"/>
           </a:p>
         </p:txBody>
       </p:sp>
@@ -3858,7 +3843,7 @@
 </file>
 
 <file path=ppt/slideLayouts/slideLayout7.xml><?xml version="1.0" encoding="utf-8"?>
-<p:sldLayout xmlns:a="http://schemas.openxmlformats.org/drawingml/2006/main" xmlns:r="http://schemas.openxmlformats.org/officeDocument/2006/relationships" xmlns:mc="http://schemas.openxmlformats.org/markup-compatibility/2006" xmlns:mv="urn:schemas-microsoft-com:mac:vml" xmlns:p="http://schemas.openxmlformats.org/presentationml/2006/main" xmlns:c="http://schemas.openxmlformats.org/drawingml/2006/chart" xmlns:dgm="http://schemas.openxmlformats.org/drawingml/2006/diagram" xmlns:o="urn:schemas-microsoft-com:office:office" xmlns:v="urn:schemas-microsoft-com:vml" xmlns:pvml="urn:schemas-microsoft-com:office:powerpoint" xmlns:com="http://schemas.openxmlformats.org/drawingml/2006/compatibility" xmlns:p14="http://schemas.microsoft.com/office/powerpoint/2010/main" xmlns:p15="http://schemas.microsoft.com/office/powerpoint/2012/main" xmlns:ahyp="http://schemas.microsoft.com/office/drawing/2018/hyperlinkcolor" matchingName="Main point">
+<p:sldLayout xmlns:a="http://schemas.openxmlformats.org/drawingml/2006/main" xmlns:r="http://schemas.openxmlformats.org/officeDocument/2006/relationships" xmlns:p="http://schemas.openxmlformats.org/presentationml/2006/main" matchingName="Main point">
   <p:cSld name="MAIN_POINT">
     <p:spTree>
       <p:nvGrpSpPr>
@@ -3877,7 +3862,7 @@
       <p:sp>
         <p:nvSpPr>
           <p:cNvPr id="33" name="Google Shape;33;p8"/>
-          <p:cNvSpPr txBox="1"/>
+          <p:cNvSpPr txBox="true"/>
           <p:nvPr>
             <p:ph type="title"/>
           </p:nvPr>
@@ -3892,7 +3877,7 @@
           </a:prstGeom>
         </p:spPr>
         <p:txBody>
-          <a:bodyPr anchorCtr="0" anchor="ctr" bIns="91425" lIns="91425" spcFirstLastPara="1" rIns="91425" wrap="square" tIns="91425">
+          <a:bodyPr spcFirstLastPara="1" wrap="square" lIns="91425" tIns="91425" rIns="91425" bIns="91425" anchor="ctr" anchorCtr="false">
             <a:noAutofit/>
           </a:bodyPr>
           <a:lstStyle>
@@ -4002,9 +3987,9 @@
       <p:sp>
         <p:nvSpPr>
           <p:cNvPr id="34" name="Google Shape;34;p8"/>
-          <p:cNvSpPr txBox="1"/>
+          <p:cNvSpPr txBox="true"/>
           <p:nvPr>
-            <p:ph idx="12" type="sldNum"/>
+            <p:ph type="sldNum" idx="12"/>
           </p:nvPr>
         </p:nvSpPr>
         <p:spPr>
@@ -4017,7 +4002,7 @@
           </a:prstGeom>
         </p:spPr>
         <p:txBody>
-          <a:bodyPr anchorCtr="0" anchor="ctr" bIns="91425" lIns="91425" spcFirstLastPara="1" rIns="91425" wrap="square" tIns="91425">
+          <a:bodyPr spcFirstLastPara="1" wrap="square" lIns="91425" tIns="91425" rIns="91425" bIns="91425" anchor="ctr" anchorCtr="false">
             <a:noAutofit/>
           </a:bodyPr>
           <a:lstStyle>
@@ -4059,7 +4044,7 @@
             </a:lvl9pPr>
           </a:lstStyle>
           <a:p>
-            <a:pPr indent="0" lvl="0" marL="0" rtl="0" algn="r">
+            <a:pPr marL="0" lvl="0" indent="0" algn="r" rtl="0">
               <a:spcBef>
                 <a:spcPts val="0"/>
               </a:spcBef>
@@ -4070,9 +4055,8 @@
             </a:pPr>
             <a:fld id="{00000000-1234-1234-1234-123412341234}" type="slidenum">
               <a:rPr lang="zh-CN"/>
-              <a:t>‹#›</a:t>
             </a:fld>
-            <a:endParaRPr/>
+            <a:endParaRPr lang="zh-CN"/>
           </a:p>
         </p:txBody>
       </p:sp>
@@ -4085,7 +4069,7 @@
 </file>
 
 <file path=ppt/slideLayouts/slideLayout8.xml><?xml version="1.0" encoding="utf-8"?>
-<p:sldLayout xmlns:a="http://schemas.openxmlformats.org/drawingml/2006/main" xmlns:r="http://schemas.openxmlformats.org/officeDocument/2006/relationships" xmlns:mc="http://schemas.openxmlformats.org/markup-compatibility/2006" xmlns:mv="urn:schemas-microsoft-com:mac:vml" xmlns:p="http://schemas.openxmlformats.org/presentationml/2006/main" xmlns:c="http://schemas.openxmlformats.org/drawingml/2006/chart" xmlns:dgm="http://schemas.openxmlformats.org/drawingml/2006/diagram" xmlns:o="urn:schemas-microsoft-com:office:office" xmlns:v="urn:schemas-microsoft-com:vml" xmlns:pvml="urn:schemas-microsoft-com:office:powerpoint" xmlns:com="http://schemas.openxmlformats.org/drawingml/2006/compatibility" xmlns:p14="http://schemas.microsoft.com/office/powerpoint/2010/main" xmlns:p15="http://schemas.microsoft.com/office/powerpoint/2012/main" xmlns:ahyp="http://schemas.microsoft.com/office/drawing/2018/hyperlinkcolor" matchingName="Section title and description">
+<p:sldLayout xmlns:a="http://schemas.openxmlformats.org/drawingml/2006/main" xmlns:r="http://schemas.openxmlformats.org/officeDocument/2006/relationships" xmlns:p="http://schemas.openxmlformats.org/presentationml/2006/main" matchingName="Section title and description">
   <p:cSld name="SECTION_TITLE_AND_DESCRIPTION">
     <p:spTree>
       <p:nvGrpSpPr>
@@ -4123,12 +4107,12 @@
           </a:ln>
         </p:spPr>
         <p:txBody>
-          <a:bodyPr anchorCtr="0" anchor="ctr" bIns="91425" lIns="91425" spcFirstLastPara="1" rIns="91425" wrap="square" tIns="91425">
+          <a:bodyPr spcFirstLastPara="1" wrap="square" lIns="91425" tIns="91425" rIns="91425" bIns="91425" anchor="ctr" anchorCtr="false">
             <a:noAutofit/>
           </a:bodyPr>
           <a:lstStyle/>
           <a:p>
-            <a:pPr indent="0" lvl="0" marL="0" rtl="0" algn="l">
+            <a:pPr marL="0" lvl="0" indent="0" algn="l" rtl="0">
               <a:spcBef>
                 <a:spcPts val="0"/>
               </a:spcBef>
@@ -4137,17 +4121,13 @@
               </a:spcAft>
               <a:buNone/>
             </a:pPr>
-            <a:r>
-              <a:t/>
-            </a:r>
-            <a:endParaRPr/>
           </a:p>
         </p:txBody>
       </p:sp>
       <p:sp>
         <p:nvSpPr>
           <p:cNvPr id="37" name="Google Shape;37;p9"/>
-          <p:cNvSpPr txBox="1"/>
+          <p:cNvSpPr txBox="true"/>
           <p:nvPr>
             <p:ph type="title"/>
           </p:nvPr>
@@ -4162,7 +4142,7 @@
           </a:prstGeom>
         </p:spPr>
         <p:txBody>
-          <a:bodyPr anchorCtr="0" anchor="b" bIns="91425" lIns="91425" spcFirstLastPara="1" rIns="91425" wrap="square" tIns="91425">
+          <a:bodyPr spcFirstLastPara="1" wrap="square" lIns="91425" tIns="91425" rIns="91425" bIns="91425" anchor="b" anchorCtr="false">
             <a:noAutofit/>
           </a:bodyPr>
           <a:lstStyle>
@@ -4272,9 +4252,9 @@
       <p:sp>
         <p:nvSpPr>
           <p:cNvPr id="38" name="Google Shape;38;p9"/>
-          <p:cNvSpPr txBox="1"/>
+          <p:cNvSpPr txBox="true"/>
           <p:nvPr>
-            <p:ph idx="1" type="subTitle"/>
+            <p:ph type="subTitle" idx="1"/>
           </p:nvPr>
         </p:nvSpPr>
         <p:spPr>
@@ -4287,7 +4267,7 @@
           </a:prstGeom>
         </p:spPr>
         <p:txBody>
-          <a:bodyPr anchorCtr="0" anchor="t" bIns="91425" lIns="91425" spcFirstLastPara="1" rIns="91425" wrap="square" tIns="91425">
+          <a:bodyPr spcFirstLastPara="1" wrap="square" lIns="91425" tIns="91425" rIns="91425" bIns="91425" anchor="t" anchorCtr="false">
             <a:noAutofit/>
           </a:bodyPr>
           <a:lstStyle>
@@ -4424,9 +4404,9 @@
       <p:sp>
         <p:nvSpPr>
           <p:cNvPr id="39" name="Google Shape;39;p9"/>
-          <p:cNvSpPr txBox="1"/>
+          <p:cNvSpPr txBox="true"/>
           <p:nvPr>
-            <p:ph idx="2" type="body"/>
+            <p:ph type="body" idx="2"/>
           </p:nvPr>
         </p:nvSpPr>
         <p:spPr>
@@ -4439,11 +4419,11 @@
           </a:prstGeom>
         </p:spPr>
         <p:txBody>
-          <a:bodyPr anchorCtr="0" anchor="ctr" bIns="91425" lIns="91425" spcFirstLastPara="1" rIns="91425" wrap="square" tIns="91425">
+          <a:bodyPr spcFirstLastPara="1" wrap="square" lIns="91425" tIns="91425" rIns="91425" bIns="91425" anchor="ctr" anchorCtr="false">
             <a:noAutofit/>
           </a:bodyPr>
           <a:lstStyle>
-            <a:lvl1pPr indent="-342900" lvl="0" marL="457200">
+            <a:lvl1pPr marL="457200" lvl="0" indent="-342900">
               <a:spcBef>
                 <a:spcPts val="0"/>
               </a:spcBef>
@@ -4454,7 +4434,7 @@
               <a:buChar char="●"/>
               <a:defRPr/>
             </a:lvl1pPr>
-            <a:lvl2pPr indent="-317500" lvl="1" marL="914400">
+            <a:lvl2pPr marL="914400" lvl="1" indent="-317500">
               <a:spcBef>
                 <a:spcPts val="1600"/>
               </a:spcBef>
@@ -4465,7 +4445,7 @@
               <a:buChar char="○"/>
               <a:defRPr/>
             </a:lvl2pPr>
-            <a:lvl3pPr indent="-317500" lvl="2" marL="1371600">
+            <a:lvl3pPr marL="1371600" lvl="2" indent="-317500">
               <a:spcBef>
                 <a:spcPts val="1600"/>
               </a:spcBef>
@@ -4476,7 +4456,7 @@
               <a:buChar char="■"/>
               <a:defRPr/>
             </a:lvl3pPr>
-            <a:lvl4pPr indent="-317500" lvl="3" marL="1828800">
+            <a:lvl4pPr marL="1828800" lvl="3" indent="-317500">
               <a:spcBef>
                 <a:spcPts val="1600"/>
               </a:spcBef>
@@ -4487,7 +4467,7 @@
               <a:buChar char="●"/>
               <a:defRPr/>
             </a:lvl4pPr>
-            <a:lvl5pPr indent="-317500" lvl="4" marL="2286000">
+            <a:lvl5pPr marL="2286000" lvl="4" indent="-317500">
               <a:spcBef>
                 <a:spcPts val="1600"/>
               </a:spcBef>
@@ -4498,7 +4478,7 @@
               <a:buChar char="○"/>
               <a:defRPr/>
             </a:lvl5pPr>
-            <a:lvl6pPr indent="-317500" lvl="5" marL="2743200">
+            <a:lvl6pPr marL="2743200" lvl="5" indent="-317500">
               <a:spcBef>
                 <a:spcPts val="1600"/>
               </a:spcBef>
@@ -4509,7 +4489,7 @@
               <a:buChar char="■"/>
               <a:defRPr/>
             </a:lvl6pPr>
-            <a:lvl7pPr indent="-317500" lvl="6" marL="3200400">
+            <a:lvl7pPr marL="3200400" lvl="6" indent="-317500">
               <a:spcBef>
                 <a:spcPts val="1600"/>
               </a:spcBef>
@@ -4520,7 +4500,7 @@
               <a:buChar char="●"/>
               <a:defRPr/>
             </a:lvl7pPr>
-            <a:lvl8pPr indent="-317500" lvl="7" marL="3657600">
+            <a:lvl8pPr marL="3657600" lvl="7" indent="-317500">
               <a:spcBef>
                 <a:spcPts val="1600"/>
               </a:spcBef>
@@ -4531,7 +4511,7 @@
               <a:buChar char="○"/>
               <a:defRPr/>
             </a:lvl8pPr>
-            <a:lvl9pPr indent="-317500" lvl="8" marL="4114800">
+            <a:lvl9pPr marL="4114800" lvl="8" indent="-317500">
               <a:spcBef>
                 <a:spcPts val="1600"/>
               </a:spcBef>
@@ -4549,9 +4529,9 @@
       <p:sp>
         <p:nvSpPr>
           <p:cNvPr id="40" name="Google Shape;40;p9"/>
-          <p:cNvSpPr txBox="1"/>
+          <p:cNvSpPr txBox="true"/>
           <p:nvPr>
-            <p:ph idx="12" type="sldNum"/>
+            <p:ph type="sldNum" idx="12"/>
           </p:nvPr>
         </p:nvSpPr>
         <p:spPr>
@@ -4564,7 +4544,7 @@
           </a:prstGeom>
         </p:spPr>
         <p:txBody>
-          <a:bodyPr anchorCtr="0" anchor="ctr" bIns="91425" lIns="91425" spcFirstLastPara="1" rIns="91425" wrap="square" tIns="91425">
+          <a:bodyPr spcFirstLastPara="1" wrap="square" lIns="91425" tIns="91425" rIns="91425" bIns="91425" anchor="ctr" anchorCtr="false">
             <a:noAutofit/>
           </a:bodyPr>
           <a:lstStyle>
@@ -4606,7 +4586,7 @@
             </a:lvl9pPr>
           </a:lstStyle>
           <a:p>
-            <a:pPr indent="0" lvl="0" marL="0" rtl="0" algn="r">
+            <a:pPr marL="0" lvl="0" indent="0" algn="r" rtl="0">
               <a:spcBef>
                 <a:spcPts val="0"/>
               </a:spcBef>
@@ -4617,9 +4597,8 @@
             </a:pPr>
             <a:fld id="{00000000-1234-1234-1234-123412341234}" type="slidenum">
               <a:rPr lang="zh-CN"/>
-              <a:t>‹#›</a:t>
             </a:fld>
-            <a:endParaRPr/>
+            <a:endParaRPr lang="zh-CN"/>
           </a:p>
         </p:txBody>
       </p:sp>
@@ -4632,7 +4611,7 @@
 </file>
 
 <file path=ppt/slideLayouts/slideLayout9.xml><?xml version="1.0" encoding="utf-8"?>
-<p:sldLayout xmlns:a="http://schemas.openxmlformats.org/drawingml/2006/main" xmlns:r="http://schemas.openxmlformats.org/officeDocument/2006/relationships" xmlns:mc="http://schemas.openxmlformats.org/markup-compatibility/2006" xmlns:mv="urn:schemas-microsoft-com:mac:vml" xmlns:p="http://schemas.openxmlformats.org/presentationml/2006/main" xmlns:c="http://schemas.openxmlformats.org/drawingml/2006/chart" xmlns:dgm="http://schemas.openxmlformats.org/drawingml/2006/diagram" xmlns:o="urn:schemas-microsoft-com:office:office" xmlns:v="urn:schemas-microsoft-com:vml" xmlns:pvml="urn:schemas-microsoft-com:office:powerpoint" xmlns:com="http://schemas.openxmlformats.org/drawingml/2006/compatibility" xmlns:p14="http://schemas.microsoft.com/office/powerpoint/2010/main" xmlns:p15="http://schemas.microsoft.com/office/powerpoint/2012/main" xmlns:ahyp="http://schemas.microsoft.com/office/drawing/2018/hyperlinkcolor" matchingName="Caption">
+<p:sldLayout xmlns:a="http://schemas.openxmlformats.org/drawingml/2006/main" xmlns:r="http://schemas.openxmlformats.org/officeDocument/2006/relationships" xmlns:p="http://schemas.openxmlformats.org/presentationml/2006/main" matchingName="Caption">
   <p:cSld name="CAPTION_ONLY">
     <p:spTree>
       <p:nvGrpSpPr>
@@ -4651,9 +4630,9 @@
       <p:sp>
         <p:nvSpPr>
           <p:cNvPr id="42" name="Google Shape;42;p10"/>
-          <p:cNvSpPr txBox="1"/>
+          <p:cNvSpPr txBox="true"/>
           <p:nvPr>
-            <p:ph idx="1" type="body"/>
+            <p:ph type="body" idx="1"/>
           </p:nvPr>
         </p:nvSpPr>
         <p:spPr>
@@ -4666,11 +4645,11 @@
           </a:prstGeom>
         </p:spPr>
         <p:txBody>
-          <a:bodyPr anchorCtr="0" anchor="ctr" bIns="91425" lIns="91425" spcFirstLastPara="1" rIns="91425" wrap="square" tIns="91425">
+          <a:bodyPr spcFirstLastPara="1" wrap="square" lIns="91425" tIns="91425" rIns="91425" bIns="91425" anchor="ctr" anchorCtr="false">
             <a:noAutofit/>
           </a:bodyPr>
           <a:lstStyle>
-            <a:lvl1pPr indent="-228600" lvl="0" marL="457200">
+            <a:lvl1pPr marL="457200" lvl="0" indent="-228600">
               <a:lnSpc>
                 <a:spcPct val="100000"/>
               </a:lnSpc>
@@ -4691,9 +4670,9 @@
       <p:sp>
         <p:nvSpPr>
           <p:cNvPr id="43" name="Google Shape;43;p10"/>
-          <p:cNvSpPr txBox="1"/>
+          <p:cNvSpPr txBox="true"/>
           <p:nvPr>
-            <p:ph idx="12" type="sldNum"/>
+            <p:ph type="sldNum" idx="12"/>
           </p:nvPr>
         </p:nvSpPr>
         <p:spPr>
@@ -4706,7 +4685,7 @@
           </a:prstGeom>
         </p:spPr>
         <p:txBody>
-          <a:bodyPr anchorCtr="0" anchor="ctr" bIns="91425" lIns="91425" spcFirstLastPara="1" rIns="91425" wrap="square" tIns="91425">
+          <a:bodyPr spcFirstLastPara="1" wrap="square" lIns="91425" tIns="91425" rIns="91425" bIns="91425" anchor="ctr" anchorCtr="false">
             <a:noAutofit/>
           </a:bodyPr>
           <a:lstStyle>
@@ -4748,7 +4727,7 @@
             </a:lvl9pPr>
           </a:lstStyle>
           <a:p>
-            <a:pPr indent="0" lvl="0" marL="0" rtl="0" algn="r">
+            <a:pPr marL="0" lvl="0" indent="0" algn="r" rtl="0">
               <a:spcBef>
                 <a:spcPts val="0"/>
               </a:spcBef>
@@ -4759,9 +4738,8 @@
             </a:pPr>
             <a:fld id="{00000000-1234-1234-1234-123412341234}" type="slidenum">
               <a:rPr lang="zh-CN"/>
-              <a:t>‹#›</a:t>
             </a:fld>
-            <a:endParaRPr/>
+            <a:endParaRPr lang="zh-CN"/>
           </a:p>
         </p:txBody>
       </p:sp>
@@ -4774,13 +4752,14 @@
 </file>
 
 <file path=ppt/slideMasters/slideMaster1.xml><?xml version="1.0" encoding="utf-8"?>
-<p:sldMaster xmlns:a="http://schemas.openxmlformats.org/drawingml/2006/main" xmlns:r="http://schemas.openxmlformats.org/officeDocument/2006/relationships" xmlns:mc="http://schemas.openxmlformats.org/markup-compatibility/2006" xmlns:mv="urn:schemas-microsoft-com:mac:vml" xmlns:p="http://schemas.openxmlformats.org/presentationml/2006/main" xmlns:c="http://schemas.openxmlformats.org/drawingml/2006/chart" xmlns:dgm="http://schemas.openxmlformats.org/drawingml/2006/diagram" xmlns:o="urn:schemas-microsoft-com:office:office" xmlns:v="urn:schemas-microsoft-com:vml" xmlns:pvml="urn:schemas-microsoft-com:office:powerpoint" xmlns:com="http://schemas.openxmlformats.org/drawingml/2006/compatibility" xmlns:p14="http://schemas.microsoft.com/office/powerpoint/2010/main" xmlns:p15="http://schemas.microsoft.com/office/powerpoint/2012/main" xmlns:ahyp="http://schemas.microsoft.com/office/drawing/2018/hyperlinkcolor">
-  <p:cSld name="simple-light-2">
+<p:sldMaster xmlns:a="http://schemas.openxmlformats.org/drawingml/2006/main" xmlns:r="http://schemas.openxmlformats.org/officeDocument/2006/relationships" xmlns:p="http://schemas.openxmlformats.org/presentationml/2006/main">
+  <p:cSld>
     <p:bg>
       <p:bgPr>
         <a:solidFill>
           <a:schemeClr val="lt1"/>
         </a:solidFill>
+        <a:effectLst/>
       </p:bgPr>
     </p:bg>
     <p:spTree>
@@ -4800,7 +4779,7 @@
       <p:sp>
         <p:nvSpPr>
           <p:cNvPr id="6" name="Google Shape;6;p1"/>
-          <p:cNvSpPr txBox="1"/>
+          <p:cNvSpPr txBox="true"/>
           <p:nvPr>
             <p:ph type="title"/>
           </p:nvPr>
@@ -4819,7 +4798,7 @@
           </a:ln>
         </p:spPr>
         <p:txBody>
-          <a:bodyPr anchorCtr="0" anchor="t" bIns="91425" lIns="91425" spcFirstLastPara="1" rIns="91425" wrap="square" tIns="91425">
+          <a:bodyPr spcFirstLastPara="1" wrap="square" lIns="91425" tIns="91425" rIns="91425" bIns="91425" anchor="t" anchorCtr="false">
             <a:noAutofit/>
           </a:bodyPr>
           <a:lstStyle>
@@ -4992,9 +4971,9 @@
       <p:sp>
         <p:nvSpPr>
           <p:cNvPr id="7" name="Google Shape;7;p1"/>
-          <p:cNvSpPr txBox="1"/>
+          <p:cNvSpPr txBox="true"/>
           <p:nvPr>
-            <p:ph idx="1" type="body"/>
+            <p:ph type="body" idx="1"/>
           </p:nvPr>
         </p:nvSpPr>
         <p:spPr>
@@ -5011,11 +4990,11 @@
           </a:ln>
         </p:spPr>
         <p:txBody>
-          <a:bodyPr anchorCtr="0" anchor="t" bIns="91425" lIns="91425" spcFirstLastPara="1" rIns="91425" wrap="square" tIns="91425">
+          <a:bodyPr spcFirstLastPara="1" wrap="square" lIns="91425" tIns="91425" rIns="91425" bIns="91425" anchor="t" anchorCtr="false">
             <a:noAutofit/>
           </a:bodyPr>
           <a:lstStyle>
-            <a:lvl1pPr indent="-342900" lvl="0" marL="457200">
+            <a:lvl1pPr marL="457200" lvl="0" indent="-342900">
               <a:lnSpc>
                 <a:spcPct val="115000"/>
               </a:lnSpc>
@@ -5036,7 +5015,7 @@
                 </a:solidFill>
               </a:defRPr>
             </a:lvl1pPr>
-            <a:lvl2pPr indent="-317500" lvl="1" marL="914400">
+            <a:lvl2pPr marL="914400" lvl="1" indent="-317500">
               <a:lnSpc>
                 <a:spcPct val="115000"/>
               </a:lnSpc>
@@ -5057,7 +5036,7 @@
                 </a:solidFill>
               </a:defRPr>
             </a:lvl2pPr>
-            <a:lvl3pPr indent="-317500" lvl="2" marL="1371600">
+            <a:lvl3pPr marL="1371600" lvl="2" indent="-317500">
               <a:lnSpc>
                 <a:spcPct val="115000"/>
               </a:lnSpc>
@@ -5078,7 +5057,7 @@
                 </a:solidFill>
               </a:defRPr>
             </a:lvl3pPr>
-            <a:lvl4pPr indent="-317500" lvl="3" marL="1828800">
+            <a:lvl4pPr marL="1828800" lvl="3" indent="-317500">
               <a:lnSpc>
                 <a:spcPct val="115000"/>
               </a:lnSpc>
@@ -5099,7 +5078,7 @@
                 </a:solidFill>
               </a:defRPr>
             </a:lvl4pPr>
-            <a:lvl5pPr indent="-317500" lvl="4" marL="2286000">
+            <a:lvl5pPr marL="2286000" lvl="4" indent="-317500">
               <a:lnSpc>
                 <a:spcPct val="115000"/>
               </a:lnSpc>
@@ -5120,7 +5099,7 @@
                 </a:solidFill>
               </a:defRPr>
             </a:lvl5pPr>
-            <a:lvl6pPr indent="-317500" lvl="5" marL="2743200">
+            <a:lvl6pPr marL="2743200" lvl="5" indent="-317500">
               <a:lnSpc>
                 <a:spcPct val="115000"/>
               </a:lnSpc>
@@ -5141,7 +5120,7 @@
                 </a:solidFill>
               </a:defRPr>
             </a:lvl6pPr>
-            <a:lvl7pPr indent="-317500" lvl="6" marL="3200400">
+            <a:lvl7pPr marL="3200400" lvl="6" indent="-317500">
               <a:lnSpc>
                 <a:spcPct val="115000"/>
               </a:lnSpc>
@@ -5162,7 +5141,7 @@
                 </a:solidFill>
               </a:defRPr>
             </a:lvl7pPr>
-            <a:lvl8pPr indent="-317500" lvl="7" marL="3657600">
+            <a:lvl8pPr marL="3657600" lvl="7" indent="-317500">
               <a:lnSpc>
                 <a:spcPct val="115000"/>
               </a:lnSpc>
@@ -5183,7 +5162,7 @@
                 </a:solidFill>
               </a:defRPr>
             </a:lvl8pPr>
-            <a:lvl9pPr indent="-317500" lvl="8" marL="4114800">
+            <a:lvl9pPr marL="4114800" lvl="8" indent="-317500">
               <a:lnSpc>
                 <a:spcPct val="115000"/>
               </a:lnSpc>
@@ -5211,9 +5190,9 @@
       <p:sp>
         <p:nvSpPr>
           <p:cNvPr id="8" name="Google Shape;8;p1"/>
-          <p:cNvSpPr txBox="1"/>
+          <p:cNvSpPr txBox="true"/>
           <p:nvPr>
-            <p:ph idx="12" type="sldNum"/>
+            <p:ph type="sldNum" idx="12"/>
           </p:nvPr>
         </p:nvSpPr>
         <p:spPr>
@@ -5230,7 +5209,7 @@
           </a:ln>
         </p:spPr>
         <p:txBody>
-          <a:bodyPr anchorCtr="0" anchor="ctr" bIns="91425" lIns="91425" spcFirstLastPara="1" rIns="91425" wrap="square" tIns="91425">
+          <a:bodyPr spcFirstLastPara="1" wrap="square" lIns="91425" tIns="91425" rIns="91425" bIns="91425" anchor="ctr" anchorCtr="false">
             <a:noAutofit/>
           </a:bodyPr>
           <a:lstStyle>
@@ -5308,7 +5287,7 @@
             </a:lvl9pPr>
           </a:lstStyle>
           <a:p>
-            <a:pPr indent="0" lvl="0" marL="0" rtl="0" algn="r">
+            <a:pPr marL="0" lvl="0" indent="0" algn="r" rtl="0">
               <a:spcBef>
                 <a:spcPts val="0"/>
               </a:spcBef>
@@ -5319,32 +5298,31 @@
             </a:pPr>
             <a:fld id="{00000000-1234-1234-1234-123412341234}" type="slidenum">
               <a:rPr lang="zh-CN"/>
-              <a:t>‹#›</a:t>
             </a:fld>
-            <a:endParaRPr/>
+            <a:endParaRPr lang="zh-CN"/>
           </a:p>
         </p:txBody>
       </p:sp>
     </p:spTree>
   </p:cSld>
-  <p:clrMap accent1="accent1" accent2="accent2" accent3="accent3" accent4="accent4" accent5="accent5" accent6="accent6" bg1="lt1" bg2="dk2" tx1="dk1" tx2="lt2" folHlink="folHlink" hlink="hlink"/>
+  <p:clrMap bg1="lt1" tx1="dk1" bg2="dk2" tx2="lt2" accent1="accent1" accent2="accent2" accent3="accent3" accent4="accent4" accent5="accent5" accent6="accent6" hlink="hlink" folHlink="folHlink"/>
   <p:sldLayoutIdLst>
-    <p:sldLayoutId id="2147483648" r:id="rId1"/>
-    <p:sldLayoutId id="2147483649" r:id="rId2"/>
-    <p:sldLayoutId id="2147483650" r:id="rId3"/>
-    <p:sldLayoutId id="2147483651" r:id="rId4"/>
-    <p:sldLayoutId id="2147483652" r:id="rId5"/>
-    <p:sldLayoutId id="2147483653" r:id="rId6"/>
-    <p:sldLayoutId id="2147483654" r:id="rId7"/>
-    <p:sldLayoutId id="2147483655" r:id="rId8"/>
-    <p:sldLayoutId id="2147483656" r:id="rId9"/>
-    <p:sldLayoutId id="2147483657" r:id="rId10"/>
-    <p:sldLayoutId id="2147483658" r:id="rId11"/>
+    <p:sldLayoutId id="2147483649" r:id="rId1"/>
+    <p:sldLayoutId id="2147483650" r:id="rId2"/>
+    <p:sldLayoutId id="2147483651" r:id="rId3"/>
+    <p:sldLayoutId id="2147483652" r:id="rId4"/>
+    <p:sldLayoutId id="2147483653" r:id="rId5"/>
+    <p:sldLayoutId id="2147483654" r:id="rId6"/>
+    <p:sldLayoutId id="2147483655" r:id="rId7"/>
+    <p:sldLayoutId id="2147483656" r:id="rId8"/>
+    <p:sldLayoutId id="2147483657" r:id="rId9"/>
+    <p:sldLayoutId id="2147483658" r:id="rId10"/>
+    <p:sldLayoutId id="2147483659" r:id="rId11"/>
   </p:sldLayoutIdLst>
-  <p:hf dt="0" ftr="0" hdr="0" sldNum="0"/>
+  <p:hf sldNum="0" hdr="0" ftr="0" dt="0"/>
   <p:txStyles>
     <p:titleStyle>
-      <a:defPPr lvl="0" marR="0" rtl="0" algn="l">
+      <a:defPPr marR="0" lvl="0" algn="l" rtl="0">
         <a:lnSpc>
           <a:spcPct val="100000"/>
         </a:lnSpc>
@@ -5355,7 +5333,7 @@
           <a:spcPts val="0"/>
         </a:spcAft>
       </a:defPPr>
-      <a:lvl1pPr lvl="0" marR="0" rtl="0" algn="l">
+      <a:lvl1pPr marR="0" lvl="0" algn="l" rtl="0">
         <a:lnSpc>
           <a:spcPct val="100000"/>
         </a:lnSpc>
@@ -5368,18 +5346,18 @@
         <a:buClr>
           <a:srgbClr val="000000"/>
         </a:buClr>
-        <a:buFont typeface="Arial"/>
-        <a:defRPr b="0" i="0" sz="1400" u="none" cap="none" strike="noStrike">
+        <a:buFont typeface="Arial" panose="020B0604020202020204"/>
+        <a:defRPr sz="1400" b="0" i="0" u="none" strike="noStrike" cap="none">
           <a:solidFill>
             <a:srgbClr val="000000"/>
           </a:solidFill>
-          <a:latin typeface="Arial"/>
-          <a:ea typeface="Arial"/>
-          <a:cs typeface="Arial"/>
-          <a:sym typeface="Arial"/>
+          <a:latin typeface="Arial" panose="020B0604020202020204"/>
+          <a:ea typeface="Arial" panose="020B0604020202020204"/>
+          <a:cs typeface="Arial" panose="020B0604020202020204"/>
+          <a:sym typeface="Arial" panose="020B0604020202020204"/>
         </a:defRPr>
       </a:lvl1pPr>
-      <a:lvl2pPr lvl="1" marR="0" rtl="0" algn="l">
+      <a:lvl2pPr marR="0" lvl="1" algn="l" rtl="0">
         <a:lnSpc>
           <a:spcPct val="100000"/>
         </a:lnSpc>
@@ -5392,18 +5370,18 @@
         <a:buClr>
           <a:srgbClr val="000000"/>
         </a:buClr>
-        <a:buFont typeface="Arial"/>
-        <a:defRPr b="0" i="0" sz="1400" u="none" cap="none" strike="noStrike">
+        <a:buFont typeface="Arial" panose="020B0604020202020204"/>
+        <a:defRPr sz="1400" b="0" i="0" u="none" strike="noStrike" cap="none">
           <a:solidFill>
             <a:srgbClr val="000000"/>
           </a:solidFill>
-          <a:latin typeface="Arial"/>
-          <a:ea typeface="Arial"/>
-          <a:cs typeface="Arial"/>
-          <a:sym typeface="Arial"/>
+          <a:latin typeface="Arial" panose="020B0604020202020204"/>
+          <a:ea typeface="Arial" panose="020B0604020202020204"/>
+          <a:cs typeface="Arial" panose="020B0604020202020204"/>
+          <a:sym typeface="Arial" panose="020B0604020202020204"/>
         </a:defRPr>
       </a:lvl2pPr>
-      <a:lvl3pPr lvl="2" marR="0" rtl="0" algn="l">
+      <a:lvl3pPr marR="0" lvl="2" algn="l" rtl="0">
         <a:lnSpc>
           <a:spcPct val="100000"/>
         </a:lnSpc>
@@ -5416,18 +5394,18 @@
         <a:buClr>
           <a:srgbClr val="000000"/>
         </a:buClr>
-        <a:buFont typeface="Arial"/>
-        <a:defRPr b="0" i="0" sz="1400" u="none" cap="none" strike="noStrike">
+        <a:buFont typeface="Arial" panose="020B0604020202020204"/>
+        <a:defRPr sz="1400" b="0" i="0" u="none" strike="noStrike" cap="none">
           <a:solidFill>
             <a:srgbClr val="000000"/>
           </a:solidFill>
-          <a:latin typeface="Arial"/>
-          <a:ea typeface="Arial"/>
-          <a:cs typeface="Arial"/>
-          <a:sym typeface="Arial"/>
+          <a:latin typeface="Arial" panose="020B0604020202020204"/>
+          <a:ea typeface="Arial" panose="020B0604020202020204"/>
+          <a:cs typeface="Arial" panose="020B0604020202020204"/>
+          <a:sym typeface="Arial" panose="020B0604020202020204"/>
         </a:defRPr>
       </a:lvl3pPr>
-      <a:lvl4pPr lvl="3" marR="0" rtl="0" algn="l">
+      <a:lvl4pPr marR="0" lvl="3" algn="l" rtl="0">
         <a:lnSpc>
           <a:spcPct val="100000"/>
         </a:lnSpc>
@@ -5440,18 +5418,18 @@
         <a:buClr>
           <a:srgbClr val="000000"/>
         </a:buClr>
-        <a:buFont typeface="Arial"/>
-        <a:defRPr b="0" i="0" sz="1400" u="none" cap="none" strike="noStrike">
+        <a:buFont typeface="Arial" panose="020B0604020202020204"/>
+        <a:defRPr sz="1400" b="0" i="0" u="none" strike="noStrike" cap="none">
           <a:solidFill>
             <a:srgbClr val="000000"/>
           </a:solidFill>
-          <a:latin typeface="Arial"/>
-          <a:ea typeface="Arial"/>
-          <a:cs typeface="Arial"/>
-          <a:sym typeface="Arial"/>
+          <a:latin typeface="Arial" panose="020B0604020202020204"/>
+          <a:ea typeface="Arial" panose="020B0604020202020204"/>
+          <a:cs typeface="Arial" panose="020B0604020202020204"/>
+          <a:sym typeface="Arial" panose="020B0604020202020204"/>
         </a:defRPr>
       </a:lvl4pPr>
-      <a:lvl5pPr lvl="4" marR="0" rtl="0" algn="l">
+      <a:lvl5pPr marR="0" lvl="4" algn="l" rtl="0">
         <a:lnSpc>
           <a:spcPct val="100000"/>
         </a:lnSpc>
@@ -5464,18 +5442,18 @@
         <a:buClr>
           <a:srgbClr val="000000"/>
         </a:buClr>
-        <a:buFont typeface="Arial"/>
-        <a:defRPr b="0" i="0" sz="1400" u="none" cap="none" strike="noStrike">
+        <a:buFont typeface="Arial" panose="020B0604020202020204"/>
+        <a:defRPr sz="1400" b="0" i="0" u="none" strike="noStrike" cap="none">
           <a:solidFill>
             <a:srgbClr val="000000"/>
           </a:solidFill>
-          <a:latin typeface="Arial"/>
-          <a:ea typeface="Arial"/>
-          <a:cs typeface="Arial"/>
-          <a:sym typeface="Arial"/>
+          <a:latin typeface="Arial" panose="020B0604020202020204"/>
+          <a:ea typeface="Arial" panose="020B0604020202020204"/>
+          <a:cs typeface="Arial" panose="020B0604020202020204"/>
+          <a:sym typeface="Arial" panose="020B0604020202020204"/>
         </a:defRPr>
       </a:lvl5pPr>
-      <a:lvl6pPr lvl="5" marR="0" rtl="0" algn="l">
+      <a:lvl6pPr marR="0" lvl="5" algn="l" rtl="0">
         <a:lnSpc>
           <a:spcPct val="100000"/>
         </a:lnSpc>
@@ -5488,18 +5466,18 @@
         <a:buClr>
           <a:srgbClr val="000000"/>
         </a:buClr>
-        <a:buFont typeface="Arial"/>
-        <a:defRPr b="0" i="0" sz="1400" u="none" cap="none" strike="noStrike">
+        <a:buFont typeface="Arial" panose="020B0604020202020204"/>
+        <a:defRPr sz="1400" b="0" i="0" u="none" strike="noStrike" cap="none">
           <a:solidFill>
             <a:srgbClr val="000000"/>
           </a:solidFill>
-          <a:latin typeface="Arial"/>
-          <a:ea typeface="Arial"/>
-          <a:cs typeface="Arial"/>
-          <a:sym typeface="Arial"/>
+          <a:latin typeface="Arial" panose="020B0604020202020204"/>
+          <a:ea typeface="Arial" panose="020B0604020202020204"/>
+          <a:cs typeface="Arial" panose="020B0604020202020204"/>
+          <a:sym typeface="Arial" panose="020B0604020202020204"/>
         </a:defRPr>
       </a:lvl6pPr>
-      <a:lvl7pPr lvl="6" marR="0" rtl="0" algn="l">
+      <a:lvl7pPr marR="0" lvl="6" algn="l" rtl="0">
         <a:lnSpc>
           <a:spcPct val="100000"/>
         </a:lnSpc>
@@ -5512,18 +5490,18 @@
         <a:buClr>
           <a:srgbClr val="000000"/>
         </a:buClr>
-        <a:buFont typeface="Arial"/>
-        <a:defRPr b="0" i="0" sz="1400" u="none" cap="none" strike="noStrike">
+        <a:buFont typeface="Arial" panose="020B0604020202020204"/>
+        <a:defRPr sz="1400" b="0" i="0" u="none" strike="noStrike" cap="none">
           <a:solidFill>
             <a:srgbClr val="000000"/>
           </a:solidFill>
-          <a:latin typeface="Arial"/>
-          <a:ea typeface="Arial"/>
-          <a:cs typeface="Arial"/>
-          <a:sym typeface="Arial"/>
+          <a:latin typeface="Arial" panose="020B0604020202020204"/>
+          <a:ea typeface="Arial" panose="020B0604020202020204"/>
+          <a:cs typeface="Arial" panose="020B0604020202020204"/>
+          <a:sym typeface="Arial" panose="020B0604020202020204"/>
         </a:defRPr>
       </a:lvl7pPr>
-      <a:lvl8pPr lvl="7" marR="0" rtl="0" algn="l">
+      <a:lvl8pPr marR="0" lvl="7" algn="l" rtl="0">
         <a:lnSpc>
           <a:spcPct val="100000"/>
         </a:lnSpc>
@@ -5536,18 +5514,18 @@
         <a:buClr>
           <a:srgbClr val="000000"/>
         </a:buClr>
-        <a:buFont typeface="Arial"/>
-        <a:defRPr b="0" i="0" sz="1400" u="none" cap="none" strike="noStrike">
+        <a:buFont typeface="Arial" panose="020B0604020202020204"/>
+        <a:defRPr sz="1400" b="0" i="0" u="none" strike="noStrike" cap="none">
           <a:solidFill>
             <a:srgbClr val="000000"/>
           </a:solidFill>
-          <a:latin typeface="Arial"/>
-          <a:ea typeface="Arial"/>
-          <a:cs typeface="Arial"/>
-          <a:sym typeface="Arial"/>
+          <a:latin typeface="Arial" panose="020B0604020202020204"/>
+          <a:ea typeface="Arial" panose="020B0604020202020204"/>
+          <a:cs typeface="Arial" panose="020B0604020202020204"/>
+          <a:sym typeface="Arial" panose="020B0604020202020204"/>
         </a:defRPr>
       </a:lvl8pPr>
-      <a:lvl9pPr lvl="8" marR="0" rtl="0" algn="l">
+      <a:lvl9pPr marR="0" lvl="8" algn="l" rtl="0">
         <a:lnSpc>
           <a:spcPct val="100000"/>
         </a:lnSpc>
@@ -5560,20 +5538,20 @@
         <a:buClr>
           <a:srgbClr val="000000"/>
         </a:buClr>
-        <a:buFont typeface="Arial"/>
-        <a:defRPr b="0" i="0" sz="1400" u="none" cap="none" strike="noStrike">
+        <a:buFont typeface="Arial" panose="020B0604020202020204"/>
+        <a:defRPr sz="1400" b="0" i="0" u="none" strike="noStrike" cap="none">
           <a:solidFill>
             <a:srgbClr val="000000"/>
           </a:solidFill>
-          <a:latin typeface="Arial"/>
-          <a:ea typeface="Arial"/>
-          <a:cs typeface="Arial"/>
-          <a:sym typeface="Arial"/>
+          <a:latin typeface="Arial" panose="020B0604020202020204"/>
+          <a:ea typeface="Arial" panose="020B0604020202020204"/>
+          <a:cs typeface="Arial" panose="020B0604020202020204"/>
+          <a:sym typeface="Arial" panose="020B0604020202020204"/>
         </a:defRPr>
       </a:lvl9pPr>
     </p:titleStyle>
     <p:bodyStyle>
-      <a:defPPr lvl="0" marR="0" rtl="0" algn="l">
+      <a:defPPr marR="0" lvl="0" algn="l" rtl="0">
         <a:lnSpc>
           <a:spcPct val="100000"/>
         </a:lnSpc>
@@ -5584,7 +5562,7 @@
           <a:spcPts val="0"/>
         </a:spcAft>
       </a:defPPr>
-      <a:lvl1pPr lvl="0" marR="0" rtl="0" algn="l">
+      <a:lvl1pPr marR="0" lvl="0" algn="l" rtl="0">
         <a:lnSpc>
           <a:spcPct val="100000"/>
         </a:lnSpc>
@@ -5597,18 +5575,18 @@
         <a:buClr>
           <a:srgbClr val="000000"/>
         </a:buClr>
-        <a:buFont typeface="Arial"/>
-        <a:defRPr b="0" i="0" sz="1400" u="none" cap="none" strike="noStrike">
+        <a:buFont typeface="Arial" panose="020B0604020202020204"/>
+        <a:defRPr sz="1400" b="0" i="0" u="none" strike="noStrike" cap="none">
           <a:solidFill>
             <a:srgbClr val="000000"/>
           </a:solidFill>
-          <a:latin typeface="Arial"/>
-          <a:ea typeface="Arial"/>
-          <a:cs typeface="Arial"/>
-          <a:sym typeface="Arial"/>
+          <a:latin typeface="Arial" panose="020B0604020202020204"/>
+          <a:ea typeface="Arial" panose="020B0604020202020204"/>
+          <a:cs typeface="Arial" panose="020B0604020202020204"/>
+          <a:sym typeface="Arial" panose="020B0604020202020204"/>
         </a:defRPr>
       </a:lvl1pPr>
-      <a:lvl2pPr lvl="1" marR="0" rtl="0" algn="l">
+      <a:lvl2pPr marR="0" lvl="1" algn="l" rtl="0">
         <a:lnSpc>
           <a:spcPct val="100000"/>
         </a:lnSpc>
@@ -5621,18 +5599,18 @@
         <a:buClr>
           <a:srgbClr val="000000"/>
         </a:buClr>
-        <a:buFont typeface="Arial"/>
-        <a:defRPr b="0" i="0" sz="1400" u="none" cap="none" strike="noStrike">
+        <a:buFont typeface="Arial" panose="020B0604020202020204"/>
+        <a:defRPr sz="1400" b="0" i="0" u="none" strike="noStrike" cap="none">
           <a:solidFill>
             <a:srgbClr val="000000"/>
           </a:solidFill>
-          <a:latin typeface="Arial"/>
-          <a:ea typeface="Arial"/>
-          <a:cs typeface="Arial"/>
-          <a:sym typeface="Arial"/>
+          <a:latin typeface="Arial" panose="020B0604020202020204"/>
+          <a:ea typeface="Arial" panose="020B0604020202020204"/>
+          <a:cs typeface="Arial" panose="020B0604020202020204"/>
+          <a:sym typeface="Arial" panose="020B0604020202020204"/>
         </a:defRPr>
       </a:lvl2pPr>
-      <a:lvl3pPr lvl="2" marR="0" rtl="0" algn="l">
+      <a:lvl3pPr marR="0" lvl="2" algn="l" rtl="0">
         <a:lnSpc>
           <a:spcPct val="100000"/>
         </a:lnSpc>
@@ -5645,18 +5623,18 @@
         <a:buClr>
           <a:srgbClr val="000000"/>
         </a:buClr>
-        <a:buFont typeface="Arial"/>
-        <a:defRPr b="0" i="0" sz="1400" u="none" cap="none" strike="noStrike">
+        <a:buFont typeface="Arial" panose="020B0604020202020204"/>
+        <a:defRPr sz="1400" b="0" i="0" u="none" strike="noStrike" cap="none">
           <a:solidFill>
             <a:srgbClr val="000000"/>
           </a:solidFill>
-          <a:latin typeface="Arial"/>
-          <a:ea typeface="Arial"/>
-          <a:cs typeface="Arial"/>
-          <a:sym typeface="Arial"/>
+          <a:latin typeface="Arial" panose="020B0604020202020204"/>
+          <a:ea typeface="Arial" panose="020B0604020202020204"/>
+          <a:cs typeface="Arial" panose="020B0604020202020204"/>
+          <a:sym typeface="Arial" panose="020B0604020202020204"/>
         </a:defRPr>
       </a:lvl3pPr>
-      <a:lvl4pPr lvl="3" marR="0" rtl="0" algn="l">
+      <a:lvl4pPr marR="0" lvl="3" algn="l" rtl="0">
         <a:lnSpc>
           <a:spcPct val="100000"/>
         </a:lnSpc>
@@ -5669,18 +5647,18 @@
         <a:buClr>
           <a:srgbClr val="000000"/>
         </a:buClr>
-        <a:buFont typeface="Arial"/>
-        <a:defRPr b="0" i="0" sz="1400" u="none" cap="none" strike="noStrike">
+        <a:buFont typeface="Arial" panose="020B0604020202020204"/>
+        <a:defRPr sz="1400" b="0" i="0" u="none" strike="noStrike" cap="none">
           <a:solidFill>
             <a:srgbClr val="000000"/>
           </a:solidFill>
-          <a:latin typeface="Arial"/>
-          <a:ea typeface="Arial"/>
-          <a:cs typeface="Arial"/>
-          <a:sym typeface="Arial"/>
+          <a:latin typeface="Arial" panose="020B0604020202020204"/>
+          <a:ea typeface="Arial" panose="020B0604020202020204"/>
+          <a:cs typeface="Arial" panose="020B0604020202020204"/>
+          <a:sym typeface="Arial" panose="020B0604020202020204"/>
         </a:defRPr>
       </a:lvl4pPr>
-      <a:lvl5pPr lvl="4" marR="0" rtl="0" algn="l">
+      <a:lvl5pPr marR="0" lvl="4" algn="l" rtl="0">
         <a:lnSpc>
           <a:spcPct val="100000"/>
         </a:lnSpc>
@@ -5693,18 +5671,18 @@
         <a:buClr>
           <a:srgbClr val="000000"/>
         </a:buClr>
-        <a:buFont typeface="Arial"/>
-        <a:defRPr b="0" i="0" sz="1400" u="none" cap="none" strike="noStrike">
+        <a:buFont typeface="Arial" panose="020B0604020202020204"/>
+        <a:defRPr sz="1400" b="0" i="0" u="none" strike="noStrike" cap="none">
           <a:solidFill>
             <a:srgbClr val="000000"/>
           </a:solidFill>
-          <a:latin typeface="Arial"/>
-          <a:ea typeface="Arial"/>
-          <a:cs typeface="Arial"/>
-          <a:sym typeface="Arial"/>
+          <a:latin typeface="Arial" panose="020B0604020202020204"/>
+          <a:ea typeface="Arial" panose="020B0604020202020204"/>
+          <a:cs typeface="Arial" panose="020B0604020202020204"/>
+          <a:sym typeface="Arial" panose="020B0604020202020204"/>
         </a:defRPr>
       </a:lvl5pPr>
-      <a:lvl6pPr lvl="5" marR="0" rtl="0" algn="l">
+      <a:lvl6pPr marR="0" lvl="5" algn="l" rtl="0">
         <a:lnSpc>
           <a:spcPct val="100000"/>
         </a:lnSpc>
@@ -5717,18 +5695,18 @@
         <a:buClr>
           <a:srgbClr val="000000"/>
         </a:buClr>
-        <a:buFont typeface="Arial"/>
-        <a:defRPr b="0" i="0" sz="1400" u="none" cap="none" strike="noStrike">
+        <a:buFont typeface="Arial" panose="020B0604020202020204"/>
+        <a:defRPr sz="1400" b="0" i="0" u="none" strike="noStrike" cap="none">
           <a:solidFill>
             <a:srgbClr val="000000"/>
           </a:solidFill>
-          <a:latin typeface="Arial"/>
-          <a:ea typeface="Arial"/>
-          <a:cs typeface="Arial"/>
-          <a:sym typeface="Arial"/>
+          <a:latin typeface="Arial" panose="020B0604020202020204"/>
+          <a:ea typeface="Arial" panose="020B0604020202020204"/>
+          <a:cs typeface="Arial" panose="020B0604020202020204"/>
+          <a:sym typeface="Arial" panose="020B0604020202020204"/>
         </a:defRPr>
       </a:lvl6pPr>
-      <a:lvl7pPr lvl="6" marR="0" rtl="0" algn="l">
+      <a:lvl7pPr marR="0" lvl="6" algn="l" rtl="0">
         <a:lnSpc>
           <a:spcPct val="100000"/>
         </a:lnSpc>
@@ -5741,18 +5719,18 @@
         <a:buClr>
           <a:srgbClr val="000000"/>
         </a:buClr>
-        <a:buFont typeface="Arial"/>
-        <a:defRPr b="0" i="0" sz="1400" u="none" cap="none" strike="noStrike">
+        <a:buFont typeface="Arial" panose="020B0604020202020204"/>
+        <a:defRPr sz="1400" b="0" i="0" u="none" strike="noStrike" cap="none">
           <a:solidFill>
             <a:srgbClr val="000000"/>
           </a:solidFill>
-          <a:latin typeface="Arial"/>
-          <a:ea typeface="Arial"/>
-          <a:cs typeface="Arial"/>
-          <a:sym typeface="Arial"/>
+          <a:latin typeface="Arial" panose="020B0604020202020204"/>
+          <a:ea typeface="Arial" panose="020B0604020202020204"/>
+          <a:cs typeface="Arial" panose="020B0604020202020204"/>
+          <a:sym typeface="Arial" panose="020B0604020202020204"/>
         </a:defRPr>
       </a:lvl7pPr>
-      <a:lvl8pPr lvl="7" marR="0" rtl="0" algn="l">
+      <a:lvl8pPr marR="0" lvl="7" algn="l" rtl="0">
         <a:lnSpc>
           <a:spcPct val="100000"/>
         </a:lnSpc>
@@ -5765,18 +5743,18 @@
         <a:buClr>
           <a:srgbClr val="000000"/>
         </a:buClr>
-        <a:buFont typeface="Arial"/>
-        <a:defRPr b="0" i="0" sz="1400" u="none" cap="none" strike="noStrike">
+        <a:buFont typeface="Arial" panose="020B0604020202020204"/>
+        <a:defRPr sz="1400" b="0" i="0" u="none" strike="noStrike" cap="none">
           <a:solidFill>
             <a:srgbClr val="000000"/>
           </a:solidFill>
-          <a:latin typeface="Arial"/>
-          <a:ea typeface="Arial"/>
-          <a:cs typeface="Arial"/>
-          <a:sym typeface="Arial"/>
+          <a:latin typeface="Arial" panose="020B0604020202020204"/>
+          <a:ea typeface="Arial" panose="020B0604020202020204"/>
+          <a:cs typeface="Arial" panose="020B0604020202020204"/>
+          <a:sym typeface="Arial" panose="020B0604020202020204"/>
         </a:defRPr>
       </a:lvl8pPr>
-      <a:lvl9pPr lvl="8" marR="0" rtl="0" algn="l">
+      <a:lvl9pPr marR="0" lvl="8" algn="l" rtl="0">
         <a:lnSpc>
           <a:spcPct val="100000"/>
         </a:lnSpc>
@@ -5789,20 +5767,20 @@
         <a:buClr>
           <a:srgbClr val="000000"/>
         </a:buClr>
-        <a:buFont typeface="Arial"/>
-        <a:defRPr b="0" i="0" sz="1400" u="none" cap="none" strike="noStrike">
+        <a:buFont typeface="Arial" panose="020B0604020202020204"/>
+        <a:defRPr sz="1400" b="0" i="0" u="none" strike="noStrike" cap="none">
           <a:solidFill>
             <a:srgbClr val="000000"/>
           </a:solidFill>
-          <a:latin typeface="Arial"/>
-          <a:ea typeface="Arial"/>
-          <a:cs typeface="Arial"/>
-          <a:sym typeface="Arial"/>
+          <a:latin typeface="Arial" panose="020B0604020202020204"/>
+          <a:ea typeface="Arial" panose="020B0604020202020204"/>
+          <a:cs typeface="Arial" panose="020B0604020202020204"/>
+          <a:sym typeface="Arial" panose="020B0604020202020204"/>
         </a:defRPr>
       </a:lvl9pPr>
     </p:bodyStyle>
     <p:otherStyle>
-      <a:defPPr lvl="0" marR="0" rtl="0" algn="l">
+      <a:defPPr marR="0" lvl="0" algn="l" rtl="0">
         <a:lnSpc>
           <a:spcPct val="100000"/>
         </a:lnSpc>
@@ -5813,7 +5791,7 @@
           <a:spcPts val="0"/>
         </a:spcAft>
       </a:defPPr>
-      <a:lvl1pPr lvl="0" marR="0" rtl="0" algn="l">
+      <a:lvl1pPr marR="0" lvl="0" algn="l" rtl="0">
         <a:lnSpc>
           <a:spcPct val="100000"/>
         </a:lnSpc>
@@ -5826,18 +5804,18 @@
         <a:buClr>
           <a:srgbClr val="000000"/>
         </a:buClr>
-        <a:buFont typeface="Arial"/>
-        <a:defRPr b="0" i="0" sz="1400" u="none" cap="none" strike="noStrike">
+        <a:buFont typeface="Arial" panose="020B0604020202020204"/>
+        <a:defRPr sz="1400" b="0" i="0" u="none" strike="noStrike" cap="none">
           <a:solidFill>
             <a:srgbClr val="000000"/>
           </a:solidFill>
-          <a:latin typeface="Arial"/>
-          <a:ea typeface="Arial"/>
-          <a:cs typeface="Arial"/>
-          <a:sym typeface="Arial"/>
+          <a:latin typeface="Arial" panose="020B0604020202020204"/>
+          <a:ea typeface="Arial" panose="020B0604020202020204"/>
+          <a:cs typeface="Arial" panose="020B0604020202020204"/>
+          <a:sym typeface="Arial" panose="020B0604020202020204"/>
         </a:defRPr>
       </a:lvl1pPr>
-      <a:lvl2pPr lvl="1" marR="0" rtl="0" algn="l">
+      <a:lvl2pPr marR="0" lvl="1" algn="l" rtl="0">
         <a:lnSpc>
           <a:spcPct val="100000"/>
         </a:lnSpc>
@@ -5850,18 +5828,18 @@
         <a:buClr>
           <a:srgbClr val="000000"/>
         </a:buClr>
-        <a:buFont typeface="Arial"/>
-        <a:defRPr b="0" i="0" sz="1400" u="none" cap="none" strike="noStrike">
+        <a:buFont typeface="Arial" panose="020B0604020202020204"/>
+        <a:defRPr sz="1400" b="0" i="0" u="none" strike="noStrike" cap="none">
           <a:solidFill>
             <a:srgbClr val="000000"/>
           </a:solidFill>
-          <a:latin typeface="Arial"/>
-          <a:ea typeface="Arial"/>
-          <a:cs typeface="Arial"/>
-          <a:sym typeface="Arial"/>
+          <a:latin typeface="Arial" panose="020B0604020202020204"/>
+          <a:ea typeface="Arial" panose="020B0604020202020204"/>
+          <a:cs typeface="Arial" panose="020B0604020202020204"/>
+          <a:sym typeface="Arial" panose="020B0604020202020204"/>
         </a:defRPr>
       </a:lvl2pPr>
-      <a:lvl3pPr lvl="2" marR="0" rtl="0" algn="l">
+      <a:lvl3pPr marR="0" lvl="2" algn="l" rtl="0">
         <a:lnSpc>
           <a:spcPct val="100000"/>
         </a:lnSpc>
@@ -5874,18 +5852,18 @@
         <a:buClr>
           <a:srgbClr val="000000"/>
         </a:buClr>
-        <a:buFont typeface="Arial"/>
-        <a:defRPr b="0" i="0" sz="1400" u="none" cap="none" strike="noStrike">
+        <a:buFont typeface="Arial" panose="020B0604020202020204"/>
+        <a:defRPr sz="1400" b="0" i="0" u="none" strike="noStrike" cap="none">
           <a:solidFill>
             <a:srgbClr val="000000"/>
           </a:solidFill>
-          <a:latin typeface="Arial"/>
-          <a:ea typeface="Arial"/>
-          <a:cs typeface="Arial"/>
-          <a:sym typeface="Arial"/>
+          <a:latin typeface="Arial" panose="020B0604020202020204"/>
+          <a:ea typeface="Arial" panose="020B0604020202020204"/>
+          <a:cs typeface="Arial" panose="020B0604020202020204"/>
+          <a:sym typeface="Arial" panose="020B0604020202020204"/>
         </a:defRPr>
       </a:lvl3pPr>
-      <a:lvl4pPr lvl="3" marR="0" rtl="0" algn="l">
+      <a:lvl4pPr marR="0" lvl="3" algn="l" rtl="0">
         <a:lnSpc>
           <a:spcPct val="100000"/>
         </a:lnSpc>
@@ -5898,18 +5876,18 @@
         <a:buClr>
           <a:srgbClr val="000000"/>
         </a:buClr>
-        <a:buFont typeface="Arial"/>
-        <a:defRPr b="0" i="0" sz="1400" u="none" cap="none" strike="noStrike">
+        <a:buFont typeface="Arial" panose="020B0604020202020204"/>
+        <a:defRPr sz="1400" b="0" i="0" u="none" strike="noStrike" cap="none">
           <a:solidFill>
             <a:srgbClr val="000000"/>
           </a:solidFill>
-          <a:latin typeface="Arial"/>
-          <a:ea typeface="Arial"/>
-          <a:cs typeface="Arial"/>
-          <a:sym typeface="Arial"/>
+          <a:latin typeface="Arial" panose="020B0604020202020204"/>
+          <a:ea typeface="Arial" panose="020B0604020202020204"/>
+          <a:cs typeface="Arial" panose="020B0604020202020204"/>
+          <a:sym typeface="Arial" panose="020B0604020202020204"/>
         </a:defRPr>
       </a:lvl4pPr>
-      <a:lvl5pPr lvl="4" marR="0" rtl="0" algn="l">
+      <a:lvl5pPr marR="0" lvl="4" algn="l" rtl="0">
         <a:lnSpc>
           <a:spcPct val="100000"/>
         </a:lnSpc>
@@ -5922,18 +5900,18 @@
         <a:buClr>
           <a:srgbClr val="000000"/>
         </a:buClr>
-        <a:buFont typeface="Arial"/>
-        <a:defRPr b="0" i="0" sz="1400" u="none" cap="none" strike="noStrike">
+        <a:buFont typeface="Arial" panose="020B0604020202020204"/>
+        <a:defRPr sz="1400" b="0" i="0" u="none" strike="noStrike" cap="none">
           <a:solidFill>
             <a:srgbClr val="000000"/>
           </a:solidFill>
-          <a:latin typeface="Arial"/>
-          <a:ea typeface="Arial"/>
-          <a:cs typeface="Arial"/>
-          <a:sym typeface="Arial"/>
+          <a:latin typeface="Arial" panose="020B0604020202020204"/>
+          <a:ea typeface="Arial" panose="020B0604020202020204"/>
+          <a:cs typeface="Arial" panose="020B0604020202020204"/>
+          <a:sym typeface="Arial" panose="020B0604020202020204"/>
         </a:defRPr>
       </a:lvl5pPr>
-      <a:lvl6pPr lvl="5" marR="0" rtl="0" algn="l">
+      <a:lvl6pPr marR="0" lvl="5" algn="l" rtl="0">
         <a:lnSpc>
           <a:spcPct val="100000"/>
         </a:lnSpc>
@@ -5946,18 +5924,18 @@
         <a:buClr>
           <a:srgbClr val="000000"/>
         </a:buClr>
-        <a:buFont typeface="Arial"/>
-        <a:defRPr b="0" i="0" sz="1400" u="none" cap="none" strike="noStrike">
+        <a:buFont typeface="Arial" panose="020B0604020202020204"/>
+        <a:defRPr sz="1400" b="0" i="0" u="none" strike="noStrike" cap="none">
           <a:solidFill>
             <a:srgbClr val="000000"/>
           </a:solidFill>
-          <a:latin typeface="Arial"/>
-          <a:ea typeface="Arial"/>
-          <a:cs typeface="Arial"/>
-          <a:sym typeface="Arial"/>
+          <a:latin typeface="Arial" panose="020B0604020202020204"/>
+          <a:ea typeface="Arial" panose="020B0604020202020204"/>
+          <a:cs typeface="Arial" panose="020B0604020202020204"/>
+          <a:sym typeface="Arial" panose="020B0604020202020204"/>
         </a:defRPr>
       </a:lvl6pPr>
-      <a:lvl7pPr lvl="6" marR="0" rtl="0" algn="l">
+      <a:lvl7pPr marR="0" lvl="6" algn="l" rtl="0">
         <a:lnSpc>
           <a:spcPct val="100000"/>
         </a:lnSpc>
@@ -5970,18 +5948,18 @@
         <a:buClr>
           <a:srgbClr val="000000"/>
         </a:buClr>
-        <a:buFont typeface="Arial"/>
-        <a:defRPr b="0" i="0" sz="1400" u="none" cap="none" strike="noStrike">
+        <a:buFont typeface="Arial" panose="020B0604020202020204"/>
+        <a:defRPr sz="1400" b="0" i="0" u="none" strike="noStrike" cap="none">
           <a:solidFill>
             <a:srgbClr val="000000"/>
           </a:solidFill>
-          <a:latin typeface="Arial"/>
-          <a:ea typeface="Arial"/>
-          <a:cs typeface="Arial"/>
-          <a:sym typeface="Arial"/>
+          <a:latin typeface="Arial" panose="020B0604020202020204"/>
+          <a:ea typeface="Arial" panose="020B0604020202020204"/>
+          <a:cs typeface="Arial" panose="020B0604020202020204"/>
+          <a:sym typeface="Arial" panose="020B0604020202020204"/>
         </a:defRPr>
       </a:lvl7pPr>
-      <a:lvl8pPr lvl="7" marR="0" rtl="0" algn="l">
+      <a:lvl8pPr marR="0" lvl="7" algn="l" rtl="0">
         <a:lnSpc>
           <a:spcPct val="100000"/>
         </a:lnSpc>
@@ -5994,18 +5972,18 @@
         <a:buClr>
           <a:srgbClr val="000000"/>
         </a:buClr>
-        <a:buFont typeface="Arial"/>
-        <a:defRPr b="0" i="0" sz="1400" u="none" cap="none" strike="noStrike">
+        <a:buFont typeface="Arial" panose="020B0604020202020204"/>
+        <a:defRPr sz="1400" b="0" i="0" u="none" strike="noStrike" cap="none">
           <a:solidFill>
             <a:srgbClr val="000000"/>
           </a:solidFill>
-          <a:latin typeface="Arial"/>
-          <a:ea typeface="Arial"/>
-          <a:cs typeface="Arial"/>
-          <a:sym typeface="Arial"/>
+          <a:latin typeface="Arial" panose="020B0604020202020204"/>
+          <a:ea typeface="Arial" panose="020B0604020202020204"/>
+          <a:cs typeface="Arial" panose="020B0604020202020204"/>
+          <a:sym typeface="Arial" panose="020B0604020202020204"/>
         </a:defRPr>
       </a:lvl8pPr>
-      <a:lvl9pPr lvl="8" marR="0" rtl="0" algn="l">
+      <a:lvl9pPr marR="0" lvl="8" algn="l" rtl="0">
         <a:lnSpc>
           <a:spcPct val="100000"/>
         </a:lnSpc>
@@ -6018,15 +5996,15 @@
         <a:buClr>
           <a:srgbClr val="000000"/>
         </a:buClr>
-        <a:buFont typeface="Arial"/>
-        <a:defRPr b="0" i="0" sz="1400" u="none" cap="none" strike="noStrike">
+        <a:buFont typeface="Arial" panose="020B0604020202020204"/>
+        <a:defRPr sz="1400" b="0" i="0" u="none" strike="noStrike" cap="none">
           <a:solidFill>
             <a:srgbClr val="000000"/>
           </a:solidFill>
-          <a:latin typeface="Arial"/>
-          <a:ea typeface="Arial"/>
-          <a:cs typeface="Arial"/>
-          <a:sym typeface="Arial"/>
+          <a:latin typeface="Arial" panose="020B0604020202020204"/>
+          <a:ea typeface="Arial" panose="020B0604020202020204"/>
+          <a:cs typeface="Arial" panose="020B0604020202020204"/>
+          <a:sym typeface="Arial" panose="020B0604020202020204"/>
         </a:defRPr>
       </a:lvl9pPr>
     </p:otherStyle>
@@ -6035,7 +6013,7 @@
 </file>
 
 <file path=ppt/slides/slide1.xml><?xml version="1.0" encoding="utf-8"?>
-<p:sld xmlns:a="http://schemas.openxmlformats.org/drawingml/2006/main" xmlns:r="http://schemas.openxmlformats.org/officeDocument/2006/relationships" xmlns:mc="http://schemas.openxmlformats.org/markup-compatibility/2006" xmlns:mv="urn:schemas-microsoft-com:mac:vml" xmlns:p="http://schemas.openxmlformats.org/presentationml/2006/main" xmlns:c="http://schemas.openxmlformats.org/drawingml/2006/chart" xmlns:dgm="http://schemas.openxmlformats.org/drawingml/2006/diagram" xmlns:o="urn:schemas-microsoft-com:office:office" xmlns:v="urn:schemas-microsoft-com:vml" xmlns:pvml="urn:schemas-microsoft-com:office:powerpoint" xmlns:com="http://schemas.openxmlformats.org/drawingml/2006/compatibility" xmlns:p14="http://schemas.microsoft.com/office/powerpoint/2010/main" xmlns:p15="http://schemas.microsoft.com/office/powerpoint/2012/main" xmlns:ahyp="http://schemas.microsoft.com/office/drawing/2018/hyperlinkcolor">
+<p:sld xmlns:a="http://schemas.openxmlformats.org/drawingml/2006/main" xmlns:r="http://schemas.openxmlformats.org/officeDocument/2006/relationships" xmlns:p="http://schemas.openxmlformats.org/presentationml/2006/main">
   <p:cSld>
     <p:spTree>
       <p:nvGrpSpPr>
@@ -6059,7 +6037,7 @@
         </p:nvGraphicFramePr>
         <p:xfrm>
           <a:off x="0" y="138"/>
-          <a:ext cx="3000000" cy="3000000"/>
+          <a:ext cx="9144000" cy="4841900"/>
         </p:xfrm>
         <a:graphic>
           <a:graphicData uri="http://schemas.openxmlformats.org/drawingml/2006/table">
@@ -6081,7 +6059,7 @@
                     <a:bodyPr/>
                     <a:lstStyle/>
                     <a:p>
-                      <a:pPr indent="0" lvl="0" marL="0" rtl="0" algn="l">
+                      <a:pPr marL="0" lvl="0" indent="0" algn="l" rtl="0">
                         <a:spcBef>
                           <a:spcPts val="0"/>
                         </a:spcBef>
@@ -6097,14 +6075,14 @@
                       <a:endParaRPr sz="1200"/>
                     </a:p>
                   </a:txBody>
-                  <a:tcPr marT="91425" marB="91425" marR="91425" marL="91425"/>
+                  <a:tcPr marL="91425" marR="91425" marT="91425" marB="91425"/>
                 </a:tc>
                 <a:tc>
                   <a:txBody>
                     <a:bodyPr/>
                     <a:lstStyle/>
                     <a:p>
-                      <a:pPr indent="0" lvl="0" marL="0" rtl="0" algn="l">
+                      <a:pPr marL="0" lvl="0" indent="0" algn="l" rtl="0">
                         <a:spcBef>
                           <a:spcPts val="0"/>
                         </a:spcBef>
@@ -6120,14 +6098,14 @@
                       <a:endParaRPr sz="1200"/>
                     </a:p>
                   </a:txBody>
-                  <a:tcPr marT="91425" marB="91425" marR="91425" marL="91425"/>
+                  <a:tcPr marL="91425" marR="91425" marT="91425" marB="91425"/>
                 </a:tc>
                 <a:tc>
                   <a:txBody>
                     <a:bodyPr/>
                     <a:lstStyle/>
                     <a:p>
-                      <a:pPr indent="0" lvl="0" marL="0" rtl="0" algn="l">
+                      <a:pPr marL="0" lvl="0" indent="0" algn="l" rtl="0">
                         <a:spcBef>
                           <a:spcPts val="0"/>
                         </a:spcBef>
@@ -6143,14 +6121,14 @@
                       <a:endParaRPr sz="1200"/>
                     </a:p>
                   </a:txBody>
-                  <a:tcPr marT="91425" marB="91425" marR="91425" marL="91425"/>
+                  <a:tcPr marL="91425" marR="91425" marT="91425" marB="91425"/>
                 </a:tc>
                 <a:tc>
                   <a:txBody>
                     <a:bodyPr/>
                     <a:lstStyle/>
                     <a:p>
-                      <a:pPr indent="0" lvl="0" marL="0" rtl="0" algn="l">
+                      <a:pPr marL="0" lvl="0" indent="0" algn="l" rtl="0">
                         <a:spcBef>
                           <a:spcPts val="0"/>
                         </a:spcBef>
@@ -6166,14 +6144,14 @@
                       <a:endParaRPr sz="1200"/>
                     </a:p>
                   </a:txBody>
-                  <a:tcPr marT="91425" marB="91425" marR="91425" marL="91425"/>
+                  <a:tcPr marL="91425" marR="91425" marT="91425" marB="91425"/>
                 </a:tc>
                 <a:tc>
                   <a:txBody>
                     <a:bodyPr/>
                     <a:lstStyle/>
                     <a:p>
-                      <a:pPr indent="0" lvl="0" marL="0" rtl="0" algn="l">
+                      <a:pPr marL="0" lvl="0" indent="0" algn="l" rtl="0">
                         <a:spcBef>
                           <a:spcPts val="0"/>
                         </a:spcBef>
@@ -6193,7 +6171,7 @@
                       <a:endParaRPr sz="1200"/>
                     </a:p>
                   </a:txBody>
-                  <a:tcPr marT="91425" marB="91425" marR="91425" marL="91425"/>
+                  <a:tcPr marL="91425" marR="91425" marT="91425" marB="91425"/>
                 </a:tc>
               </a:tr>
               <a:tr h="345850">
@@ -6202,7 +6180,7 @@
                     <a:bodyPr/>
                     <a:lstStyle/>
                     <a:p>
-                      <a:pPr indent="0" lvl="0" marL="0" rtl="0" algn="l">
+                      <a:pPr marL="0" lvl="0" indent="0" algn="l" rtl="0">
                         <a:spcBef>
                           <a:spcPts val="0"/>
                         </a:spcBef>
@@ -6218,14 +6196,14 @@
                       <a:endParaRPr sz="1200"/>
                     </a:p>
                   </a:txBody>
-                  <a:tcPr marT="91425" marB="91425" marR="91425" marL="91425"/>
+                  <a:tcPr marL="91425" marR="91425" marT="91425" marB="91425"/>
                 </a:tc>
                 <a:tc>
                   <a:txBody>
                     <a:bodyPr/>
                     <a:lstStyle/>
                     <a:p>
-                      <a:pPr indent="0" lvl="0" marL="0" rtl="0" algn="l">
+                      <a:pPr marL="0" lvl="0" indent="0" algn="l" rtl="0">
                         <a:spcBef>
                           <a:spcPts val="0"/>
                         </a:spcBef>
@@ -6241,14 +6219,14 @@
                       <a:endParaRPr sz="1200"/>
                     </a:p>
                   </a:txBody>
-                  <a:tcPr marT="91425" marB="91425" marR="91425" marL="91425"/>
+                  <a:tcPr marL="91425" marR="91425" marT="91425" marB="91425"/>
                 </a:tc>
                 <a:tc>
                   <a:txBody>
                     <a:bodyPr/>
                     <a:lstStyle/>
                     <a:p>
-                      <a:pPr indent="0" lvl="0" marL="0" rtl="0" algn="l">
+                      <a:pPr marL="0" lvl="0" indent="0" algn="l" rtl="0">
                         <a:spcBef>
                           <a:spcPts val="0"/>
                         </a:spcBef>
@@ -6264,14 +6242,14 @@
                       <a:endParaRPr sz="1200"/>
                     </a:p>
                   </a:txBody>
-                  <a:tcPr marT="91425" marB="91425" marR="91425" marL="91425"/>
+                  <a:tcPr marL="91425" marR="91425" marT="91425" marB="91425"/>
                 </a:tc>
                 <a:tc>
                   <a:txBody>
                     <a:bodyPr/>
                     <a:lstStyle/>
                     <a:p>
-                      <a:pPr indent="0" lvl="0" marL="0" rtl="0" algn="l">
+                      <a:pPr marL="0" lvl="0" indent="0" algn="l" rtl="0">
                         <a:spcBef>
                           <a:spcPts val="0"/>
                         </a:spcBef>
@@ -6287,14 +6265,14 @@
                       <a:endParaRPr sz="1200"/>
                     </a:p>
                   </a:txBody>
-                  <a:tcPr marT="91425" marB="91425" marR="91425" marL="91425"/>
+                  <a:tcPr marL="91425" marR="91425" marT="91425" marB="91425"/>
                 </a:tc>
                 <a:tc>
                   <a:txBody>
                     <a:bodyPr/>
                     <a:lstStyle/>
                     <a:p>
-                      <a:pPr indent="0" lvl="0" marL="0" rtl="0" algn="l">
+                      <a:pPr marL="0" lvl="0" indent="0" algn="l" rtl="0">
                         <a:spcBef>
                           <a:spcPts val="0"/>
                         </a:spcBef>
@@ -6310,7 +6288,7 @@
                       <a:endParaRPr sz="1200"/>
                     </a:p>
                   </a:txBody>
-                  <a:tcPr marT="91425" marB="91425" marR="91425" marL="91425"/>
+                  <a:tcPr marL="91425" marR="91425" marT="91425" marB="91425"/>
                 </a:tc>
               </a:tr>
               <a:tr h="345850">
@@ -6319,7 +6297,7 @@
                     <a:bodyPr/>
                     <a:lstStyle/>
                     <a:p>
-                      <a:pPr indent="0" lvl="0" marL="0" rtl="0" algn="l">
+                      <a:pPr marL="0" lvl="0" indent="0" algn="l" rtl="0">
                         <a:spcBef>
                           <a:spcPts val="0"/>
                         </a:spcBef>
@@ -6335,14 +6313,14 @@
                       <a:endParaRPr sz="1200"/>
                     </a:p>
                   </a:txBody>
-                  <a:tcPr marT="91425" marB="91425" marR="91425" marL="91425"/>
+                  <a:tcPr marL="91425" marR="91425" marT="91425" marB="91425"/>
                 </a:tc>
                 <a:tc>
                   <a:txBody>
                     <a:bodyPr/>
                     <a:lstStyle/>
                     <a:p>
-                      <a:pPr indent="0" lvl="0" marL="0" rtl="0" algn="l">
+                      <a:pPr marL="0" lvl="0" indent="0" algn="l" rtl="0">
                         <a:spcBef>
                           <a:spcPts val="0"/>
                         </a:spcBef>
@@ -6358,14 +6336,14 @@
                       <a:endParaRPr sz="1200"/>
                     </a:p>
                   </a:txBody>
-                  <a:tcPr marT="91425" marB="91425" marR="91425" marL="91425"/>
+                  <a:tcPr marL="91425" marR="91425" marT="91425" marB="91425"/>
                 </a:tc>
                 <a:tc>
                   <a:txBody>
                     <a:bodyPr/>
                     <a:lstStyle/>
                     <a:p>
-                      <a:pPr indent="0" lvl="0" marL="0" rtl="0" algn="l">
+                      <a:pPr marL="0" lvl="0" indent="0" algn="l" rtl="0">
                         <a:spcBef>
                           <a:spcPts val="0"/>
                         </a:spcBef>
@@ -6381,14 +6359,14 @@
                       <a:endParaRPr sz="1200"/>
                     </a:p>
                   </a:txBody>
-                  <a:tcPr marT="91425" marB="91425" marR="91425" marL="91425"/>
+                  <a:tcPr marL="91425" marR="91425" marT="91425" marB="91425"/>
                 </a:tc>
                 <a:tc>
                   <a:txBody>
                     <a:bodyPr/>
                     <a:lstStyle/>
                     <a:p>
-                      <a:pPr indent="0" lvl="0" marL="0" rtl="0" algn="l">
+                      <a:pPr marL="0" lvl="0" indent="0" algn="l" rtl="0">
                         <a:spcBef>
                           <a:spcPts val="0"/>
                         </a:spcBef>
@@ -6404,14 +6382,14 @@
                       <a:endParaRPr sz="1200"/>
                     </a:p>
                   </a:txBody>
-                  <a:tcPr marT="91425" marB="91425" marR="91425" marL="91425"/>
+                  <a:tcPr marL="91425" marR="91425" marT="91425" marB="91425"/>
                 </a:tc>
                 <a:tc>
                   <a:txBody>
                     <a:bodyPr/>
                     <a:lstStyle/>
                     <a:p>
-                      <a:pPr indent="0" lvl="0" marL="0" rtl="0" algn="l">
+                      <a:pPr marL="0" lvl="0" indent="0" algn="l" rtl="0">
                         <a:spcBef>
                           <a:spcPts val="0"/>
                         </a:spcBef>
@@ -6427,7 +6405,7 @@
                       <a:endParaRPr sz="1200"/>
                     </a:p>
                   </a:txBody>
-                  <a:tcPr marT="91425" marB="91425" marR="91425" marL="91425"/>
+                  <a:tcPr marL="91425" marR="91425" marT="91425" marB="91425"/>
                 </a:tc>
               </a:tr>
               <a:tr h="345850">
@@ -6436,7 +6414,7 @@
                     <a:bodyPr/>
                     <a:lstStyle/>
                     <a:p>
-                      <a:pPr indent="0" lvl="0" marL="0" rtl="0" algn="l">
+                      <a:pPr marL="0" lvl="0" indent="0" algn="l" rtl="0">
                         <a:spcBef>
                           <a:spcPts val="0"/>
                         </a:spcBef>
@@ -6452,14 +6430,14 @@
                       <a:endParaRPr sz="1200"/>
                     </a:p>
                   </a:txBody>
-                  <a:tcPr marT="91425" marB="91425" marR="91425" marL="91425"/>
+                  <a:tcPr marL="91425" marR="91425" marT="91425" marB="91425"/>
                 </a:tc>
                 <a:tc>
                   <a:txBody>
                     <a:bodyPr/>
                     <a:lstStyle/>
                     <a:p>
-                      <a:pPr indent="0" lvl="0" marL="0" rtl="0" algn="l">
+                      <a:pPr marL="0" lvl="0" indent="0" algn="l" rtl="0">
                         <a:spcBef>
                           <a:spcPts val="0"/>
                         </a:spcBef>
@@ -6475,14 +6453,14 @@
                       <a:endParaRPr sz="1200"/>
                     </a:p>
                   </a:txBody>
-                  <a:tcPr marT="91425" marB="91425" marR="91425" marL="91425"/>
+                  <a:tcPr marL="91425" marR="91425" marT="91425" marB="91425"/>
                 </a:tc>
                 <a:tc>
                   <a:txBody>
                     <a:bodyPr/>
                     <a:lstStyle/>
                     <a:p>
-                      <a:pPr indent="0" lvl="0" marL="0" rtl="0" algn="l">
+                      <a:pPr marL="0" lvl="0" indent="0" algn="l" rtl="0">
                         <a:spcBef>
                           <a:spcPts val="0"/>
                         </a:spcBef>
@@ -6498,14 +6476,14 @@
                       <a:endParaRPr sz="1200"/>
                     </a:p>
                   </a:txBody>
-                  <a:tcPr marT="91425" marB="91425" marR="91425" marL="91425"/>
+                  <a:tcPr marL="91425" marR="91425" marT="91425" marB="91425"/>
                 </a:tc>
                 <a:tc>
                   <a:txBody>
                     <a:bodyPr/>
                     <a:lstStyle/>
                     <a:p>
-                      <a:pPr indent="0" lvl="0" marL="0" rtl="0" algn="l">
+                      <a:pPr marL="0" lvl="0" indent="0" algn="l" rtl="0">
                         <a:spcBef>
                           <a:spcPts val="0"/>
                         </a:spcBef>
@@ -6521,14 +6499,14 @@
                       <a:endParaRPr sz="1200"/>
                     </a:p>
                   </a:txBody>
-                  <a:tcPr marT="91425" marB="91425" marR="91425" marL="91425"/>
+                  <a:tcPr marL="91425" marR="91425" marT="91425" marB="91425"/>
                 </a:tc>
                 <a:tc>
                   <a:txBody>
                     <a:bodyPr/>
                     <a:lstStyle/>
                     <a:p>
-                      <a:pPr indent="0" lvl="0" marL="0" rtl="0" algn="l">
+                      <a:pPr marL="0" lvl="0" indent="0" algn="l" rtl="0">
                         <a:spcBef>
                           <a:spcPts val="0"/>
                         </a:spcBef>
@@ -6544,7 +6522,7 @@
                       <a:endParaRPr sz="1200"/>
                     </a:p>
                   </a:txBody>
-                  <a:tcPr marT="91425" marB="91425" marR="91425" marL="91425"/>
+                  <a:tcPr marL="91425" marR="91425" marT="91425" marB="91425"/>
                 </a:tc>
               </a:tr>
               <a:tr h="345850">
@@ -6553,7 +6531,7 @@
                     <a:bodyPr/>
                     <a:lstStyle/>
                     <a:p>
-                      <a:pPr indent="0" lvl="0" marL="0" rtl="0" algn="l">
+                      <a:pPr marL="0" lvl="0" indent="0" algn="l" rtl="0">
                         <a:spcBef>
                           <a:spcPts val="0"/>
                         </a:spcBef>
@@ -6569,14 +6547,14 @@
                       <a:endParaRPr sz="1200"/>
                     </a:p>
                   </a:txBody>
-                  <a:tcPr marT="91425" marB="91425" marR="91425" marL="91425"/>
+                  <a:tcPr marL="91425" marR="91425" marT="91425" marB="91425"/>
                 </a:tc>
                 <a:tc>
                   <a:txBody>
                     <a:bodyPr/>
                     <a:lstStyle/>
                     <a:p>
-                      <a:pPr indent="0" lvl="0" marL="0" rtl="0" algn="l">
+                      <a:pPr marL="0" lvl="0" indent="0" algn="l" rtl="0">
                         <a:spcBef>
                           <a:spcPts val="0"/>
                         </a:spcBef>
@@ -6592,14 +6570,14 @@
                       <a:endParaRPr sz="1200"/>
                     </a:p>
                   </a:txBody>
-                  <a:tcPr marT="91425" marB="91425" marR="91425" marL="91425"/>
+                  <a:tcPr marL="91425" marR="91425" marT="91425" marB="91425"/>
                 </a:tc>
                 <a:tc>
                   <a:txBody>
                     <a:bodyPr/>
                     <a:lstStyle/>
                     <a:p>
-                      <a:pPr indent="0" lvl="0" marL="0" rtl="0" algn="l">
+                      <a:pPr marL="0" lvl="0" indent="0" algn="l" rtl="0">
                         <a:spcBef>
                           <a:spcPts val="0"/>
                         </a:spcBef>
@@ -6615,14 +6593,14 @@
                       <a:endParaRPr sz="1200"/>
                     </a:p>
                   </a:txBody>
-                  <a:tcPr marT="91425" marB="91425" marR="91425" marL="91425"/>
+                  <a:tcPr marL="91425" marR="91425" marT="91425" marB="91425"/>
                 </a:tc>
                 <a:tc>
                   <a:txBody>
                     <a:bodyPr/>
                     <a:lstStyle/>
                     <a:p>
-                      <a:pPr indent="0" lvl="0" marL="0" rtl="0" algn="l">
+                      <a:pPr marL="0" lvl="0" indent="0" algn="l" rtl="0">
                         <a:spcBef>
                           <a:spcPts val="0"/>
                         </a:spcBef>
@@ -6638,14 +6616,14 @@
                       <a:endParaRPr sz="1200"/>
                     </a:p>
                   </a:txBody>
-                  <a:tcPr marT="91425" marB="91425" marR="91425" marL="91425"/>
+                  <a:tcPr marL="91425" marR="91425" marT="91425" marB="91425"/>
                 </a:tc>
                 <a:tc>
                   <a:txBody>
                     <a:bodyPr/>
                     <a:lstStyle/>
                     <a:p>
-                      <a:pPr indent="0" lvl="0" marL="0" rtl="0" algn="l">
+                      <a:pPr marL="0" lvl="0" indent="0" algn="l" rtl="0">
                         <a:spcBef>
                           <a:spcPts val="0"/>
                         </a:spcBef>
@@ -6661,7 +6639,7 @@
                       <a:endParaRPr sz="1200"/>
                     </a:p>
                   </a:txBody>
-                  <a:tcPr marT="91425" marB="91425" marR="91425" marL="91425"/>
+                  <a:tcPr marL="91425" marR="91425" marT="91425" marB="91425"/>
                 </a:tc>
               </a:tr>
               <a:tr h="345850">
@@ -6670,7 +6648,7 @@
                     <a:bodyPr/>
                     <a:lstStyle/>
                     <a:p>
-                      <a:pPr indent="0" lvl="0" marL="0" rtl="0" algn="l">
+                      <a:pPr marL="0" lvl="0" indent="0" algn="l" rtl="0">
                         <a:spcBef>
                           <a:spcPts val="0"/>
                         </a:spcBef>
@@ -6686,14 +6664,14 @@
                       <a:endParaRPr sz="1200"/>
                     </a:p>
                   </a:txBody>
-                  <a:tcPr marT="91425" marB="91425" marR="91425" marL="91425"/>
+                  <a:tcPr marL="91425" marR="91425" marT="91425" marB="91425"/>
                 </a:tc>
                 <a:tc>
                   <a:txBody>
                     <a:bodyPr/>
                     <a:lstStyle/>
                     <a:p>
-                      <a:pPr indent="0" lvl="0" marL="0" rtl="0" algn="l">
+                      <a:pPr marL="0" lvl="0" indent="0" algn="l" rtl="0">
                         <a:spcBef>
                           <a:spcPts val="0"/>
                         </a:spcBef>
@@ -6709,14 +6687,14 @@
                       <a:endParaRPr sz="1200"/>
                     </a:p>
                   </a:txBody>
-                  <a:tcPr marT="91425" marB="91425" marR="91425" marL="91425"/>
+                  <a:tcPr marL="91425" marR="91425" marT="91425" marB="91425"/>
                 </a:tc>
                 <a:tc>
                   <a:txBody>
                     <a:bodyPr/>
                     <a:lstStyle/>
                     <a:p>
-                      <a:pPr indent="0" lvl="0" marL="0" rtl="0" algn="l">
+                      <a:pPr marL="0" lvl="0" indent="0" algn="l" rtl="0">
                         <a:spcBef>
                           <a:spcPts val="0"/>
                         </a:spcBef>
@@ -6732,14 +6710,14 @@
                       <a:endParaRPr sz="1200"/>
                     </a:p>
                   </a:txBody>
-                  <a:tcPr marT="91425" marB="91425" marR="91425" marL="91425"/>
+                  <a:tcPr marL="91425" marR="91425" marT="91425" marB="91425"/>
                 </a:tc>
                 <a:tc>
                   <a:txBody>
                     <a:bodyPr/>
                     <a:lstStyle/>
                     <a:p>
-                      <a:pPr indent="0" lvl="0" marL="0" rtl="0" algn="l">
+                      <a:pPr marL="0" lvl="0" indent="0" algn="l" rtl="0">
                         <a:spcBef>
                           <a:spcPts val="0"/>
                         </a:spcBef>
@@ -6755,14 +6733,14 @@
                       <a:endParaRPr sz="1200"/>
                     </a:p>
                   </a:txBody>
-                  <a:tcPr marT="91425" marB="91425" marR="91425" marL="91425"/>
+                  <a:tcPr marL="91425" marR="91425" marT="91425" marB="91425"/>
                 </a:tc>
                 <a:tc>
                   <a:txBody>
                     <a:bodyPr/>
                     <a:lstStyle/>
                     <a:p>
-                      <a:pPr indent="0" lvl="0" marL="0" rtl="0" algn="l">
+                      <a:pPr marL="0" lvl="0" indent="0" algn="l" rtl="0">
                         <a:spcBef>
                           <a:spcPts val="0"/>
                         </a:spcBef>
@@ -6778,7 +6756,7 @@
                       <a:endParaRPr sz="1200"/>
                     </a:p>
                   </a:txBody>
-                  <a:tcPr marT="91425" marB="91425" marR="91425" marL="91425"/>
+                  <a:tcPr marL="91425" marR="91425" marT="91425" marB="91425"/>
                 </a:tc>
               </a:tr>
               <a:tr h="345850">
@@ -6787,7 +6765,7 @@
                     <a:bodyPr/>
                     <a:lstStyle/>
                     <a:p>
-                      <a:pPr indent="0" lvl="0" marL="0" rtl="0" algn="l">
+                      <a:pPr marL="0" lvl="0" indent="0" algn="l" rtl="0">
                         <a:spcBef>
                           <a:spcPts val="0"/>
                         </a:spcBef>
@@ -6803,14 +6781,14 @@
                       <a:endParaRPr sz="1200"/>
                     </a:p>
                   </a:txBody>
-                  <a:tcPr marT="91425" marB="91425" marR="91425" marL="91425"/>
+                  <a:tcPr marL="91425" marR="91425" marT="91425" marB="91425"/>
                 </a:tc>
                 <a:tc>
                   <a:txBody>
                     <a:bodyPr/>
                     <a:lstStyle/>
                     <a:p>
-                      <a:pPr indent="0" lvl="0" marL="0" rtl="0" algn="l">
+                      <a:pPr marL="0" lvl="0" indent="0" algn="l" rtl="0">
                         <a:spcBef>
                           <a:spcPts val="0"/>
                         </a:spcBef>
@@ -6826,14 +6804,14 @@
                       <a:endParaRPr sz="1200"/>
                     </a:p>
                   </a:txBody>
-                  <a:tcPr marT="91425" marB="91425" marR="91425" marL="91425"/>
+                  <a:tcPr marL="91425" marR="91425" marT="91425" marB="91425"/>
                 </a:tc>
                 <a:tc>
                   <a:txBody>
                     <a:bodyPr/>
                     <a:lstStyle/>
                     <a:p>
-                      <a:pPr indent="0" lvl="0" marL="0" rtl="0" algn="l">
+                      <a:pPr marL="0" lvl="0" indent="0" algn="l" rtl="0">
                         <a:spcBef>
                           <a:spcPts val="0"/>
                         </a:spcBef>
@@ -6849,14 +6827,14 @@
                       <a:endParaRPr sz="1200"/>
                     </a:p>
                   </a:txBody>
-                  <a:tcPr marT="91425" marB="91425" marR="91425" marL="91425"/>
+                  <a:tcPr marL="91425" marR="91425" marT="91425" marB="91425"/>
                 </a:tc>
                 <a:tc>
                   <a:txBody>
                     <a:bodyPr/>
                     <a:lstStyle/>
                     <a:p>
-                      <a:pPr indent="0" lvl="0" marL="0" rtl="0" algn="l">
+                      <a:pPr marL="0" lvl="0" indent="0" algn="l" rtl="0">
                         <a:spcBef>
                           <a:spcPts val="0"/>
                         </a:spcBef>
@@ -6872,14 +6850,14 @@
                       <a:endParaRPr sz="1200"/>
                     </a:p>
                   </a:txBody>
-                  <a:tcPr marT="91425" marB="91425" marR="91425" marL="91425"/>
+                  <a:tcPr marL="91425" marR="91425" marT="91425" marB="91425"/>
                 </a:tc>
                 <a:tc>
                   <a:txBody>
                     <a:bodyPr/>
                     <a:lstStyle/>
                     <a:p>
-                      <a:pPr indent="0" lvl="0" marL="0" rtl="0" algn="l">
+                      <a:pPr marL="0" lvl="0" indent="0" algn="l" rtl="0">
                         <a:spcBef>
                           <a:spcPts val="0"/>
                         </a:spcBef>
@@ -6895,7 +6873,7 @@
                       <a:endParaRPr sz="1200"/>
                     </a:p>
                   </a:txBody>
-                  <a:tcPr marT="91425" marB="91425" marR="91425" marL="91425"/>
+                  <a:tcPr marL="91425" marR="91425" marT="91425" marB="91425"/>
                 </a:tc>
               </a:tr>
               <a:tr h="345850">
@@ -6904,7 +6882,7 @@
                     <a:bodyPr/>
                     <a:lstStyle/>
                     <a:p>
-                      <a:pPr indent="0" lvl="0" marL="0" rtl="0" algn="l">
+                      <a:pPr marL="0" lvl="0" indent="0" algn="l" rtl="0">
                         <a:spcBef>
                           <a:spcPts val="0"/>
                         </a:spcBef>
@@ -6920,14 +6898,14 @@
                       <a:endParaRPr sz="1200"/>
                     </a:p>
                   </a:txBody>
-                  <a:tcPr marT="91425" marB="91425" marR="91425" marL="91425"/>
+                  <a:tcPr marL="91425" marR="91425" marT="91425" marB="91425"/>
                 </a:tc>
                 <a:tc>
                   <a:txBody>
                     <a:bodyPr/>
                     <a:lstStyle/>
                     <a:p>
-                      <a:pPr indent="0" lvl="0" marL="0" rtl="0" algn="l">
+                      <a:pPr marL="0" lvl="0" indent="0" algn="l" rtl="0">
                         <a:spcBef>
                           <a:spcPts val="0"/>
                         </a:spcBef>
@@ -6943,14 +6921,14 @@
                       <a:endParaRPr sz="1200"/>
                     </a:p>
                   </a:txBody>
-                  <a:tcPr marT="91425" marB="91425" marR="91425" marL="91425"/>
+                  <a:tcPr marL="91425" marR="91425" marT="91425" marB="91425"/>
                 </a:tc>
                 <a:tc>
                   <a:txBody>
                     <a:bodyPr/>
                     <a:lstStyle/>
                     <a:p>
-                      <a:pPr indent="0" lvl="0" marL="0" rtl="0" algn="l">
+                      <a:pPr marL="0" lvl="0" indent="0" algn="l" rtl="0">
                         <a:spcBef>
                           <a:spcPts val="0"/>
                         </a:spcBef>
@@ -6966,14 +6944,14 @@
                       <a:endParaRPr sz="1200"/>
                     </a:p>
                   </a:txBody>
-                  <a:tcPr marT="91425" marB="91425" marR="91425" marL="91425"/>
+                  <a:tcPr marL="91425" marR="91425" marT="91425" marB="91425"/>
                 </a:tc>
                 <a:tc gridSpan="2">
                   <a:txBody>
                     <a:bodyPr/>
                     <a:lstStyle/>
                     <a:p>
-                      <a:pPr indent="0" lvl="0" marL="0" rtl="0" algn="l">
+                      <a:pPr marL="0" lvl="0" indent="0" algn="l" rtl="0">
                         <a:spcBef>
                           <a:spcPts val="0"/>
                         </a:spcBef>
@@ -6989,9 +6967,11 @@
                       <a:endParaRPr sz="1200"/>
                     </a:p>
                   </a:txBody>
-                  <a:tcPr marT="91425" marB="91425" marR="91425" marL="91425"/>
+                  <a:tcPr marL="91425" marR="91425" marT="91425" marB="91425"/>
                 </a:tc>
-                <a:tc hMerge="1"/>
+                <a:tc hMerge="true">
+                  <a:tcPr/>
+                </a:tc>
               </a:tr>
               <a:tr h="345850">
                 <a:tc>
@@ -6999,7 +6979,7 @@
                     <a:bodyPr/>
                     <a:lstStyle/>
                     <a:p>
-                      <a:pPr indent="0" lvl="0" marL="0" rtl="0" algn="l">
+                      <a:pPr marL="0" lvl="0" indent="0" algn="l" rtl="0">
                         <a:spcBef>
                           <a:spcPts val="0"/>
                         </a:spcBef>
@@ -7015,14 +6995,14 @@
                       <a:endParaRPr sz="1200"/>
                     </a:p>
                   </a:txBody>
-                  <a:tcPr marT="91425" marB="91425" marR="91425" marL="91425"/>
+                  <a:tcPr marL="91425" marR="91425" marT="91425" marB="91425"/>
                 </a:tc>
                 <a:tc>
                   <a:txBody>
                     <a:bodyPr/>
                     <a:lstStyle/>
                     <a:p>
-                      <a:pPr indent="0" lvl="0" marL="0" rtl="0" algn="l">
+                      <a:pPr marL="0" lvl="0" indent="0" algn="l" rtl="0">
                         <a:spcBef>
                           <a:spcPts val="0"/>
                         </a:spcBef>
@@ -7038,14 +7018,14 @@
                       <a:endParaRPr sz="1200"/>
                     </a:p>
                   </a:txBody>
-                  <a:tcPr marT="91425" marB="91425" marR="91425" marL="91425"/>
+                  <a:tcPr marL="91425" marR="91425" marT="91425" marB="91425"/>
                 </a:tc>
                 <a:tc>
                   <a:txBody>
                     <a:bodyPr/>
                     <a:lstStyle/>
                     <a:p>
-                      <a:pPr indent="0" lvl="0" marL="0" rtl="0" algn="l">
+                      <a:pPr marL="0" lvl="0" indent="0" algn="l" rtl="0">
                         <a:spcBef>
                           <a:spcPts val="0"/>
                         </a:spcBef>
@@ -7061,14 +7041,14 @@
                       <a:endParaRPr sz="1200"/>
                     </a:p>
                   </a:txBody>
-                  <a:tcPr marT="91425" marB="91425" marR="91425" marL="91425"/>
+                  <a:tcPr marL="91425" marR="91425" marT="91425" marB="91425"/>
                 </a:tc>
                 <a:tc gridSpan="2">
                   <a:txBody>
                     <a:bodyPr/>
                     <a:lstStyle/>
                     <a:p>
-                      <a:pPr indent="0" lvl="0" marL="0" rtl="0" algn="l">
+                      <a:pPr marL="0" lvl="0" indent="0" algn="l" rtl="0">
                         <a:spcBef>
                           <a:spcPts val="0"/>
                         </a:spcBef>
@@ -7084,9 +7064,11 @@
                       <a:endParaRPr sz="1200"/>
                     </a:p>
                   </a:txBody>
-                  <a:tcPr marT="91425" marB="91425" marR="91425" marL="91425"/>
+                  <a:tcPr marL="91425" marR="91425" marT="91425" marB="91425"/>
                 </a:tc>
-                <a:tc hMerge="1"/>
+                <a:tc hMerge="true">
+                  <a:tcPr/>
+                </a:tc>
               </a:tr>
               <a:tr h="345850">
                 <a:tc>
@@ -7094,7 +7076,7 @@
                     <a:bodyPr/>
                     <a:lstStyle/>
                     <a:p>
-                      <a:pPr indent="0" lvl="0" marL="0" rtl="0" algn="l">
+                      <a:pPr marL="0" lvl="0" indent="0" algn="l" rtl="0">
                         <a:spcBef>
                           <a:spcPts val="0"/>
                         </a:spcBef>
@@ -7110,15 +7092,15 @@
                       <a:endParaRPr sz="1200"/>
                     </a:p>
                   </a:txBody>
-                  <a:tcPr marT="91425" marB="91425" marR="91425" marL="91425">
-                    <a:lnB cap="flat" cmpd="sng" w="9525">
+                  <a:tcPr marL="91425" marR="91425" marT="91425" marB="91425">
+                    <a:lnB w="9525" cap="flat" cmpd="sng">
                       <a:solidFill>
                         <a:srgbClr val="9E9E9E"/>
                       </a:solidFill>
                       <a:prstDash val="solid"/>
                       <a:round/>
-                      <a:headEnd len="sm" w="sm" type="none"/>
-                      <a:tailEnd len="sm" w="sm" type="none"/>
+                      <a:headEnd type="none" w="sm" len="sm"/>
+                      <a:tailEnd type="none" w="sm" len="sm"/>
                     </a:lnB>
                   </a:tcPr>
                 </a:tc>
@@ -7127,7 +7109,7 @@
                     <a:bodyPr/>
                     <a:lstStyle/>
                     <a:p>
-                      <a:pPr indent="0" lvl="0" marL="0" rtl="0" algn="l">
+                      <a:pPr marL="0" lvl="0" indent="0" algn="l" rtl="0">
                         <a:spcBef>
                           <a:spcPts val="0"/>
                         </a:spcBef>
@@ -7143,15 +7125,15 @@
                       <a:endParaRPr sz="1200"/>
                     </a:p>
                   </a:txBody>
-                  <a:tcPr marT="91425" marB="91425" marR="91425" marL="91425">
-                    <a:lnB cap="flat" cmpd="sng" w="9525">
+                  <a:tcPr marL="91425" marR="91425" marT="91425" marB="91425">
+                    <a:lnB w="9525" cap="flat" cmpd="sng">
                       <a:solidFill>
                         <a:srgbClr val="9E9E9E"/>
                       </a:solidFill>
                       <a:prstDash val="solid"/>
                       <a:round/>
-                      <a:headEnd len="sm" w="sm" type="none"/>
-                      <a:tailEnd len="sm" w="sm" type="none"/>
+                      <a:headEnd type="none" w="sm" len="sm"/>
+                      <a:tailEnd type="none" w="sm" len="sm"/>
                     </a:lnB>
                   </a:tcPr>
                 </a:tc>
@@ -7160,7 +7142,7 @@
                     <a:bodyPr/>
                     <a:lstStyle/>
                     <a:p>
-                      <a:pPr indent="0" lvl="0" marL="0" rtl="0" algn="l">
+                      <a:pPr marL="0" lvl="0" indent="0" algn="l" rtl="0">
                         <a:spcBef>
                           <a:spcPts val="0"/>
                         </a:spcBef>
@@ -7176,15 +7158,15 @@
                       <a:endParaRPr sz="1200"/>
                     </a:p>
                   </a:txBody>
-                  <a:tcPr marT="91425" marB="91425" marR="91425" marL="91425">
-                    <a:lnB cap="flat" cmpd="sng" w="9525">
+                  <a:tcPr marL="91425" marR="91425" marT="91425" marB="91425">
+                    <a:lnB w="9525" cap="flat" cmpd="sng">
                       <a:solidFill>
                         <a:srgbClr val="9E9E9E"/>
                       </a:solidFill>
                       <a:prstDash val="solid"/>
                       <a:round/>
-                      <a:headEnd len="sm" w="sm" type="none"/>
-                      <a:tailEnd len="sm" w="sm" type="none"/>
+                      <a:headEnd type="none" w="sm" len="sm"/>
+                      <a:tailEnd type="none" w="sm" len="sm"/>
                     </a:lnB>
                   </a:tcPr>
                 </a:tc>
@@ -7193,7 +7175,7 @@
                     <a:bodyPr/>
                     <a:lstStyle/>
                     <a:p>
-                      <a:pPr indent="0" lvl="0" marL="0" rtl="0" algn="l">
+                      <a:pPr marL="0" lvl="0" indent="0" algn="l" rtl="0">
                         <a:spcBef>
                           <a:spcPts val="0"/>
                         </a:spcBef>
@@ -7209,15 +7191,15 @@
                       <a:endParaRPr sz="1200"/>
                     </a:p>
                   </a:txBody>
-                  <a:tcPr marT="91425" marB="91425" marR="91425" marL="91425">
-                    <a:lnB cap="flat" cmpd="sng" w="9525">
+                  <a:tcPr marL="91425" marR="91425" marT="91425" marB="91425">
+                    <a:lnB w="9525" cap="flat" cmpd="sng">
                       <a:solidFill>
                         <a:srgbClr val="9E9E9E"/>
                       </a:solidFill>
                       <a:prstDash val="solid"/>
                       <a:round/>
-                      <a:headEnd len="sm" w="sm" type="none"/>
-                      <a:tailEnd len="sm" w="sm" type="none"/>
+                      <a:headEnd type="none" w="sm" len="sm"/>
+                      <a:tailEnd type="none" w="sm" len="sm"/>
                     </a:lnB>
                   </a:tcPr>
                 </a:tc>
@@ -7226,7 +7208,7 @@
                     <a:bodyPr/>
                     <a:lstStyle/>
                     <a:p>
-                      <a:pPr indent="0" lvl="0" marL="0" rtl="0" algn="l">
+                      <a:pPr marL="0" lvl="0" indent="0" algn="l" rtl="0">
                         <a:spcBef>
                           <a:spcPts val="0"/>
                         </a:spcBef>
@@ -7242,15 +7224,15 @@
                       <a:endParaRPr sz="1200"/>
                     </a:p>
                   </a:txBody>
-                  <a:tcPr marT="91425" marB="91425" marR="91425" marL="91425">
-                    <a:lnB cap="flat" cmpd="sng" w="9525">
+                  <a:tcPr marL="91425" marR="91425" marT="91425" marB="91425">
+                    <a:lnB w="9525" cap="flat" cmpd="sng">
                       <a:solidFill>
                         <a:srgbClr val="9E9E9E"/>
                       </a:solidFill>
                       <a:prstDash val="solid"/>
                       <a:round/>
-                      <a:headEnd len="sm" w="sm" type="none"/>
-                      <a:tailEnd len="sm" w="sm" type="none"/>
+                      <a:headEnd type="none" w="sm" len="sm"/>
+                      <a:tailEnd type="none" w="sm" len="sm"/>
                     </a:lnB>
                   </a:tcPr>
                 </a:tc>
@@ -7261,7 +7243,7 @@
                     <a:bodyPr/>
                     <a:lstStyle/>
                     <a:p>
-                      <a:pPr indent="0" lvl="0" marL="0" rtl="0" algn="l">
+                      <a:pPr marL="0" lvl="0" indent="0" algn="l" rtl="0">
                         <a:spcBef>
                           <a:spcPts val="0"/>
                         </a:spcBef>
@@ -7277,42 +7259,42 @@
                       <a:endParaRPr sz="1200"/>
                     </a:p>
                   </a:txBody>
-                  <a:tcPr marT="91425" marB="91425" marR="91425" marL="91425">
-                    <a:lnL cap="flat" cmpd="sng" w="9525">
+                  <a:tcPr marL="91425" marR="91425" marT="91425" marB="91425">
+                    <a:lnL w="9525" cap="flat" cmpd="sng">
                       <a:solidFill>
                         <a:srgbClr val="9E9E9E"/>
                       </a:solidFill>
                       <a:prstDash val="solid"/>
                       <a:round/>
-                      <a:headEnd len="sm" w="sm" type="none"/>
-                      <a:tailEnd len="sm" w="sm" type="none"/>
+                      <a:headEnd type="none" w="sm" len="sm"/>
+                      <a:tailEnd type="none" w="sm" len="sm"/>
                     </a:lnL>
-                    <a:lnR cap="flat" cmpd="sng" w="9525">
+                    <a:lnR w="9525" cap="flat" cmpd="sng">
                       <a:solidFill>
                         <a:srgbClr val="9E9E9E"/>
                       </a:solidFill>
                       <a:prstDash val="solid"/>
                       <a:round/>
-                      <a:headEnd len="sm" w="sm" type="none"/>
-                      <a:tailEnd len="sm" w="sm" type="none"/>
+                      <a:headEnd type="none" w="sm" len="sm"/>
+                      <a:tailEnd type="none" w="sm" len="sm"/>
                     </a:lnR>
-                    <a:lnT cap="flat" cmpd="sng" w="9525">
+                    <a:lnT w="9525" cap="flat" cmpd="sng">
                       <a:solidFill>
                         <a:srgbClr val="9E9E9E"/>
                       </a:solidFill>
                       <a:prstDash val="solid"/>
                       <a:round/>
-                      <a:headEnd len="sm" w="sm" type="none"/>
-                      <a:tailEnd len="sm" w="sm" type="none"/>
+                      <a:headEnd type="none" w="sm" len="sm"/>
+                      <a:tailEnd type="none" w="sm" len="sm"/>
                     </a:lnT>
-                    <a:lnB cap="flat" cmpd="sng" w="9525">
+                    <a:lnB w="9525" cap="flat" cmpd="sng">
                       <a:solidFill>
                         <a:srgbClr val="9E9E9E"/>
                       </a:solidFill>
                       <a:prstDash val="solid"/>
                       <a:round/>
-                      <a:headEnd len="sm" w="sm" type="none"/>
-                      <a:tailEnd len="sm" w="sm" type="none"/>
+                      <a:headEnd type="none" w="sm" len="sm"/>
+                      <a:tailEnd type="none" w="sm" len="sm"/>
                     </a:lnB>
                   </a:tcPr>
                 </a:tc>
@@ -7321,7 +7303,7 @@
                     <a:bodyPr/>
                     <a:lstStyle/>
                     <a:p>
-                      <a:pPr indent="0" lvl="0" marL="0" rtl="0" algn="l">
+                      <a:pPr marL="0" lvl="0" indent="0" algn="l" rtl="0">
                         <a:spcBef>
                           <a:spcPts val="0"/>
                         </a:spcBef>
@@ -7337,42 +7319,42 @@
                       <a:endParaRPr sz="1200"/>
                     </a:p>
                   </a:txBody>
-                  <a:tcPr marT="91425" marB="91425" marR="91425" marL="91425">
-                    <a:lnL cap="flat" cmpd="sng" w="9525">
+                  <a:tcPr marL="91425" marR="91425" marT="91425" marB="91425">
+                    <a:lnL w="9525" cap="flat" cmpd="sng">
                       <a:solidFill>
                         <a:srgbClr val="9E9E9E"/>
                       </a:solidFill>
                       <a:prstDash val="solid"/>
                       <a:round/>
-                      <a:headEnd len="sm" w="sm" type="none"/>
-                      <a:tailEnd len="sm" w="sm" type="none"/>
+                      <a:headEnd type="none" w="sm" len="sm"/>
+                      <a:tailEnd type="none" w="sm" len="sm"/>
                     </a:lnL>
-                    <a:lnR cap="flat" cmpd="sng" w="9525">
+                    <a:lnR w="9525" cap="flat" cmpd="sng">
                       <a:solidFill>
                         <a:srgbClr val="9E9E9E"/>
                       </a:solidFill>
                       <a:prstDash val="solid"/>
                       <a:round/>
-                      <a:headEnd len="sm" w="sm" type="none"/>
-                      <a:tailEnd len="sm" w="sm" type="none"/>
+                      <a:headEnd type="none" w="sm" len="sm"/>
+                      <a:tailEnd type="none" w="sm" len="sm"/>
                     </a:lnR>
-                    <a:lnT cap="flat" cmpd="sng" w="9525">
+                    <a:lnT w="9525" cap="flat" cmpd="sng">
                       <a:solidFill>
                         <a:srgbClr val="9E9E9E"/>
                       </a:solidFill>
                       <a:prstDash val="solid"/>
                       <a:round/>
-                      <a:headEnd len="sm" w="sm" type="none"/>
-                      <a:tailEnd len="sm" w="sm" type="none"/>
+                      <a:headEnd type="none" w="sm" len="sm"/>
+                      <a:tailEnd type="none" w="sm" len="sm"/>
                     </a:lnT>
-                    <a:lnB cap="flat" cmpd="sng" w="9525">
+                    <a:lnB w="9525" cap="flat" cmpd="sng">
                       <a:solidFill>
                         <a:srgbClr val="9E9E9E"/>
                       </a:solidFill>
                       <a:prstDash val="solid"/>
                       <a:round/>
-                      <a:headEnd len="sm" w="sm" type="none"/>
-                      <a:tailEnd len="sm" w="sm" type="none"/>
+                      <a:headEnd type="none" w="sm" len="sm"/>
+                      <a:tailEnd type="none" w="sm" len="sm"/>
                     </a:lnB>
                   </a:tcPr>
                 </a:tc>
@@ -7381,7 +7363,7 @@
                     <a:bodyPr/>
                     <a:lstStyle/>
                     <a:p>
-                      <a:pPr indent="0" lvl="0" marL="0" rtl="0" algn="l">
+                      <a:pPr marL="0" lvl="0" indent="0" algn="l" rtl="0">
                         <a:spcBef>
                           <a:spcPts val="0"/>
                         </a:spcBef>
@@ -7397,42 +7379,42 @@
                       <a:endParaRPr sz="1200"/>
                     </a:p>
                   </a:txBody>
-                  <a:tcPr marT="91425" marB="91425" marR="91425" marL="91425">
-                    <a:lnL cap="flat" cmpd="sng" w="9525">
+                  <a:tcPr marL="91425" marR="91425" marT="91425" marB="91425">
+                    <a:lnL w="9525" cap="flat" cmpd="sng">
                       <a:solidFill>
                         <a:srgbClr val="9E9E9E"/>
                       </a:solidFill>
                       <a:prstDash val="solid"/>
                       <a:round/>
-                      <a:headEnd len="sm" w="sm" type="none"/>
-                      <a:tailEnd len="sm" w="sm" type="none"/>
+                      <a:headEnd type="none" w="sm" len="sm"/>
+                      <a:tailEnd type="none" w="sm" len="sm"/>
                     </a:lnL>
-                    <a:lnR cap="flat" cmpd="sng" w="9525">
+                    <a:lnR w="9525" cap="flat" cmpd="sng">
                       <a:solidFill>
                         <a:srgbClr val="9E9E9E"/>
                       </a:solidFill>
                       <a:prstDash val="solid"/>
                       <a:round/>
-                      <a:headEnd len="sm" w="sm" type="none"/>
-                      <a:tailEnd len="sm" w="sm" type="none"/>
+                      <a:headEnd type="none" w="sm" len="sm"/>
+                      <a:tailEnd type="none" w="sm" len="sm"/>
                     </a:lnR>
-                    <a:lnT cap="flat" cmpd="sng" w="9525">
+                    <a:lnT w="9525" cap="flat" cmpd="sng">
                       <a:solidFill>
                         <a:srgbClr val="9E9E9E"/>
                       </a:solidFill>
                       <a:prstDash val="solid"/>
                       <a:round/>
-                      <a:headEnd len="sm" w="sm" type="none"/>
-                      <a:tailEnd len="sm" w="sm" type="none"/>
+                      <a:headEnd type="none" w="sm" len="sm"/>
+                      <a:tailEnd type="none" w="sm" len="sm"/>
                     </a:lnT>
-                    <a:lnB cap="flat" cmpd="sng" w="9525">
+                    <a:lnB w="9525" cap="flat" cmpd="sng">
                       <a:solidFill>
                         <a:srgbClr val="9E9E9E"/>
                       </a:solidFill>
                       <a:prstDash val="solid"/>
                       <a:round/>
-                      <a:headEnd len="sm" w="sm" type="none"/>
-                      <a:tailEnd len="sm" w="sm" type="none"/>
+                      <a:headEnd type="none" w="sm" len="sm"/>
+                      <a:tailEnd type="none" w="sm" len="sm"/>
                     </a:lnB>
                   </a:tcPr>
                 </a:tc>
@@ -7441,7 +7423,7 @@
                     <a:bodyPr/>
                     <a:lstStyle/>
                     <a:p>
-                      <a:pPr indent="0" lvl="0" marL="0" rtl="0" algn="l">
+                      <a:pPr marL="0" lvl="0" indent="0" algn="l" rtl="0">
                         <a:spcBef>
                           <a:spcPts val="0"/>
                         </a:spcBef>
@@ -7457,42 +7439,42 @@
                       <a:endParaRPr sz="1200"/>
                     </a:p>
                   </a:txBody>
-                  <a:tcPr marT="91425" marB="91425" marR="91425" marL="91425">
-                    <a:lnL cap="flat" cmpd="sng" w="9525">
+                  <a:tcPr marL="91425" marR="91425" marT="91425" marB="91425">
+                    <a:lnL w="9525" cap="flat" cmpd="sng">
                       <a:solidFill>
                         <a:srgbClr val="9E9E9E"/>
                       </a:solidFill>
                       <a:prstDash val="solid"/>
                       <a:round/>
-                      <a:headEnd len="sm" w="sm" type="none"/>
-                      <a:tailEnd len="sm" w="sm" type="none"/>
+                      <a:headEnd type="none" w="sm" len="sm"/>
+                      <a:tailEnd type="none" w="sm" len="sm"/>
                     </a:lnL>
-                    <a:lnR cap="flat" cmpd="sng" w="9525">
+                    <a:lnR w="9525" cap="flat" cmpd="sng">
                       <a:solidFill>
                         <a:srgbClr val="9E9E9E"/>
                       </a:solidFill>
                       <a:prstDash val="solid"/>
                       <a:round/>
-                      <a:headEnd len="sm" w="sm" type="none"/>
-                      <a:tailEnd len="sm" w="sm" type="none"/>
+                      <a:headEnd type="none" w="sm" len="sm"/>
+                      <a:tailEnd type="none" w="sm" len="sm"/>
                     </a:lnR>
-                    <a:lnT cap="flat" cmpd="sng" w="9525">
+                    <a:lnT w="9525" cap="flat" cmpd="sng">
                       <a:solidFill>
                         <a:srgbClr val="9E9E9E"/>
                       </a:solidFill>
                       <a:prstDash val="solid"/>
                       <a:round/>
-                      <a:headEnd len="sm" w="sm" type="none"/>
-                      <a:tailEnd len="sm" w="sm" type="none"/>
+                      <a:headEnd type="none" w="sm" len="sm"/>
+                      <a:tailEnd type="none" w="sm" len="sm"/>
                     </a:lnT>
-                    <a:lnB cap="flat" cmpd="sng" w="9525">
+                    <a:lnB w="9525" cap="flat" cmpd="sng">
                       <a:solidFill>
                         <a:srgbClr val="9E9E9E"/>
                       </a:solidFill>
                       <a:prstDash val="solid"/>
                       <a:round/>
-                      <a:headEnd len="sm" w="sm" type="none"/>
-                      <a:tailEnd len="sm" w="sm" type="none"/>
+                      <a:headEnd type="none" w="sm" len="sm"/>
+                      <a:tailEnd type="none" w="sm" len="sm"/>
                     </a:lnB>
                   </a:tcPr>
                 </a:tc>
@@ -7501,7 +7483,7 @@
                     <a:bodyPr/>
                     <a:lstStyle/>
                     <a:p>
-                      <a:pPr indent="0" lvl="0" marL="0" rtl="0" algn="l">
+                      <a:pPr marL="0" lvl="0" indent="0" algn="l" rtl="0">
                         <a:spcBef>
                           <a:spcPts val="0"/>
                         </a:spcBef>
@@ -7517,42 +7499,42 @@
                       <a:endParaRPr sz="1200"/>
                     </a:p>
                   </a:txBody>
-                  <a:tcPr marT="91425" marB="91425" marR="91425" marL="91425">
-                    <a:lnL cap="flat" cmpd="sng" w="9525">
+                  <a:tcPr marL="91425" marR="91425" marT="91425" marB="91425">
+                    <a:lnL w="9525" cap="flat" cmpd="sng">
                       <a:solidFill>
                         <a:srgbClr val="9E9E9E"/>
                       </a:solidFill>
                       <a:prstDash val="solid"/>
                       <a:round/>
-                      <a:headEnd len="sm" w="sm" type="none"/>
-                      <a:tailEnd len="sm" w="sm" type="none"/>
+                      <a:headEnd type="none" w="sm" len="sm"/>
+                      <a:tailEnd type="none" w="sm" len="sm"/>
                     </a:lnL>
-                    <a:lnR cap="flat" cmpd="sng" w="9525">
+                    <a:lnR w="9525" cap="flat" cmpd="sng">
                       <a:solidFill>
                         <a:srgbClr val="9E9E9E"/>
                       </a:solidFill>
                       <a:prstDash val="solid"/>
                       <a:round/>
-                      <a:headEnd len="sm" w="sm" type="none"/>
-                      <a:tailEnd len="sm" w="sm" type="none"/>
+                      <a:headEnd type="none" w="sm" len="sm"/>
+                      <a:tailEnd type="none" w="sm" len="sm"/>
                     </a:lnR>
-                    <a:lnT cap="flat" cmpd="sng" w="9525">
+                    <a:lnT w="9525" cap="flat" cmpd="sng">
                       <a:solidFill>
                         <a:srgbClr val="9E9E9E"/>
                       </a:solidFill>
                       <a:prstDash val="solid"/>
                       <a:round/>
-                      <a:headEnd len="sm" w="sm" type="none"/>
-                      <a:tailEnd len="sm" w="sm" type="none"/>
+                      <a:headEnd type="none" w="sm" len="sm"/>
+                      <a:tailEnd type="none" w="sm" len="sm"/>
                     </a:lnT>
-                    <a:lnB cap="flat" cmpd="sng" w="9525">
+                    <a:lnB w="9525" cap="flat" cmpd="sng">
                       <a:solidFill>
                         <a:srgbClr val="9E9E9E"/>
                       </a:solidFill>
                       <a:prstDash val="solid"/>
                       <a:round/>
-                      <a:headEnd len="sm" w="sm" type="none"/>
-                      <a:tailEnd len="sm" w="sm" type="none"/>
+                      <a:headEnd type="none" w="sm" len="sm"/>
+                      <a:tailEnd type="none" w="sm" len="sm"/>
                     </a:lnB>
                   </a:tcPr>
                 </a:tc>
@@ -7563,7 +7545,7 @@
                     <a:bodyPr/>
                     <a:lstStyle/>
                     <a:p>
-                      <a:pPr indent="0" lvl="0" marL="0" rtl="0" algn="l">
+                      <a:pPr marL="0" lvl="0" indent="0" algn="l" rtl="0">
                         <a:spcBef>
                           <a:spcPts val="0"/>
                         </a:spcBef>
@@ -7579,42 +7561,42 @@
                       <a:endParaRPr sz="1200"/>
                     </a:p>
                   </a:txBody>
-                  <a:tcPr marT="91425" marB="91425" marR="91425" marL="91425">
-                    <a:lnL cap="flat" cmpd="sng" w="9525">
+                  <a:tcPr marL="91425" marR="91425" marT="91425" marB="91425">
+                    <a:lnL w="9525" cap="flat" cmpd="sng">
                       <a:solidFill>
                         <a:srgbClr val="9E9E9E"/>
                       </a:solidFill>
                       <a:prstDash val="solid"/>
                       <a:round/>
-                      <a:headEnd len="sm" w="sm" type="none"/>
-                      <a:tailEnd len="sm" w="sm" type="none"/>
+                      <a:headEnd type="none" w="sm" len="sm"/>
+                      <a:tailEnd type="none" w="sm" len="sm"/>
                     </a:lnL>
-                    <a:lnR cap="flat" cmpd="sng" w="9525">
+                    <a:lnR w="9525" cap="flat" cmpd="sng">
                       <a:solidFill>
                         <a:srgbClr val="9E9E9E"/>
                       </a:solidFill>
                       <a:prstDash val="solid"/>
                       <a:round/>
-                      <a:headEnd len="sm" w="sm" type="none"/>
-                      <a:tailEnd len="sm" w="sm" type="none"/>
+                      <a:headEnd type="none" w="sm" len="sm"/>
+                      <a:tailEnd type="none" w="sm" len="sm"/>
                     </a:lnR>
-                    <a:lnT cap="flat" cmpd="sng" w="9525">
+                    <a:lnT w="9525" cap="flat" cmpd="sng">
                       <a:solidFill>
                         <a:srgbClr val="9E9E9E"/>
                       </a:solidFill>
                       <a:prstDash val="solid"/>
                       <a:round/>
-                      <a:headEnd len="sm" w="sm" type="none"/>
-                      <a:tailEnd len="sm" w="sm" type="none"/>
+                      <a:headEnd type="none" w="sm" len="sm"/>
+                      <a:tailEnd type="none" w="sm" len="sm"/>
                     </a:lnT>
-                    <a:lnB cap="flat" cmpd="sng" w="9525">
+                    <a:lnB w="9525" cap="flat" cmpd="sng">
                       <a:solidFill>
                         <a:srgbClr val="9E9E9E"/>
                       </a:solidFill>
                       <a:prstDash val="solid"/>
                       <a:round/>
-                      <a:headEnd len="sm" w="sm" type="none"/>
-                      <a:tailEnd len="sm" w="sm" type="none"/>
+                      <a:headEnd type="none" w="sm" len="sm"/>
+                      <a:tailEnd type="none" w="sm" len="sm"/>
                     </a:lnB>
                   </a:tcPr>
                 </a:tc>
@@ -7623,7 +7605,7 @@
                     <a:bodyPr/>
                     <a:lstStyle/>
                     <a:p>
-                      <a:pPr indent="0" lvl="0" marL="0" rtl="0" algn="l">
+                      <a:pPr marL="0" lvl="0" indent="0" algn="l" rtl="0">
                         <a:spcBef>
                           <a:spcPts val="0"/>
                         </a:spcBef>
@@ -7639,42 +7621,42 @@
                       <a:endParaRPr sz="1200"/>
                     </a:p>
                   </a:txBody>
-                  <a:tcPr marT="91425" marB="91425" marR="91425" marL="91425">
-                    <a:lnL cap="flat" cmpd="sng" w="9525">
+                  <a:tcPr marL="91425" marR="91425" marT="91425" marB="91425">
+                    <a:lnL w="9525" cap="flat" cmpd="sng">
                       <a:solidFill>
                         <a:srgbClr val="9E9E9E"/>
                       </a:solidFill>
                       <a:prstDash val="solid"/>
                       <a:round/>
-                      <a:headEnd len="sm" w="sm" type="none"/>
-                      <a:tailEnd len="sm" w="sm" type="none"/>
+                      <a:headEnd type="none" w="sm" len="sm"/>
+                      <a:tailEnd type="none" w="sm" len="sm"/>
                     </a:lnL>
-                    <a:lnR cap="flat" cmpd="sng" w="9525">
+                    <a:lnR w="9525" cap="flat" cmpd="sng">
                       <a:solidFill>
                         <a:srgbClr val="9E9E9E"/>
                       </a:solidFill>
                       <a:prstDash val="solid"/>
                       <a:round/>
-                      <a:headEnd len="sm" w="sm" type="none"/>
-                      <a:tailEnd len="sm" w="sm" type="none"/>
+                      <a:headEnd type="none" w="sm" len="sm"/>
+                      <a:tailEnd type="none" w="sm" len="sm"/>
                     </a:lnR>
-                    <a:lnT cap="flat" cmpd="sng" w="9525">
+                    <a:lnT w="9525" cap="flat" cmpd="sng">
                       <a:solidFill>
                         <a:srgbClr val="9E9E9E"/>
                       </a:solidFill>
                       <a:prstDash val="solid"/>
                       <a:round/>
-                      <a:headEnd len="sm" w="sm" type="none"/>
-                      <a:tailEnd len="sm" w="sm" type="none"/>
+                      <a:headEnd type="none" w="sm" len="sm"/>
+                      <a:tailEnd type="none" w="sm" len="sm"/>
                     </a:lnT>
-                    <a:lnB cap="flat" cmpd="sng" w="9525">
+                    <a:lnB w="9525" cap="flat" cmpd="sng">
                       <a:solidFill>
                         <a:srgbClr val="9E9E9E"/>
                       </a:solidFill>
                       <a:prstDash val="solid"/>
                       <a:round/>
-                      <a:headEnd len="sm" w="sm" type="none"/>
-                      <a:tailEnd len="sm" w="sm" type="none"/>
+                      <a:headEnd type="none" w="sm" len="sm"/>
+                      <a:tailEnd type="none" w="sm" len="sm"/>
                     </a:lnB>
                   </a:tcPr>
                 </a:tc>
@@ -7683,7 +7665,7 @@
                     <a:bodyPr/>
                     <a:lstStyle/>
                     <a:p>
-                      <a:pPr indent="0" lvl="0" marL="0" rtl="0" algn="l">
+                      <a:pPr marL="0" lvl="0" indent="0" algn="l" rtl="0">
                         <a:spcBef>
                           <a:spcPts val="0"/>
                         </a:spcBef>
@@ -7699,42 +7681,42 @@
                       <a:endParaRPr sz="1200"/>
                     </a:p>
                   </a:txBody>
-                  <a:tcPr marT="91425" marB="91425" marR="91425" marL="91425">
-                    <a:lnL cap="flat" cmpd="sng" w="9525">
+                  <a:tcPr marL="91425" marR="91425" marT="91425" marB="91425">
+                    <a:lnL w="9525" cap="flat" cmpd="sng">
                       <a:solidFill>
                         <a:srgbClr val="9E9E9E"/>
                       </a:solidFill>
                       <a:prstDash val="solid"/>
                       <a:round/>
-                      <a:headEnd len="sm" w="sm" type="none"/>
-                      <a:tailEnd len="sm" w="sm" type="none"/>
+                      <a:headEnd type="none" w="sm" len="sm"/>
+                      <a:tailEnd type="none" w="sm" len="sm"/>
                     </a:lnL>
-                    <a:lnR cap="flat" cmpd="sng" w="9525">
+                    <a:lnR w="9525" cap="flat" cmpd="sng">
                       <a:solidFill>
                         <a:srgbClr val="9E9E9E"/>
                       </a:solidFill>
                       <a:prstDash val="solid"/>
                       <a:round/>
-                      <a:headEnd len="sm" w="sm" type="none"/>
-                      <a:tailEnd len="sm" w="sm" type="none"/>
+                      <a:headEnd type="none" w="sm" len="sm"/>
+                      <a:tailEnd type="none" w="sm" len="sm"/>
                     </a:lnR>
-                    <a:lnT cap="flat" cmpd="sng" w="9525">
+                    <a:lnT w="9525" cap="flat" cmpd="sng">
                       <a:solidFill>
                         <a:srgbClr val="9E9E9E"/>
                       </a:solidFill>
                       <a:prstDash val="solid"/>
                       <a:round/>
-                      <a:headEnd len="sm" w="sm" type="none"/>
-                      <a:tailEnd len="sm" w="sm" type="none"/>
+                      <a:headEnd type="none" w="sm" len="sm"/>
+                      <a:tailEnd type="none" w="sm" len="sm"/>
                     </a:lnT>
-                    <a:lnB cap="flat" cmpd="sng" w="9525">
+                    <a:lnB w="9525" cap="flat" cmpd="sng">
                       <a:solidFill>
                         <a:srgbClr val="9E9E9E"/>
                       </a:solidFill>
                       <a:prstDash val="solid"/>
                       <a:round/>
-                      <a:headEnd len="sm" w="sm" type="none"/>
-                      <a:tailEnd len="sm" w="sm" type="none"/>
+                      <a:headEnd type="none" w="sm" len="sm"/>
+                      <a:tailEnd type="none" w="sm" len="sm"/>
                     </a:lnB>
                   </a:tcPr>
                 </a:tc>
@@ -7743,7 +7725,7 @@
                     <a:bodyPr/>
                     <a:lstStyle/>
                     <a:p>
-                      <a:pPr indent="0" lvl="0" marL="0" rtl="0" algn="l">
+                      <a:pPr marL="0" lvl="0" indent="0" algn="l" rtl="0">
                         <a:spcBef>
                           <a:spcPts val="0"/>
                         </a:spcBef>
@@ -7759,42 +7741,42 @@
                       <a:endParaRPr sz="1200"/>
                     </a:p>
                   </a:txBody>
-                  <a:tcPr marT="91425" marB="91425" marR="91425" marL="91425">
-                    <a:lnL cap="flat" cmpd="sng" w="9525">
+                  <a:tcPr marL="91425" marR="91425" marT="91425" marB="91425">
+                    <a:lnL w="9525" cap="flat" cmpd="sng">
                       <a:solidFill>
                         <a:srgbClr val="9E9E9E"/>
                       </a:solidFill>
                       <a:prstDash val="solid"/>
                       <a:round/>
-                      <a:headEnd len="sm" w="sm" type="none"/>
-                      <a:tailEnd len="sm" w="sm" type="none"/>
+                      <a:headEnd type="none" w="sm" len="sm"/>
+                      <a:tailEnd type="none" w="sm" len="sm"/>
                     </a:lnL>
-                    <a:lnR cap="flat" cmpd="sng" w="9525">
+                    <a:lnR w="9525" cap="flat" cmpd="sng">
                       <a:solidFill>
                         <a:srgbClr val="9E9E9E"/>
                       </a:solidFill>
                       <a:prstDash val="solid"/>
                       <a:round/>
-                      <a:headEnd len="sm" w="sm" type="none"/>
-                      <a:tailEnd len="sm" w="sm" type="none"/>
+                      <a:headEnd type="none" w="sm" len="sm"/>
+                      <a:tailEnd type="none" w="sm" len="sm"/>
                     </a:lnR>
-                    <a:lnT cap="flat" cmpd="sng" w="9525">
+                    <a:lnT w="9525" cap="flat" cmpd="sng">
                       <a:solidFill>
                         <a:srgbClr val="9E9E9E"/>
                       </a:solidFill>
                       <a:prstDash val="solid"/>
                       <a:round/>
-                      <a:headEnd len="sm" w="sm" type="none"/>
-                      <a:tailEnd len="sm" w="sm" type="none"/>
+                      <a:headEnd type="none" w="sm" len="sm"/>
+                      <a:tailEnd type="none" w="sm" len="sm"/>
                     </a:lnT>
-                    <a:lnB cap="flat" cmpd="sng" w="9525">
+                    <a:lnB w="9525" cap="flat" cmpd="sng">
                       <a:solidFill>
                         <a:srgbClr val="9E9E9E"/>
                       </a:solidFill>
                       <a:prstDash val="solid"/>
                       <a:round/>
-                      <a:headEnd len="sm" w="sm" type="none"/>
-                      <a:tailEnd len="sm" w="sm" type="none"/>
+                      <a:headEnd type="none" w="sm" len="sm"/>
+                      <a:tailEnd type="none" w="sm" len="sm"/>
                     </a:lnB>
                   </a:tcPr>
                 </a:tc>
@@ -7803,7 +7785,7 @@
                     <a:bodyPr/>
                     <a:lstStyle/>
                     <a:p>
-                      <a:pPr indent="0" lvl="0" marL="0" rtl="0" algn="l">
+                      <a:pPr marL="0" lvl="0" indent="0" algn="l" rtl="0">
                         <a:spcBef>
                           <a:spcPts val="0"/>
                         </a:spcBef>
@@ -7819,42 +7801,42 @@
                       <a:endParaRPr sz="1200"/>
                     </a:p>
                   </a:txBody>
-                  <a:tcPr marT="91425" marB="91425" marR="91425" marL="91425">
-                    <a:lnL cap="flat" cmpd="sng" w="9525">
+                  <a:tcPr marL="91425" marR="91425" marT="91425" marB="91425">
+                    <a:lnL w="9525" cap="flat" cmpd="sng">
                       <a:solidFill>
                         <a:srgbClr val="9E9E9E"/>
                       </a:solidFill>
                       <a:prstDash val="solid"/>
                       <a:round/>
-                      <a:headEnd len="sm" w="sm" type="none"/>
-                      <a:tailEnd len="sm" w="sm" type="none"/>
+                      <a:headEnd type="none" w="sm" len="sm"/>
+                      <a:tailEnd type="none" w="sm" len="sm"/>
                     </a:lnL>
-                    <a:lnR cap="flat" cmpd="sng" w="9525">
+                    <a:lnR w="9525" cap="flat" cmpd="sng">
                       <a:solidFill>
                         <a:srgbClr val="9E9E9E"/>
                       </a:solidFill>
                       <a:prstDash val="solid"/>
                       <a:round/>
-                      <a:headEnd len="sm" w="sm" type="none"/>
-                      <a:tailEnd len="sm" w="sm" type="none"/>
+                      <a:headEnd type="none" w="sm" len="sm"/>
+                      <a:tailEnd type="none" w="sm" len="sm"/>
                     </a:lnR>
-                    <a:lnT cap="flat" cmpd="sng" w="9525">
+                    <a:lnT w="9525" cap="flat" cmpd="sng">
                       <a:solidFill>
                         <a:srgbClr val="9E9E9E"/>
                       </a:solidFill>
                       <a:prstDash val="solid"/>
                       <a:round/>
-                      <a:headEnd len="sm" w="sm" type="none"/>
-                      <a:tailEnd len="sm" w="sm" type="none"/>
+                      <a:headEnd type="none" w="sm" len="sm"/>
+                      <a:tailEnd type="none" w="sm" len="sm"/>
                     </a:lnT>
-                    <a:lnB cap="flat" cmpd="sng" w="9525">
+                    <a:lnB w="9525" cap="flat" cmpd="sng">
                       <a:solidFill>
                         <a:srgbClr val="9E9E9E"/>
                       </a:solidFill>
                       <a:prstDash val="solid"/>
                       <a:round/>
-                      <a:headEnd len="sm" w="sm" type="none"/>
-                      <a:tailEnd len="sm" w="sm" type="none"/>
+                      <a:headEnd type="none" w="sm" len="sm"/>
+                      <a:tailEnd type="none" w="sm" len="sm"/>
                     </a:lnB>
                   </a:tcPr>
                 </a:tc>
@@ -7865,7 +7847,7 @@
                     <a:bodyPr/>
                     <a:lstStyle/>
                     <a:p>
-                      <a:pPr indent="0" lvl="0" marL="0" rtl="0" algn="l">
+                      <a:pPr marL="0" lvl="0" indent="0" algn="l" rtl="0">
                         <a:spcBef>
                           <a:spcPts val="0"/>
                         </a:spcBef>
@@ -7881,42 +7863,42 @@
                       <a:endParaRPr sz="1200"/>
                     </a:p>
                   </a:txBody>
-                  <a:tcPr marT="91425" marB="91425" marR="91425" marL="91425">
-                    <a:lnL cap="flat" cmpd="sng" w="9525">
+                  <a:tcPr marL="91425" marR="91425" marT="91425" marB="91425">
+                    <a:lnL w="9525" cap="flat" cmpd="sng">
                       <a:solidFill>
                         <a:srgbClr val="9E9E9E"/>
                       </a:solidFill>
                       <a:prstDash val="solid"/>
                       <a:round/>
-                      <a:headEnd len="sm" w="sm" type="none"/>
-                      <a:tailEnd len="sm" w="sm" type="none"/>
+                      <a:headEnd type="none" w="sm" len="sm"/>
+                      <a:tailEnd type="none" w="sm" len="sm"/>
                     </a:lnL>
-                    <a:lnR cap="flat" cmpd="sng" w="9525">
+                    <a:lnR w="9525" cap="flat" cmpd="sng">
                       <a:solidFill>
                         <a:srgbClr val="9E9E9E"/>
                       </a:solidFill>
                       <a:prstDash val="solid"/>
                       <a:round/>
-                      <a:headEnd len="sm" w="sm" type="none"/>
-                      <a:tailEnd len="sm" w="sm" type="none"/>
+                      <a:headEnd type="none" w="sm" len="sm"/>
+                      <a:tailEnd type="none" w="sm" len="sm"/>
                     </a:lnR>
-                    <a:lnT cap="flat" cmpd="sng" w="9525">
+                    <a:lnT w="9525" cap="flat" cmpd="sng">
                       <a:solidFill>
                         <a:srgbClr val="9E9E9E"/>
                       </a:solidFill>
                       <a:prstDash val="solid"/>
                       <a:round/>
-                      <a:headEnd len="sm" w="sm" type="none"/>
-                      <a:tailEnd len="sm" w="sm" type="none"/>
+                      <a:headEnd type="none" w="sm" len="sm"/>
+                      <a:tailEnd type="none" w="sm" len="sm"/>
                     </a:lnT>
-                    <a:lnB cap="flat" cmpd="sng" w="9525">
+                    <a:lnB w="9525" cap="flat" cmpd="sng">
                       <a:solidFill>
                         <a:srgbClr val="9E9E9E"/>
                       </a:solidFill>
                       <a:prstDash val="solid"/>
                       <a:round/>
-                      <a:headEnd len="sm" w="sm" type="none"/>
-                      <a:tailEnd len="sm" w="sm" type="none"/>
+                      <a:headEnd type="none" w="sm" len="sm"/>
+                      <a:tailEnd type="none" w="sm" len="sm"/>
                     </a:lnB>
                   </a:tcPr>
                 </a:tc>
@@ -7925,7 +7907,7 @@
                     <a:bodyPr/>
                     <a:lstStyle/>
                     <a:p>
-                      <a:pPr indent="0" lvl="0" marL="0" rtl="0" algn="l">
+                      <a:pPr marL="0" lvl="0" indent="0" algn="l" rtl="0">
                         <a:spcBef>
                           <a:spcPts val="0"/>
                         </a:spcBef>
@@ -7941,42 +7923,42 @@
                       <a:endParaRPr sz="1200"/>
                     </a:p>
                   </a:txBody>
-                  <a:tcPr marT="91425" marB="91425" marR="91425" marL="91425">
-                    <a:lnL cap="flat" cmpd="sng" w="9525">
+                  <a:tcPr marL="91425" marR="91425" marT="91425" marB="91425">
+                    <a:lnL w="9525" cap="flat" cmpd="sng">
                       <a:solidFill>
                         <a:srgbClr val="9E9E9E"/>
                       </a:solidFill>
                       <a:prstDash val="solid"/>
                       <a:round/>
-                      <a:headEnd len="sm" w="sm" type="none"/>
-                      <a:tailEnd len="sm" w="sm" type="none"/>
+                      <a:headEnd type="none" w="sm" len="sm"/>
+                      <a:tailEnd type="none" w="sm" len="sm"/>
                     </a:lnL>
-                    <a:lnR cap="flat" cmpd="sng" w="9525">
+                    <a:lnR w="9525" cap="flat" cmpd="sng">
                       <a:solidFill>
                         <a:srgbClr val="9E9E9E"/>
                       </a:solidFill>
                       <a:prstDash val="solid"/>
                       <a:round/>
-                      <a:headEnd len="sm" w="sm" type="none"/>
-                      <a:tailEnd len="sm" w="sm" type="none"/>
+                      <a:headEnd type="none" w="sm" len="sm"/>
+                      <a:tailEnd type="none" w="sm" len="sm"/>
                     </a:lnR>
-                    <a:lnT cap="flat" cmpd="sng" w="9525">
+                    <a:lnT w="9525" cap="flat" cmpd="sng">
                       <a:solidFill>
                         <a:srgbClr val="9E9E9E"/>
                       </a:solidFill>
                       <a:prstDash val="solid"/>
                       <a:round/>
-                      <a:headEnd len="sm" w="sm" type="none"/>
-                      <a:tailEnd len="sm" w="sm" type="none"/>
+                      <a:headEnd type="none" w="sm" len="sm"/>
+                      <a:tailEnd type="none" w="sm" len="sm"/>
                     </a:lnT>
-                    <a:lnB cap="flat" cmpd="sng" w="9525">
+                    <a:lnB w="9525" cap="flat" cmpd="sng">
                       <a:solidFill>
                         <a:srgbClr val="9E9E9E"/>
                       </a:solidFill>
                       <a:prstDash val="solid"/>
                       <a:round/>
-                      <a:headEnd len="sm" w="sm" type="none"/>
-                      <a:tailEnd len="sm" w="sm" type="none"/>
+                      <a:headEnd type="none" w="sm" len="sm"/>
+                      <a:tailEnd type="none" w="sm" len="sm"/>
                     </a:lnB>
                   </a:tcPr>
                 </a:tc>
@@ -7985,7 +7967,7 @@
                     <a:bodyPr/>
                     <a:lstStyle/>
                     <a:p>
-                      <a:pPr indent="0" lvl="0" marL="0" rtl="0" algn="l">
+                      <a:pPr marL="0" lvl="0" indent="0" algn="l" rtl="0">
                         <a:spcBef>
                           <a:spcPts val="0"/>
                         </a:spcBef>
@@ -8001,42 +7983,42 @@
                       <a:endParaRPr sz="1200"/>
                     </a:p>
                   </a:txBody>
-                  <a:tcPr marT="91425" marB="91425" marR="91425" marL="91425">
-                    <a:lnL cap="flat" cmpd="sng" w="9525">
+                  <a:tcPr marL="91425" marR="91425" marT="91425" marB="91425">
+                    <a:lnL w="9525" cap="flat" cmpd="sng">
                       <a:solidFill>
                         <a:srgbClr val="9E9E9E"/>
                       </a:solidFill>
                       <a:prstDash val="solid"/>
                       <a:round/>
-                      <a:headEnd len="sm" w="sm" type="none"/>
-                      <a:tailEnd len="sm" w="sm" type="none"/>
+                      <a:headEnd type="none" w="sm" len="sm"/>
+                      <a:tailEnd type="none" w="sm" len="sm"/>
                     </a:lnL>
-                    <a:lnR cap="flat" cmpd="sng" w="9525">
+                    <a:lnR w="9525" cap="flat" cmpd="sng">
                       <a:solidFill>
                         <a:srgbClr val="9E9E9E"/>
                       </a:solidFill>
                       <a:prstDash val="solid"/>
                       <a:round/>
-                      <a:headEnd len="sm" w="sm" type="none"/>
-                      <a:tailEnd len="sm" w="sm" type="none"/>
+                      <a:headEnd type="none" w="sm" len="sm"/>
+                      <a:tailEnd type="none" w="sm" len="sm"/>
                     </a:lnR>
-                    <a:lnT cap="flat" cmpd="sng" w="9525">
+                    <a:lnT w="9525" cap="flat" cmpd="sng">
                       <a:solidFill>
                         <a:srgbClr val="9E9E9E"/>
                       </a:solidFill>
                       <a:prstDash val="solid"/>
                       <a:round/>
-                      <a:headEnd len="sm" w="sm" type="none"/>
-                      <a:tailEnd len="sm" w="sm" type="none"/>
+                      <a:headEnd type="none" w="sm" len="sm"/>
+                      <a:tailEnd type="none" w="sm" len="sm"/>
                     </a:lnT>
-                    <a:lnB cap="flat" cmpd="sng" w="9525">
+                    <a:lnB w="9525" cap="flat" cmpd="sng">
                       <a:solidFill>
                         <a:srgbClr val="9E9E9E"/>
                       </a:solidFill>
                       <a:prstDash val="solid"/>
                       <a:round/>
-                      <a:headEnd len="sm" w="sm" type="none"/>
-                      <a:tailEnd len="sm" w="sm" type="none"/>
+                      <a:headEnd type="none" w="sm" len="sm"/>
+                      <a:tailEnd type="none" w="sm" len="sm"/>
                     </a:lnB>
                   </a:tcPr>
                 </a:tc>
@@ -8045,7 +8027,7 @@
                     <a:bodyPr/>
                     <a:lstStyle/>
                     <a:p>
-                      <a:pPr indent="0" lvl="0" marL="0" rtl="0" algn="l">
+                      <a:pPr marL="0" lvl="0" indent="0" algn="l" rtl="0">
                         <a:spcBef>
                           <a:spcPts val="0"/>
                         </a:spcBef>
@@ -8061,42 +8043,42 @@
                       <a:endParaRPr sz="1200"/>
                     </a:p>
                   </a:txBody>
-                  <a:tcPr marT="91425" marB="91425" marR="91425" marL="91425">
-                    <a:lnL cap="flat" cmpd="sng" w="9525">
+                  <a:tcPr marL="91425" marR="91425" marT="91425" marB="91425">
+                    <a:lnL w="9525" cap="flat" cmpd="sng">
                       <a:solidFill>
                         <a:srgbClr val="9E9E9E"/>
                       </a:solidFill>
                       <a:prstDash val="solid"/>
                       <a:round/>
-                      <a:headEnd len="sm" w="sm" type="none"/>
-                      <a:tailEnd len="sm" w="sm" type="none"/>
+                      <a:headEnd type="none" w="sm" len="sm"/>
+                      <a:tailEnd type="none" w="sm" len="sm"/>
                     </a:lnL>
-                    <a:lnR cap="flat" cmpd="sng" w="9525">
+                    <a:lnR w="9525" cap="flat" cmpd="sng">
                       <a:solidFill>
                         <a:srgbClr val="9E9E9E"/>
                       </a:solidFill>
                       <a:prstDash val="solid"/>
                       <a:round/>
-                      <a:headEnd len="sm" w="sm" type="none"/>
-                      <a:tailEnd len="sm" w="sm" type="none"/>
+                      <a:headEnd type="none" w="sm" len="sm"/>
+                      <a:tailEnd type="none" w="sm" len="sm"/>
                     </a:lnR>
-                    <a:lnT cap="flat" cmpd="sng" w="9525">
+                    <a:lnT w="9525" cap="flat" cmpd="sng">
                       <a:solidFill>
                         <a:srgbClr val="9E9E9E"/>
                       </a:solidFill>
                       <a:prstDash val="solid"/>
                       <a:round/>
-                      <a:headEnd len="sm" w="sm" type="none"/>
-                      <a:tailEnd len="sm" w="sm" type="none"/>
+                      <a:headEnd type="none" w="sm" len="sm"/>
+                      <a:tailEnd type="none" w="sm" len="sm"/>
                     </a:lnT>
-                    <a:lnB cap="flat" cmpd="sng" w="9525">
+                    <a:lnB w="9525" cap="flat" cmpd="sng">
                       <a:solidFill>
                         <a:srgbClr val="9E9E9E"/>
                       </a:solidFill>
                       <a:prstDash val="solid"/>
                       <a:round/>
-                      <a:headEnd len="sm" w="sm" type="none"/>
-                      <a:tailEnd len="sm" w="sm" type="none"/>
+                      <a:headEnd type="none" w="sm" len="sm"/>
+                      <a:tailEnd type="none" w="sm" len="sm"/>
                     </a:lnB>
                   </a:tcPr>
                 </a:tc>
@@ -8105,7 +8087,7 @@
                     <a:bodyPr/>
                     <a:lstStyle/>
                     <a:p>
-                      <a:pPr indent="0" lvl="0" marL="0" rtl="0" algn="l">
+                      <a:pPr marL="0" lvl="0" indent="0" algn="l" rtl="0">
                         <a:spcBef>
                           <a:spcPts val="0"/>
                         </a:spcBef>
@@ -8121,42 +8103,42 @@
                       <a:endParaRPr sz="1200"/>
                     </a:p>
                   </a:txBody>
-                  <a:tcPr marT="91425" marB="91425" marR="91425" marL="91425">
-                    <a:lnL cap="flat" cmpd="sng" w="9525">
+                  <a:tcPr marL="91425" marR="91425" marT="91425" marB="91425">
+                    <a:lnL w="9525" cap="flat" cmpd="sng">
                       <a:solidFill>
                         <a:srgbClr val="9E9E9E"/>
                       </a:solidFill>
                       <a:prstDash val="solid"/>
                       <a:round/>
-                      <a:headEnd len="sm" w="sm" type="none"/>
-                      <a:tailEnd len="sm" w="sm" type="none"/>
+                      <a:headEnd type="none" w="sm" len="sm"/>
+                      <a:tailEnd type="none" w="sm" len="sm"/>
                     </a:lnL>
-                    <a:lnR cap="flat" cmpd="sng" w="9525">
+                    <a:lnR w="9525" cap="flat" cmpd="sng">
                       <a:solidFill>
                         <a:srgbClr val="9E9E9E"/>
                       </a:solidFill>
                       <a:prstDash val="solid"/>
                       <a:round/>
-                      <a:headEnd len="sm" w="sm" type="none"/>
-                      <a:tailEnd len="sm" w="sm" type="none"/>
+                      <a:headEnd type="none" w="sm" len="sm"/>
+                      <a:tailEnd type="none" w="sm" len="sm"/>
                     </a:lnR>
-                    <a:lnT cap="flat" cmpd="sng" w="9525">
+                    <a:lnT w="9525" cap="flat" cmpd="sng">
                       <a:solidFill>
                         <a:srgbClr val="9E9E9E"/>
                       </a:solidFill>
                       <a:prstDash val="solid"/>
                       <a:round/>
-                      <a:headEnd len="sm" w="sm" type="none"/>
-                      <a:tailEnd len="sm" w="sm" type="none"/>
+                      <a:headEnd type="none" w="sm" len="sm"/>
+                      <a:tailEnd type="none" w="sm" len="sm"/>
                     </a:lnT>
-                    <a:lnB cap="flat" cmpd="sng" w="9525">
+                    <a:lnB w="9525" cap="flat" cmpd="sng">
                       <a:solidFill>
                         <a:srgbClr val="9E9E9E"/>
                       </a:solidFill>
                       <a:prstDash val="solid"/>
                       <a:round/>
-                      <a:headEnd len="sm" w="sm" type="none"/>
-                      <a:tailEnd len="sm" w="sm" type="none"/>
+                      <a:headEnd type="none" w="sm" len="sm"/>
+                      <a:tailEnd type="none" w="sm" len="sm"/>
                     </a:lnB>
                   </a:tcPr>
                 </a:tc>
@@ -8167,7 +8149,7 @@
                     <a:bodyPr/>
                     <a:lstStyle/>
                     <a:p>
-                      <a:pPr indent="0" lvl="0" marL="0" rtl="0" algn="l">
+                      <a:pPr marL="0" lvl="0" indent="0" algn="l" rtl="0">
                         <a:spcBef>
                           <a:spcPts val="0"/>
                         </a:spcBef>
@@ -8183,42 +8165,42 @@
                       <a:endParaRPr sz="1200"/>
                     </a:p>
                   </a:txBody>
-                  <a:tcPr marT="91425" marB="91425" marR="91425" marL="91425">
-                    <a:lnL cap="flat" cmpd="sng" w="9525">
+                  <a:tcPr marL="91425" marR="91425" marT="91425" marB="91425">
+                    <a:lnL w="9525" cap="flat" cmpd="sng">
                       <a:solidFill>
                         <a:srgbClr val="9E9E9E"/>
                       </a:solidFill>
                       <a:prstDash val="solid"/>
                       <a:round/>
-                      <a:headEnd len="sm" w="sm" type="none"/>
-                      <a:tailEnd len="sm" w="sm" type="none"/>
+                      <a:headEnd type="none" w="sm" len="sm"/>
+                      <a:tailEnd type="none" w="sm" len="sm"/>
                     </a:lnL>
-                    <a:lnR cap="flat" cmpd="sng" w="9525">
+                    <a:lnR w="9525" cap="flat" cmpd="sng">
                       <a:solidFill>
                         <a:srgbClr val="9E9E9E"/>
                       </a:solidFill>
                       <a:prstDash val="solid"/>
                       <a:round/>
-                      <a:headEnd len="sm" w="sm" type="none"/>
-                      <a:tailEnd len="sm" w="sm" type="none"/>
+                      <a:headEnd type="none" w="sm" len="sm"/>
+                      <a:tailEnd type="none" w="sm" len="sm"/>
                     </a:lnR>
-                    <a:lnT cap="flat" cmpd="sng" w="9525">
+                    <a:lnT w="9525" cap="flat" cmpd="sng">
                       <a:solidFill>
                         <a:srgbClr val="9E9E9E"/>
                       </a:solidFill>
                       <a:prstDash val="solid"/>
                       <a:round/>
-                      <a:headEnd len="sm" w="sm" type="none"/>
-                      <a:tailEnd len="sm" w="sm" type="none"/>
+                      <a:headEnd type="none" w="sm" len="sm"/>
+                      <a:tailEnd type="none" w="sm" len="sm"/>
                     </a:lnT>
-                    <a:lnB cap="flat" cmpd="sng" w="9525">
+                    <a:lnB w="9525" cap="flat" cmpd="sng">
                       <a:solidFill>
                         <a:srgbClr val="9E9E9E"/>
                       </a:solidFill>
                       <a:prstDash val="solid"/>
                       <a:round/>
-                      <a:headEnd len="sm" w="sm" type="none"/>
-                      <a:tailEnd len="sm" w="sm" type="none"/>
+                      <a:headEnd type="none" w="sm" len="sm"/>
+                      <a:tailEnd type="none" w="sm" len="sm"/>
                     </a:lnB>
                   </a:tcPr>
                 </a:tc>
@@ -8227,7 +8209,7 @@
                     <a:bodyPr/>
                     <a:lstStyle/>
                     <a:p>
-                      <a:pPr indent="0" lvl="0" marL="0" rtl="0" algn="l">
+                      <a:pPr marL="0" lvl="0" indent="0" algn="l" rtl="0">
                         <a:spcBef>
                           <a:spcPts val="0"/>
                         </a:spcBef>
@@ -8243,42 +8225,42 @@
                       <a:endParaRPr sz="1200"/>
                     </a:p>
                   </a:txBody>
-                  <a:tcPr marT="91425" marB="91425" marR="91425" marL="91425">
-                    <a:lnL cap="flat" cmpd="sng" w="9525">
+                  <a:tcPr marL="91425" marR="91425" marT="91425" marB="91425">
+                    <a:lnL w="9525" cap="flat" cmpd="sng">
                       <a:solidFill>
                         <a:srgbClr val="9E9E9E"/>
                       </a:solidFill>
                       <a:prstDash val="solid"/>
                       <a:round/>
-                      <a:headEnd len="sm" w="sm" type="none"/>
-                      <a:tailEnd len="sm" w="sm" type="none"/>
+                      <a:headEnd type="none" w="sm" len="sm"/>
+                      <a:tailEnd type="none" w="sm" len="sm"/>
                     </a:lnL>
-                    <a:lnR cap="flat" cmpd="sng" w="9525">
+                    <a:lnR w="9525" cap="flat" cmpd="sng">
                       <a:solidFill>
                         <a:srgbClr val="9E9E9E"/>
                       </a:solidFill>
                       <a:prstDash val="solid"/>
                       <a:round/>
-                      <a:headEnd len="sm" w="sm" type="none"/>
-                      <a:tailEnd len="sm" w="sm" type="none"/>
+                      <a:headEnd type="none" w="sm" len="sm"/>
+                      <a:tailEnd type="none" w="sm" len="sm"/>
                     </a:lnR>
-                    <a:lnT cap="flat" cmpd="sng" w="9525">
+                    <a:lnT w="9525" cap="flat" cmpd="sng">
                       <a:solidFill>
                         <a:srgbClr val="9E9E9E"/>
                       </a:solidFill>
                       <a:prstDash val="solid"/>
                       <a:round/>
-                      <a:headEnd len="sm" w="sm" type="none"/>
-                      <a:tailEnd len="sm" w="sm" type="none"/>
+                      <a:headEnd type="none" w="sm" len="sm"/>
+                      <a:tailEnd type="none" w="sm" len="sm"/>
                     </a:lnT>
-                    <a:lnB cap="flat" cmpd="sng" w="9525">
+                    <a:lnB w="9525" cap="flat" cmpd="sng">
                       <a:solidFill>
                         <a:srgbClr val="9E9E9E"/>
                       </a:solidFill>
                       <a:prstDash val="solid"/>
                       <a:round/>
-                      <a:headEnd len="sm" w="sm" type="none"/>
-                      <a:tailEnd len="sm" w="sm" type="none"/>
+                      <a:headEnd type="none" w="sm" len="sm"/>
+                      <a:tailEnd type="none" w="sm" len="sm"/>
                     </a:lnB>
                   </a:tcPr>
                 </a:tc>
@@ -8287,7 +8269,7 @@
                     <a:bodyPr/>
                     <a:lstStyle/>
                     <a:p>
-                      <a:pPr indent="0" lvl="0" marL="0" rtl="0" algn="l">
+                      <a:pPr marL="0" lvl="0" indent="0" algn="l" rtl="0">
                         <a:spcBef>
                           <a:spcPts val="0"/>
                         </a:spcBef>
@@ -8303,42 +8285,42 @@
                       <a:endParaRPr sz="1200"/>
                     </a:p>
                   </a:txBody>
-                  <a:tcPr marT="91425" marB="91425" marR="91425" marL="91425">
-                    <a:lnL cap="flat" cmpd="sng" w="9525">
+                  <a:tcPr marL="91425" marR="91425" marT="91425" marB="91425">
+                    <a:lnL w="9525" cap="flat" cmpd="sng">
                       <a:solidFill>
                         <a:srgbClr val="9E9E9E"/>
                       </a:solidFill>
                       <a:prstDash val="solid"/>
                       <a:round/>
-                      <a:headEnd len="sm" w="sm" type="none"/>
-                      <a:tailEnd len="sm" w="sm" type="none"/>
+                      <a:headEnd type="none" w="sm" len="sm"/>
+                      <a:tailEnd type="none" w="sm" len="sm"/>
                     </a:lnL>
-                    <a:lnR cap="flat" cmpd="sng" w="9525">
+                    <a:lnR w="9525" cap="flat" cmpd="sng">
                       <a:solidFill>
                         <a:srgbClr val="9E9E9E"/>
                       </a:solidFill>
                       <a:prstDash val="solid"/>
                       <a:round/>
-                      <a:headEnd len="sm" w="sm" type="none"/>
-                      <a:tailEnd len="sm" w="sm" type="none"/>
+                      <a:headEnd type="none" w="sm" len="sm"/>
+                      <a:tailEnd type="none" w="sm" len="sm"/>
                     </a:lnR>
-                    <a:lnT cap="flat" cmpd="sng" w="9525">
+                    <a:lnT w="9525" cap="flat" cmpd="sng">
                       <a:solidFill>
                         <a:srgbClr val="9E9E9E"/>
                       </a:solidFill>
                       <a:prstDash val="solid"/>
                       <a:round/>
-                      <a:headEnd len="sm" w="sm" type="none"/>
-                      <a:tailEnd len="sm" w="sm" type="none"/>
+                      <a:headEnd type="none" w="sm" len="sm"/>
+                      <a:tailEnd type="none" w="sm" len="sm"/>
                     </a:lnT>
-                    <a:lnB cap="flat" cmpd="sng" w="9525">
+                    <a:lnB w="9525" cap="flat" cmpd="sng">
                       <a:solidFill>
                         <a:srgbClr val="9E9E9E"/>
                       </a:solidFill>
                       <a:prstDash val="solid"/>
                       <a:round/>
-                      <a:headEnd len="sm" w="sm" type="none"/>
-                      <a:tailEnd len="sm" w="sm" type="none"/>
+                      <a:headEnd type="none" w="sm" len="sm"/>
+                      <a:tailEnd type="none" w="sm" len="sm"/>
                     </a:lnB>
                   </a:tcPr>
                 </a:tc>
@@ -8347,7 +8329,7 @@
                     <a:bodyPr/>
                     <a:lstStyle/>
                     <a:p>
-                      <a:pPr indent="0" lvl="0" marL="0" rtl="0" algn="l">
+                      <a:pPr marL="0" lvl="0" indent="0" algn="l" rtl="0">
                         <a:spcBef>
                           <a:spcPts val="0"/>
                         </a:spcBef>
@@ -8363,42 +8345,42 @@
                       <a:endParaRPr sz="1200"/>
                     </a:p>
                   </a:txBody>
-                  <a:tcPr marT="91425" marB="91425" marR="91425" marL="91425">
-                    <a:lnL cap="flat" cmpd="sng" w="9525">
+                  <a:tcPr marL="91425" marR="91425" marT="91425" marB="91425">
+                    <a:lnL w="9525" cap="flat" cmpd="sng">
                       <a:solidFill>
                         <a:srgbClr val="9E9E9E"/>
                       </a:solidFill>
                       <a:prstDash val="solid"/>
                       <a:round/>
-                      <a:headEnd len="sm" w="sm" type="none"/>
-                      <a:tailEnd len="sm" w="sm" type="none"/>
+                      <a:headEnd type="none" w="sm" len="sm"/>
+                      <a:tailEnd type="none" w="sm" len="sm"/>
                     </a:lnL>
-                    <a:lnR cap="flat" cmpd="sng" w="9525">
+                    <a:lnR w="9525" cap="flat" cmpd="sng">
                       <a:solidFill>
                         <a:srgbClr val="9E9E9E"/>
                       </a:solidFill>
                       <a:prstDash val="solid"/>
                       <a:round/>
-                      <a:headEnd len="sm" w="sm" type="none"/>
-                      <a:tailEnd len="sm" w="sm" type="none"/>
+                      <a:headEnd type="none" w="sm" len="sm"/>
+                      <a:tailEnd type="none" w="sm" len="sm"/>
                     </a:lnR>
-                    <a:lnT cap="flat" cmpd="sng" w="9525">
+                    <a:lnT w="9525" cap="flat" cmpd="sng">
                       <a:solidFill>
                         <a:srgbClr val="9E9E9E"/>
                       </a:solidFill>
                       <a:prstDash val="solid"/>
                       <a:round/>
-                      <a:headEnd len="sm" w="sm" type="none"/>
-                      <a:tailEnd len="sm" w="sm" type="none"/>
+                      <a:headEnd type="none" w="sm" len="sm"/>
+                      <a:tailEnd type="none" w="sm" len="sm"/>
                     </a:lnT>
-                    <a:lnB cap="flat" cmpd="sng" w="9525">
+                    <a:lnB w="9525" cap="flat" cmpd="sng">
                       <a:solidFill>
                         <a:srgbClr val="9E9E9E"/>
                       </a:solidFill>
                       <a:prstDash val="solid"/>
                       <a:round/>
-                      <a:headEnd len="sm" w="sm" type="none"/>
-                      <a:tailEnd len="sm" w="sm" type="none"/>
+                      <a:headEnd type="none" w="sm" len="sm"/>
+                      <a:tailEnd type="none" w="sm" len="sm"/>
                     </a:lnB>
                   </a:tcPr>
                 </a:tc>
@@ -8407,7 +8389,7 @@
                     <a:bodyPr/>
                     <a:lstStyle/>
                     <a:p>
-                      <a:pPr indent="0" lvl="0" marL="0" rtl="0" algn="l">
+                      <a:pPr marL="0" lvl="0" indent="0" algn="l" rtl="0">
                         <a:spcBef>
                           <a:spcPts val="0"/>
                         </a:spcBef>
@@ -8423,42 +8405,42 @@
                       <a:endParaRPr sz="1200"/>
                     </a:p>
                   </a:txBody>
-                  <a:tcPr marT="91425" marB="91425" marR="91425" marL="91425">
-                    <a:lnL cap="flat" cmpd="sng" w="9525">
+                  <a:tcPr marL="91425" marR="91425" marT="91425" marB="91425">
+                    <a:lnL w="9525" cap="flat" cmpd="sng">
                       <a:solidFill>
                         <a:srgbClr val="9E9E9E"/>
                       </a:solidFill>
                       <a:prstDash val="solid"/>
                       <a:round/>
-                      <a:headEnd len="sm" w="sm" type="none"/>
-                      <a:tailEnd len="sm" w="sm" type="none"/>
+                      <a:headEnd type="none" w="sm" len="sm"/>
+                      <a:tailEnd type="none" w="sm" len="sm"/>
                     </a:lnL>
-                    <a:lnR cap="flat" cmpd="sng" w="9525">
+                    <a:lnR w="9525" cap="flat" cmpd="sng">
                       <a:solidFill>
                         <a:srgbClr val="9E9E9E"/>
                       </a:solidFill>
                       <a:prstDash val="solid"/>
                       <a:round/>
-                      <a:headEnd len="sm" w="sm" type="none"/>
-                      <a:tailEnd len="sm" w="sm" type="none"/>
+                      <a:headEnd type="none" w="sm" len="sm"/>
+                      <a:tailEnd type="none" w="sm" len="sm"/>
                     </a:lnR>
-                    <a:lnT cap="flat" cmpd="sng" w="9525">
+                    <a:lnT w="9525" cap="flat" cmpd="sng">
                       <a:solidFill>
                         <a:srgbClr val="9E9E9E"/>
                       </a:solidFill>
                       <a:prstDash val="solid"/>
                       <a:round/>
-                      <a:headEnd len="sm" w="sm" type="none"/>
-                      <a:tailEnd len="sm" w="sm" type="none"/>
+                      <a:headEnd type="none" w="sm" len="sm"/>
+                      <a:tailEnd type="none" w="sm" len="sm"/>
                     </a:lnT>
-                    <a:lnB cap="flat" cmpd="sng" w="9525">
+                    <a:lnB w="9525" cap="flat" cmpd="sng">
                       <a:solidFill>
                         <a:srgbClr val="9E9E9E"/>
                       </a:solidFill>
                       <a:prstDash val="solid"/>
                       <a:round/>
-                      <a:headEnd len="sm" w="sm" type="none"/>
-                      <a:tailEnd len="sm" w="sm" type="none"/>
+                      <a:headEnd type="none" w="sm" len="sm"/>
+                      <a:tailEnd type="none" w="sm" len="sm"/>
                     </a:lnB>
                   </a:tcPr>
                 </a:tc>
@@ -8476,7 +8458,7 @@
 </file>
 
 <file path=ppt/slides/slide2.xml><?xml version="1.0" encoding="utf-8"?>
-<p:sld xmlns:a="http://schemas.openxmlformats.org/drawingml/2006/main" xmlns:r="http://schemas.openxmlformats.org/officeDocument/2006/relationships" xmlns:mc="http://schemas.openxmlformats.org/markup-compatibility/2006" xmlns:mv="urn:schemas-microsoft-com:mac:vml" xmlns:p="http://schemas.openxmlformats.org/presentationml/2006/main" xmlns:c="http://schemas.openxmlformats.org/drawingml/2006/chart" xmlns:dgm="http://schemas.openxmlformats.org/drawingml/2006/diagram" xmlns:o="urn:schemas-microsoft-com:office:office" xmlns:v="urn:schemas-microsoft-com:vml" xmlns:pvml="urn:schemas-microsoft-com:office:powerpoint" xmlns:com="http://schemas.openxmlformats.org/drawingml/2006/compatibility" xmlns:p14="http://schemas.microsoft.com/office/powerpoint/2010/main" xmlns:p15="http://schemas.microsoft.com/office/powerpoint/2012/main" xmlns:ahyp="http://schemas.microsoft.com/office/drawing/2018/hyperlinkcolor">
+<p:sld xmlns:a="http://schemas.openxmlformats.org/drawingml/2006/main" xmlns:r="http://schemas.openxmlformats.org/officeDocument/2006/relationships" xmlns:p="http://schemas.openxmlformats.org/presentationml/2006/main">
   <p:cSld>
     <p:spTree>
       <p:nvGrpSpPr>
@@ -8495,7 +8477,7 @@
       <p:sp>
         <p:nvSpPr>
           <p:cNvPr id="59" name="Google Shape;59;p14"/>
-          <p:cNvSpPr txBox="1"/>
+          <p:cNvSpPr txBox="true"/>
           <p:nvPr>
             <p:ph type="title"/>
           </p:nvPr>
@@ -8510,12 +8492,12 @@
           </a:prstGeom>
         </p:spPr>
         <p:txBody>
-          <a:bodyPr anchorCtr="0" anchor="t" bIns="91425" lIns="91425" spcFirstLastPara="1" rIns="91425" wrap="square" tIns="91425">
+          <a:bodyPr spcFirstLastPara="1" wrap="square" lIns="91425" tIns="91425" rIns="91425" bIns="91425" anchor="t" anchorCtr="false">
             <a:noAutofit/>
           </a:bodyPr>
           <a:lstStyle/>
           <a:p>
-            <a:pPr indent="0" lvl="0" marL="0" rtl="0" algn="l">
+            <a:pPr marL="0" lvl="0" indent="0" algn="l" rtl="0">
               <a:spcBef>
                 <a:spcPts val="0"/>
               </a:spcBef>
@@ -8528,16 +8510,16 @@
               <a:rPr lang="zh-CN"/>
               <a:t>Assumption</a:t>
             </a:r>
-            <a:endParaRPr/>
+            <a:endParaRPr lang="zh-CN"/>
           </a:p>
         </p:txBody>
       </p:sp>
       <p:sp>
         <p:nvSpPr>
           <p:cNvPr id="60" name="Google Shape;60;p14"/>
-          <p:cNvSpPr txBox="1"/>
+          <p:cNvSpPr txBox="true"/>
           <p:nvPr>
-            <p:ph idx="1" type="body"/>
+            <p:ph type="body" idx="1"/>
           </p:nvPr>
         </p:nvSpPr>
         <p:spPr>
@@ -8550,12 +8532,12 @@
           </a:prstGeom>
         </p:spPr>
         <p:txBody>
-          <a:bodyPr anchorCtr="0" anchor="t" bIns="91425" lIns="91425" spcFirstLastPara="1" rIns="91425" wrap="square" tIns="91425">
+          <a:bodyPr spcFirstLastPara="1" wrap="square" lIns="91425" tIns="91425" rIns="91425" bIns="91425" anchor="t" anchorCtr="false">
             <a:noAutofit/>
           </a:bodyPr>
           <a:lstStyle/>
           <a:p>
-            <a:pPr indent="0" lvl="0" marL="0" rtl="0" algn="l">
+            <a:pPr marL="0" lvl="0" indent="0" algn="l" rtl="0">
               <a:spcBef>
                 <a:spcPts val="0"/>
               </a:spcBef>
@@ -8566,17 +8548,17 @@
                 <a:schemeClr val="dk1"/>
               </a:buClr>
               <a:buSzPts val="1100"/>
-              <a:buFont typeface="Arial"/>
+              <a:buFont typeface="Arial" panose="020B0604020202020204"/>
               <a:buNone/>
             </a:pPr>
             <a:r>
               <a:rPr lang="zh-CN"/>
               <a:t>- 16 bit architecture</a:t>
             </a:r>
-            <a:endParaRPr/>
+            <a:endParaRPr lang="zh-CN"/>
           </a:p>
           <a:p>
-            <a:pPr indent="0" lvl="0" marL="0" rtl="0" algn="l">
+            <a:pPr marL="0" lvl="0" indent="0" algn="l" rtl="0">
               <a:spcBef>
                 <a:spcPts val="1600"/>
               </a:spcBef>
@@ -8589,7 +8571,7 @@
               <a:rPr lang="zh-CN"/>
               <a:t>- Instructions are 32 wide</a:t>
             </a:r>
-            <a:endParaRPr/>
+            <a:endParaRPr lang="zh-CN"/>
           </a:p>
         </p:txBody>
       </p:sp>
@@ -8602,7 +8584,7 @@
 </file>
 
 <file path=ppt/slides/slide3.xml><?xml version="1.0" encoding="utf-8"?>
-<p:sld xmlns:a="http://schemas.openxmlformats.org/drawingml/2006/main" xmlns:r="http://schemas.openxmlformats.org/officeDocument/2006/relationships" xmlns:mc="http://schemas.openxmlformats.org/markup-compatibility/2006" xmlns:mv="urn:schemas-microsoft-com:mac:vml" xmlns:p="http://schemas.openxmlformats.org/presentationml/2006/main" xmlns:c="http://schemas.openxmlformats.org/drawingml/2006/chart" xmlns:dgm="http://schemas.openxmlformats.org/drawingml/2006/diagram" xmlns:o="urn:schemas-microsoft-com:office:office" xmlns:v="urn:schemas-microsoft-com:vml" xmlns:pvml="urn:schemas-microsoft-com:office:powerpoint" xmlns:com="http://schemas.openxmlformats.org/drawingml/2006/compatibility" xmlns:p14="http://schemas.microsoft.com/office/powerpoint/2010/main" xmlns:p15="http://schemas.microsoft.com/office/powerpoint/2012/main" xmlns:ahyp="http://schemas.microsoft.com/office/drawing/2018/hyperlinkcolor">
+<p:sld xmlns:a="http://schemas.openxmlformats.org/drawingml/2006/main" xmlns:r="http://schemas.openxmlformats.org/officeDocument/2006/relationships" xmlns:p="http://schemas.openxmlformats.org/presentationml/2006/main">
   <p:cSld>
     <p:spTree>
       <p:nvGrpSpPr>
@@ -8621,7 +8603,7 @@
       <p:sp>
         <p:nvSpPr>
           <p:cNvPr id="65" name="Google Shape;65;p15"/>
-          <p:cNvSpPr txBox="1"/>
+          <p:cNvSpPr txBox="true"/>
           <p:nvPr>
             <p:ph type="title"/>
           </p:nvPr>
@@ -8636,12 +8618,12 @@
           </a:prstGeom>
         </p:spPr>
         <p:txBody>
-          <a:bodyPr anchorCtr="0" anchor="t" bIns="91425" lIns="91425" spcFirstLastPara="1" rIns="91425" wrap="square" tIns="91425">
+          <a:bodyPr spcFirstLastPara="1" wrap="square" lIns="91425" tIns="91425" rIns="91425" bIns="91425" anchor="t" anchorCtr="false">
             <a:noAutofit/>
           </a:bodyPr>
           <a:lstStyle/>
           <a:p>
-            <a:pPr indent="0" lvl="0" marL="0" rtl="0" algn="l">
+            <a:pPr marL="0" lvl="0" indent="0" algn="l" rtl="0">
               <a:spcBef>
                 <a:spcPts val="0"/>
               </a:spcBef>
@@ -8654,16 +8636,16 @@
               <a:rPr lang="zh-CN"/>
               <a:t>Instruction format</a:t>
             </a:r>
-            <a:endParaRPr/>
+            <a:endParaRPr lang="zh-CN"/>
           </a:p>
         </p:txBody>
       </p:sp>
       <p:sp>
         <p:nvSpPr>
           <p:cNvPr id="66" name="Google Shape;66;p15"/>
-          <p:cNvSpPr txBox="1"/>
+          <p:cNvSpPr txBox="true"/>
           <p:nvPr>
-            <p:ph idx="1" type="body"/>
+            <p:ph type="body" idx="1"/>
           </p:nvPr>
         </p:nvSpPr>
         <p:spPr>
@@ -8676,12 +8658,12 @@
           </a:prstGeom>
         </p:spPr>
         <p:txBody>
-          <a:bodyPr anchorCtr="0" anchor="t" bIns="91425" lIns="91425" spcFirstLastPara="1" rIns="91425" wrap="square" tIns="91425">
+          <a:bodyPr spcFirstLastPara="1" wrap="square" lIns="91425" tIns="91425" rIns="91425" bIns="91425" anchor="t" anchorCtr="false">
             <a:noAutofit/>
           </a:bodyPr>
           <a:lstStyle/>
           <a:p>
-            <a:pPr indent="-342900" lvl="0" marL="457200" rtl="0" algn="l">
+            <a:pPr marL="457200" lvl="0" indent="-342900" algn="l" rtl="0">
               <a:spcBef>
                 <a:spcPts val="0"/>
               </a:spcBef>
@@ -8695,10 +8677,10 @@
               <a:rPr lang="zh-CN"/>
               <a:t>First byte is opcode</a:t>
             </a:r>
-            <a:endParaRPr/>
+            <a:endParaRPr lang="zh-CN"/>
           </a:p>
           <a:p>
-            <a:pPr indent="-317500" lvl="1" marL="914400" rtl="0" algn="l">
+            <a:pPr marL="914400" lvl="1" indent="-317500" algn="l" rtl="0">
               <a:spcBef>
                 <a:spcPts val="0"/>
               </a:spcBef>
@@ -8712,10 +8694,10 @@
               <a:rPr lang="zh-CN"/>
               <a:t>00(0x00) is LOAD</a:t>
             </a:r>
-            <a:endParaRPr/>
+            <a:endParaRPr lang="zh-CN"/>
           </a:p>
           <a:p>
-            <a:pPr indent="-317500" lvl="1" marL="914400" rtl="0" algn="l">
+            <a:pPr marL="914400" lvl="1" indent="-317500" algn="l" rtl="0">
               <a:spcBef>
                 <a:spcPts val="0"/>
               </a:spcBef>
@@ -8729,10 +8711,10 @@
               <a:rPr lang="zh-CN"/>
               <a:t>16(0x10) is STORE</a:t>
             </a:r>
-            <a:endParaRPr/>
+            <a:endParaRPr lang="zh-CN"/>
           </a:p>
           <a:p>
-            <a:pPr indent="-317500" lvl="1" marL="914400" rtl="0" algn="l">
+            <a:pPr marL="914400" lvl="1" indent="-317500" algn="l" rtl="0">
               <a:spcBef>
                 <a:spcPts val="0"/>
               </a:spcBef>
@@ -8746,10 +8728,10 @@
               <a:rPr lang="zh-CN"/>
               <a:t>32(0x20) is CMP</a:t>
             </a:r>
-            <a:endParaRPr/>
+            <a:endParaRPr lang="zh-CN"/>
           </a:p>
           <a:p>
-            <a:pPr indent="-317500" lvl="1" marL="914400" rtl="0" algn="l">
+            <a:pPr marL="914400" lvl="1" indent="-317500" algn="l" rtl="0">
               <a:spcBef>
                 <a:spcPts val="0"/>
               </a:spcBef>
@@ -8763,10 +8745,10 @@
               <a:rPr lang="zh-CN"/>
               <a:t>48(0x30) is BRANCH</a:t>
             </a:r>
-            <a:endParaRPr/>
+            <a:endParaRPr lang="zh-CN"/>
           </a:p>
           <a:p>
-            <a:pPr indent="-342900" lvl="0" marL="457200" rtl="0" algn="l">
+            <a:pPr marL="457200" lvl="0" indent="-342900" algn="l" rtl="0">
               <a:spcBef>
                 <a:spcPts val="0"/>
               </a:spcBef>
@@ -8780,10 +8762,10 @@
               <a:rPr lang="zh-CN"/>
               <a:t>Second byte is register</a:t>
             </a:r>
-            <a:endParaRPr/>
+            <a:endParaRPr lang="zh-CN"/>
           </a:p>
           <a:p>
-            <a:pPr indent="-342900" lvl="0" marL="457200" rtl="0" algn="l">
+            <a:pPr marL="457200" lvl="0" indent="-342900" algn="l" rtl="0">
               <a:spcBef>
                 <a:spcPts val="0"/>
               </a:spcBef>
@@ -8797,10 +8779,10 @@
               <a:rPr lang="zh-CN"/>
               <a:t>Third and fourth are data</a:t>
             </a:r>
-            <a:endParaRPr/>
+            <a:endParaRPr lang="zh-CN"/>
           </a:p>
           <a:p>
-            <a:pPr indent="0" lvl="0" marL="0" rtl="0" algn="l">
+            <a:pPr marL="0" lvl="0" indent="0" algn="l" rtl="0">
               <a:spcBef>
                 <a:spcPts val="1600"/>
               </a:spcBef>
@@ -8811,16 +8793,12 @@
                 <a:schemeClr val="dk1"/>
               </a:buClr>
               <a:buSzPts val="1100"/>
-              <a:buFont typeface="Arial"/>
+              <a:buFont typeface="Arial" panose="020B0604020202020204"/>
               <a:buNone/>
             </a:pPr>
-            <a:r>
-              <a:t/>
-            </a:r>
-            <a:endParaRPr/>
           </a:p>
           <a:p>
-            <a:pPr indent="0" lvl="0" marL="0" rtl="0" algn="l">
+            <a:pPr marL="0" lvl="0" indent="0" algn="l" rtl="0">
               <a:spcBef>
                 <a:spcPts val="1600"/>
               </a:spcBef>
@@ -8829,10 +8807,6 @@
               </a:spcAft>
               <a:buNone/>
             </a:pPr>
-            <a:r>
-              <a:t/>
-            </a:r>
-            <a:endParaRPr/>
           </a:p>
         </p:txBody>
       </p:sp>
@@ -8845,7 +8819,7 @@
 </file>
 
 <file path=ppt/slides/slide4.xml><?xml version="1.0" encoding="utf-8"?>
-<p:sld xmlns:a="http://schemas.openxmlformats.org/drawingml/2006/main" xmlns:r="http://schemas.openxmlformats.org/officeDocument/2006/relationships" xmlns:mc="http://schemas.openxmlformats.org/markup-compatibility/2006" xmlns:mv="urn:schemas-microsoft-com:mac:vml" xmlns:p="http://schemas.openxmlformats.org/presentationml/2006/main" xmlns:c="http://schemas.openxmlformats.org/drawingml/2006/chart" xmlns:dgm="http://schemas.openxmlformats.org/drawingml/2006/diagram" xmlns:o="urn:schemas-microsoft-com:office:office" xmlns:v="urn:schemas-microsoft-com:vml" xmlns:pvml="urn:schemas-microsoft-com:office:powerpoint" xmlns:com="http://schemas.openxmlformats.org/drawingml/2006/compatibility" xmlns:p14="http://schemas.microsoft.com/office/powerpoint/2010/main" xmlns:p15="http://schemas.microsoft.com/office/powerpoint/2012/main" xmlns:ahyp="http://schemas.microsoft.com/office/drawing/2018/hyperlinkcolor">
+<p:sld xmlns:a="http://schemas.openxmlformats.org/drawingml/2006/main" xmlns:r="http://schemas.openxmlformats.org/officeDocument/2006/relationships" xmlns:p="http://schemas.openxmlformats.org/presentationml/2006/main">
   <p:cSld>
     <p:spTree>
       <p:nvGrpSpPr>
@@ -8864,7 +8838,7 @@
       <p:sp>
         <p:nvSpPr>
           <p:cNvPr id="71" name="Google Shape;71;p16"/>
-          <p:cNvSpPr txBox="1"/>
+          <p:cNvSpPr txBox="true"/>
           <p:nvPr>
             <p:ph type="title"/>
           </p:nvPr>
@@ -8879,12 +8853,12 @@
           </a:prstGeom>
         </p:spPr>
         <p:txBody>
-          <a:bodyPr anchorCtr="0" anchor="t" bIns="91425" lIns="91425" spcFirstLastPara="1" rIns="91425" wrap="square" tIns="91425">
+          <a:bodyPr spcFirstLastPara="1" wrap="square" lIns="91425" tIns="91425" rIns="91425" bIns="91425" anchor="t" anchorCtr="false">
             <a:noAutofit/>
           </a:bodyPr>
           <a:lstStyle/>
           <a:p>
-            <a:pPr indent="0" lvl="0" marL="0" rtl="0" algn="l">
+            <a:pPr marL="0" lvl="0" indent="0" algn="l" rtl="0">
               <a:spcBef>
                 <a:spcPts val="0"/>
               </a:spcBef>
@@ -8895,22 +8869,18 @@
             </a:pPr>
             <a:r>
               <a:rPr lang="zh-CN"/>
-              <a:t>Load</a:t>
+              <a:t>Load——example</a:t>
             </a:r>
-            <a:r>
-              <a:rPr lang="zh-CN"/>
-              <a:t>——example</a:t>
-            </a:r>
-            <a:endParaRPr/>
+            <a:endParaRPr lang="zh-CN"/>
           </a:p>
         </p:txBody>
       </p:sp>
       <p:sp>
         <p:nvSpPr>
           <p:cNvPr id="72" name="Google Shape;72;p16"/>
-          <p:cNvSpPr txBox="1"/>
+          <p:cNvSpPr txBox="true"/>
           <p:nvPr>
-            <p:ph idx="1" type="body"/>
+            <p:ph type="body" idx="1"/>
           </p:nvPr>
         </p:nvSpPr>
         <p:spPr>
@@ -8923,12 +8893,12 @@
           </a:prstGeom>
         </p:spPr>
         <p:txBody>
-          <a:bodyPr anchorCtr="0" anchor="t" bIns="91425" lIns="91425" spcFirstLastPara="1" rIns="91425" wrap="square" tIns="91425">
+          <a:bodyPr spcFirstLastPara="1" wrap="square" lIns="91425" tIns="91425" rIns="91425" bIns="91425" anchor="t" anchorCtr="false">
             <a:noAutofit/>
           </a:bodyPr>
           <a:lstStyle/>
           <a:p>
-            <a:pPr indent="-342900" lvl="0" marL="457200" rtl="0" algn="l">
+            <a:pPr marL="457200" lvl="0" indent="-342900" algn="l" rtl="0">
               <a:spcBef>
                 <a:spcPts val="0"/>
               </a:spcBef>
@@ -8942,10 +8912,10 @@
               <a:rPr lang="zh-CN"/>
               <a:t>direct Load</a:t>
             </a:r>
-            <a:endParaRPr/>
+            <a:endParaRPr lang="zh-CN"/>
           </a:p>
           <a:p>
-            <a:pPr indent="-317500" lvl="1" marL="914400" rtl="0" algn="l">
+            <a:pPr marL="914400" lvl="1" indent="-317500" algn="l" rtl="0">
               <a:spcBef>
                 <a:spcPts val="0"/>
               </a:spcBef>
@@ -8959,10 +8929,10 @@
               <a:rPr lang="zh-CN"/>
               <a:t>65535 is 0xFFF</a:t>
             </a:r>
-            <a:endParaRPr/>
+            <a:endParaRPr lang="zh-CN"/>
           </a:p>
           <a:p>
-            <a:pPr indent="-317500" lvl="1" marL="914400" rtl="0" algn="l">
+            <a:pPr marL="914400" lvl="1" indent="-317500" algn="l" rtl="0">
               <a:spcBef>
                 <a:spcPts val="0"/>
               </a:spcBef>
@@ -8976,10 +8946,10 @@
               <a:rPr lang="zh-CN"/>
               <a:t>Load R2 65535</a:t>
             </a:r>
-            <a:endParaRPr/>
+            <a:endParaRPr lang="zh-CN"/>
           </a:p>
           <a:p>
-            <a:pPr indent="-317500" lvl="1" marL="914400" rtl="0" algn="l">
+            <a:pPr marL="914400" lvl="1" indent="-317500" algn="l" rtl="0">
               <a:spcBef>
                 <a:spcPts val="0"/>
               </a:spcBef>
@@ -8993,10 +8963,10 @@
               <a:rPr lang="zh-CN"/>
               <a:t>0x00 0x02 0xFF 0xFF</a:t>
             </a:r>
-            <a:endParaRPr/>
+            <a:endParaRPr lang="zh-CN"/>
           </a:p>
           <a:p>
-            <a:pPr indent="-342900" lvl="0" marL="457200" rtl="0" algn="l">
+            <a:pPr marL="457200" lvl="0" indent="-342900" algn="l" rtl="0">
               <a:spcBef>
                 <a:spcPts val="0"/>
               </a:spcBef>
@@ -9010,10 +8980,10 @@
               <a:rPr lang="zh-CN"/>
               <a:t>Load from another register</a:t>
             </a:r>
-            <a:endParaRPr/>
+            <a:endParaRPr lang="zh-CN"/>
           </a:p>
           <a:p>
-            <a:pPr indent="-317500" lvl="1" marL="914400" rtl="0" algn="l">
+            <a:pPr marL="914400" lvl="1" indent="-317500" algn="l" rtl="0">
               <a:spcBef>
                 <a:spcPts val="0"/>
               </a:spcBef>
@@ -9027,10 +8997,10 @@
               <a:rPr lang="zh-CN"/>
               <a:t>Load R3 		R6</a:t>
             </a:r>
-            <a:endParaRPr/>
+            <a:endParaRPr lang="zh-CN"/>
           </a:p>
           <a:p>
-            <a:pPr indent="-317500" lvl="1" marL="914400" rtl="0" algn="l">
+            <a:pPr marL="914400" lvl="1" indent="-317500" algn="l" rtl="0">
               <a:spcBef>
                 <a:spcPts val="0"/>
               </a:spcBef>
@@ -9044,10 +9014,10 @@
               <a:rPr lang="zh-CN"/>
               <a:t>0x01 0x03 0x00 0x06</a:t>
             </a:r>
-            <a:endParaRPr/>
+            <a:endParaRPr lang="zh-CN"/>
           </a:p>
           <a:p>
-            <a:pPr indent="-342900" lvl="0" marL="457200" rtl="0" algn="l">
+            <a:pPr marL="457200" lvl="0" indent="-342900" algn="l" rtl="0">
               <a:spcBef>
                 <a:spcPts val="0"/>
               </a:spcBef>
@@ -9061,10 +9031,10 @@
               <a:rPr lang="zh-CN"/>
               <a:t>Load from memory</a:t>
             </a:r>
-            <a:endParaRPr/>
+            <a:endParaRPr lang="zh-CN"/>
           </a:p>
           <a:p>
-            <a:pPr indent="-317500" lvl="1" marL="914400" rtl="0" algn="l">
+            <a:pPr marL="914400" lvl="1" indent="-317500" algn="l" rtl="0">
               <a:spcBef>
                 <a:spcPts val="0"/>
               </a:spcBef>
@@ -9078,10 +9048,10 @@
               <a:rPr lang="zh-CN"/>
               <a:t>Load R3 	0xABCD</a:t>
             </a:r>
-            <a:endParaRPr/>
+            <a:endParaRPr lang="zh-CN"/>
           </a:p>
           <a:p>
-            <a:pPr indent="-317500" lvl="1" marL="914400" rtl="0" algn="l">
+            <a:pPr marL="914400" lvl="1" indent="-317500" algn="l" rtl="0">
               <a:spcBef>
                 <a:spcPts val="0"/>
               </a:spcBef>
@@ -9095,7 +9065,7 @@
               <a:rPr lang="zh-CN"/>
               <a:t>0x02 0x03 0xAB 0xCD</a:t>
             </a:r>
-            <a:endParaRPr/>
+            <a:endParaRPr lang="zh-CN"/>
           </a:p>
         </p:txBody>
       </p:sp>
@@ -9108,7 +9078,7 @@
 </file>
 
 <file path=ppt/slides/slide5.xml><?xml version="1.0" encoding="utf-8"?>
-<p:sld xmlns:a="http://schemas.openxmlformats.org/drawingml/2006/main" xmlns:r="http://schemas.openxmlformats.org/officeDocument/2006/relationships" xmlns:mc="http://schemas.openxmlformats.org/markup-compatibility/2006" xmlns:mv="urn:schemas-microsoft-com:mac:vml" xmlns:p="http://schemas.openxmlformats.org/presentationml/2006/main" xmlns:c="http://schemas.openxmlformats.org/drawingml/2006/chart" xmlns:dgm="http://schemas.openxmlformats.org/drawingml/2006/diagram" xmlns:o="urn:schemas-microsoft-com:office:office" xmlns:v="urn:schemas-microsoft-com:vml" xmlns:pvml="urn:schemas-microsoft-com:office:powerpoint" xmlns:com="http://schemas.openxmlformats.org/drawingml/2006/compatibility" xmlns:p14="http://schemas.microsoft.com/office/powerpoint/2010/main" xmlns:p15="http://schemas.microsoft.com/office/powerpoint/2012/main" xmlns:ahyp="http://schemas.microsoft.com/office/drawing/2018/hyperlinkcolor">
+<p:sld xmlns:a="http://schemas.openxmlformats.org/drawingml/2006/main" xmlns:r="http://schemas.openxmlformats.org/officeDocument/2006/relationships" xmlns:p="http://schemas.openxmlformats.org/presentationml/2006/main">
   <p:cSld>
     <p:spTree>
       <p:nvGrpSpPr>
@@ -9127,7 +9097,7 @@
       <p:sp>
         <p:nvSpPr>
           <p:cNvPr id="77" name="Google Shape;77;p17"/>
-          <p:cNvSpPr txBox="1"/>
+          <p:cNvSpPr txBox="true"/>
           <p:nvPr>
             <p:ph type="title"/>
           </p:nvPr>
@@ -9142,12 +9112,12 @@
           </a:prstGeom>
         </p:spPr>
         <p:txBody>
-          <a:bodyPr anchorCtr="0" anchor="t" bIns="91425" lIns="91425" spcFirstLastPara="1" rIns="91425" wrap="square" tIns="91425">
+          <a:bodyPr spcFirstLastPara="1" wrap="square" lIns="91425" tIns="91425" rIns="91425" bIns="91425" anchor="t" anchorCtr="false">
             <a:noAutofit/>
           </a:bodyPr>
           <a:lstStyle/>
           <a:p>
-            <a:pPr indent="0" lvl="0" marL="0" rtl="0" algn="l">
+            <a:pPr marL="0" lvl="0" indent="0" algn="l" rtl="0">
               <a:spcBef>
                 <a:spcPts val="0"/>
               </a:spcBef>
@@ -9160,16 +9130,16 @@
               <a:rPr lang="zh-CN"/>
               <a:t>Missing?</a:t>
             </a:r>
-            <a:endParaRPr/>
+            <a:endParaRPr lang="zh-CN"/>
           </a:p>
         </p:txBody>
       </p:sp>
       <p:sp>
         <p:nvSpPr>
           <p:cNvPr id="78" name="Google Shape;78;p17"/>
-          <p:cNvSpPr txBox="1"/>
+          <p:cNvSpPr txBox="true"/>
           <p:nvPr>
-            <p:ph idx="1" type="body"/>
+            <p:ph type="body" idx="1"/>
           </p:nvPr>
         </p:nvSpPr>
         <p:spPr>
@@ -9182,12 +9152,12 @@
           </a:prstGeom>
         </p:spPr>
         <p:txBody>
-          <a:bodyPr anchorCtr="0" anchor="t" bIns="91425" lIns="91425" spcFirstLastPara="1" rIns="91425" wrap="square" tIns="91425">
+          <a:bodyPr spcFirstLastPara="1" wrap="square" lIns="91425" tIns="91425" rIns="91425" bIns="91425" anchor="t" anchorCtr="false">
             <a:noAutofit/>
           </a:bodyPr>
           <a:lstStyle/>
           <a:p>
-            <a:pPr indent="-342900" lvl="0" marL="457200" rtl="0" algn="l">
+            <a:pPr marL="457200" lvl="0" indent="-342900" algn="l" rtl="0">
               <a:spcBef>
                 <a:spcPts val="0"/>
               </a:spcBef>
@@ -9201,10 +9171,10 @@
               <a:rPr lang="zh-CN"/>
               <a:t>Multipy, Divide, AND, OR, XOR, etc</a:t>
             </a:r>
-            <a:endParaRPr/>
+            <a:endParaRPr lang="zh-CN"/>
           </a:p>
           <a:p>
-            <a:pPr indent="-342900" lvl="0" marL="457200" rtl="0" algn="l">
+            <a:pPr marL="457200" lvl="0" indent="-342900" algn="l" rtl="0">
               <a:spcBef>
                 <a:spcPts val="0"/>
               </a:spcBef>
@@ -9218,10 +9188,10 @@
               <a:rPr lang="zh-CN"/>
               <a:t>Subroutines</a:t>
             </a:r>
-            <a:endParaRPr/>
+            <a:endParaRPr lang="zh-CN"/>
           </a:p>
           <a:p>
-            <a:pPr indent="-342900" lvl="0" marL="457200" rtl="0" algn="l">
+            <a:pPr marL="457200" lvl="0" indent="-342900" algn="l" rtl="0">
               <a:spcBef>
                 <a:spcPts val="0"/>
               </a:spcBef>
@@ -9235,10 +9205,10 @@
               <a:rPr lang="zh-CN"/>
               <a:t>Stack</a:t>
             </a:r>
-            <a:endParaRPr/>
+            <a:endParaRPr lang="zh-CN"/>
           </a:p>
           <a:p>
-            <a:pPr indent="-342900" lvl="0" marL="457200" rtl="0" algn="l">
+            <a:pPr marL="457200" lvl="0" indent="-342900" algn="l" rtl="0">
               <a:spcBef>
                 <a:spcPts val="0"/>
               </a:spcBef>
@@ -9252,10 +9222,10 @@
               <a:rPr lang="zh-CN"/>
               <a:t>More ...</a:t>
             </a:r>
-            <a:endParaRPr/>
+            <a:endParaRPr lang="zh-CN"/>
           </a:p>
           <a:p>
-            <a:pPr indent="0" lvl="0" marL="0" rtl="0" algn="l">
+            <a:pPr marL="0" lvl="0" indent="0" algn="l" rtl="0">
               <a:spcBef>
                 <a:spcPts val="1600"/>
               </a:spcBef>
@@ -9266,16 +9236,12 @@
                 <a:schemeClr val="dk1"/>
               </a:buClr>
               <a:buSzPts val="1100"/>
-              <a:buFont typeface="Arial"/>
+              <a:buFont typeface="Arial" panose="020B0604020202020204"/>
               <a:buNone/>
             </a:pPr>
-            <a:r>
-              <a:t/>
-            </a:r>
-            <a:endParaRPr/>
           </a:p>
           <a:p>
-            <a:pPr indent="0" lvl="0" marL="0" rtl="0" algn="l">
+            <a:pPr marL="0" lvl="0" indent="0" algn="l" rtl="0">
               <a:spcBef>
                 <a:spcPts val="1600"/>
               </a:spcBef>
@@ -9284,10 +9250,6 @@
               </a:spcAft>
               <a:buNone/>
             </a:pPr>
-            <a:r>
-              <a:t/>
-            </a:r>
-            <a:endParaRPr/>
           </a:p>
         </p:txBody>
       </p:sp>
@@ -9300,7 +9262,7 @@
 </file>
 
 <file path=ppt/slides/slide6.xml><?xml version="1.0" encoding="utf-8"?>
-<p:sld xmlns:a="http://schemas.openxmlformats.org/drawingml/2006/main" xmlns:r="http://schemas.openxmlformats.org/officeDocument/2006/relationships" xmlns:mc="http://schemas.openxmlformats.org/markup-compatibility/2006" xmlns:mv="urn:schemas-microsoft-com:mac:vml" xmlns:p="http://schemas.openxmlformats.org/presentationml/2006/main" xmlns:c="http://schemas.openxmlformats.org/drawingml/2006/chart" xmlns:dgm="http://schemas.openxmlformats.org/drawingml/2006/diagram" xmlns:o="urn:schemas-microsoft-com:office:office" xmlns:v="urn:schemas-microsoft-com:vml" xmlns:pvml="urn:schemas-microsoft-com:office:powerpoint" xmlns:com="http://schemas.openxmlformats.org/drawingml/2006/compatibility" xmlns:p14="http://schemas.microsoft.com/office/powerpoint/2010/main" xmlns:p15="http://schemas.microsoft.com/office/powerpoint/2012/main" xmlns:ahyp="http://schemas.microsoft.com/office/drawing/2018/hyperlinkcolor">
+<p:sld xmlns:a="http://schemas.openxmlformats.org/drawingml/2006/main" xmlns:r="http://schemas.openxmlformats.org/officeDocument/2006/relationships" xmlns:p="http://schemas.openxmlformats.org/presentationml/2006/main">
   <p:cSld>
     <p:spTree>
       <p:nvGrpSpPr>
@@ -9319,7 +9281,7 @@
       <p:sp>
         <p:nvSpPr>
           <p:cNvPr id="83" name="Google Shape;83;p18"/>
-          <p:cNvSpPr txBox="1"/>
+          <p:cNvSpPr txBox="true"/>
           <p:nvPr>
             <p:ph type="title"/>
           </p:nvPr>
@@ -9334,12 +9296,12 @@
           </a:prstGeom>
         </p:spPr>
         <p:txBody>
-          <a:bodyPr anchorCtr="0" anchor="t" bIns="91425" lIns="91425" spcFirstLastPara="1" rIns="91425" wrap="square" tIns="91425">
+          <a:bodyPr spcFirstLastPara="1" wrap="square" lIns="91425" tIns="91425" rIns="91425" bIns="91425" anchor="t" anchorCtr="false">
             <a:noAutofit/>
           </a:bodyPr>
           <a:lstStyle/>
           <a:p>
-            <a:pPr indent="0" lvl="0" marL="0" rtl="0" algn="l">
+            <a:pPr marL="0" lvl="0" indent="0" algn="l" rtl="0">
               <a:spcBef>
                 <a:spcPts val="0"/>
               </a:spcBef>
@@ -9359,9 +9321,9 @@
       <p:sp>
         <p:nvSpPr>
           <p:cNvPr id="84" name="Google Shape;84;p18"/>
-          <p:cNvSpPr txBox="1"/>
+          <p:cNvSpPr txBox="true"/>
           <p:nvPr>
-            <p:ph idx="1" type="body"/>
+            <p:ph type="body" idx="1"/>
           </p:nvPr>
         </p:nvSpPr>
         <p:spPr>
@@ -9374,12 +9336,12 @@
           </a:prstGeom>
         </p:spPr>
         <p:txBody>
-          <a:bodyPr anchorCtr="0" anchor="t" bIns="91425" lIns="91425" spcFirstLastPara="1" rIns="91425" wrap="square" tIns="91425">
+          <a:bodyPr spcFirstLastPara="1" wrap="square" lIns="91425" tIns="91425" rIns="91425" bIns="91425" anchor="t" anchorCtr="false">
             <a:noAutofit/>
           </a:bodyPr>
           <a:lstStyle/>
           <a:p>
-            <a:pPr indent="0" lvl="0" marL="0" rtl="0" algn="l">
+            <a:pPr marL="0" lvl="0" indent="0" algn="l" rtl="0">
               <a:spcBef>
                 <a:spcPts val="0"/>
               </a:spcBef>
@@ -9388,23 +9350,17 @@
               </a:spcAft>
               <a:buNone/>
             </a:pPr>
-            <a:r>
-              <a:t/>
-            </a:r>
-            <a:endParaRPr/>
           </a:p>
         </p:txBody>
       </p:sp>
       <p:pic>
         <p:nvPicPr>
           <p:cNvPr id="85" name="Google Shape;85;p18"/>
-          <p:cNvPicPr preferRelativeResize="0"/>
+          <p:cNvPicPr preferRelativeResize="false"/>
           <p:nvPr/>
         </p:nvPicPr>
         <p:blipFill>
-          <a:blip r:embed="rId3">
-            <a:alphaModFix/>
-          </a:blip>
+          <a:blip r:embed="rId1"/>
           <a:stretch>
             <a:fillRect/>
           </a:stretch>
@@ -9432,7 +9388,7 @@
 </file>
 
 <file path=ppt/slides/slide7.xml><?xml version="1.0" encoding="utf-8"?>
-<p:sld xmlns:a="http://schemas.openxmlformats.org/drawingml/2006/main" xmlns:r="http://schemas.openxmlformats.org/officeDocument/2006/relationships" xmlns:mc="http://schemas.openxmlformats.org/markup-compatibility/2006" xmlns:mv="urn:schemas-microsoft-com:mac:vml" xmlns:p="http://schemas.openxmlformats.org/presentationml/2006/main" xmlns:c="http://schemas.openxmlformats.org/drawingml/2006/chart" xmlns:dgm="http://schemas.openxmlformats.org/drawingml/2006/diagram" xmlns:o="urn:schemas-microsoft-com:office:office" xmlns:v="urn:schemas-microsoft-com:vml" xmlns:pvml="urn:schemas-microsoft-com:office:powerpoint" xmlns:com="http://schemas.openxmlformats.org/drawingml/2006/compatibility" xmlns:p14="http://schemas.microsoft.com/office/powerpoint/2010/main" xmlns:p15="http://schemas.microsoft.com/office/powerpoint/2012/main" xmlns:ahyp="http://schemas.microsoft.com/office/drawing/2018/hyperlinkcolor">
+<p:sld xmlns:a="http://schemas.openxmlformats.org/drawingml/2006/main" xmlns:r="http://schemas.openxmlformats.org/officeDocument/2006/relationships" xmlns:p="http://schemas.openxmlformats.org/presentationml/2006/main">
   <p:cSld>
     <p:spTree>
       <p:nvGrpSpPr>
@@ -9451,7 +9407,7 @@
       <p:sp>
         <p:nvSpPr>
           <p:cNvPr id="90" name="Google Shape;90;p19"/>
-          <p:cNvSpPr txBox="1"/>
+          <p:cNvSpPr txBox="true"/>
           <p:nvPr>
             <p:ph type="title"/>
           </p:nvPr>
@@ -9466,12 +9422,12 @@
           </a:prstGeom>
         </p:spPr>
         <p:txBody>
-          <a:bodyPr anchorCtr="0" anchor="t" bIns="91425" lIns="91425" spcFirstLastPara="1" rIns="91425" wrap="square" tIns="91425">
+          <a:bodyPr spcFirstLastPara="1" wrap="square" lIns="91425" tIns="91425" rIns="91425" bIns="91425" anchor="t" anchorCtr="false">
             <a:noAutofit/>
           </a:bodyPr>
           <a:lstStyle/>
           <a:p>
-            <a:pPr indent="0" lvl="0" marL="0" rtl="0" algn="l">
+            <a:pPr marL="0" lvl="0" indent="0" algn="l" rtl="0">
               <a:spcBef>
                 <a:spcPts val="0"/>
               </a:spcBef>
@@ -9484,16 +9440,16 @@
               <a:rPr lang="zh-CN"/>
               <a:t>Label</a:t>
             </a:r>
-            <a:endParaRPr/>
+            <a:endParaRPr lang="zh-CN"/>
           </a:p>
         </p:txBody>
       </p:sp>
       <p:sp>
         <p:nvSpPr>
           <p:cNvPr id="91" name="Google Shape;91;p19"/>
-          <p:cNvSpPr txBox="1"/>
+          <p:cNvSpPr txBox="true"/>
           <p:nvPr>
-            <p:ph idx="1" type="body"/>
+            <p:ph type="body" idx="1"/>
           </p:nvPr>
         </p:nvSpPr>
         <p:spPr>
@@ -9506,12 +9462,12 @@
           </a:prstGeom>
         </p:spPr>
         <p:txBody>
-          <a:bodyPr anchorCtr="0" anchor="t" bIns="91425" lIns="91425" spcFirstLastPara="1" rIns="91425" wrap="square" tIns="91425">
+          <a:bodyPr spcFirstLastPara="1" wrap="square" lIns="91425" tIns="91425" rIns="91425" bIns="91425" anchor="t" anchorCtr="false">
             <a:noAutofit/>
           </a:bodyPr>
           <a:lstStyle/>
           <a:p>
-            <a:pPr indent="-342900" lvl="0" marL="457200" rtl="0" algn="l">
+            <a:pPr marL="457200" lvl="0" indent="-342900" algn="l" rtl="0">
               <a:spcBef>
                 <a:spcPts val="0"/>
               </a:spcBef>
@@ -9525,10 +9481,10 @@
               <a:rPr lang="zh-CN"/>
               <a:t>All the Labels start with dot</a:t>
             </a:r>
-            <a:endParaRPr/>
+            <a:endParaRPr lang="zh-CN"/>
           </a:p>
           <a:p>
-            <a:pPr indent="-317500" lvl="1" marL="914400" rtl="0" algn="l">
+            <a:pPr marL="914400" lvl="1" indent="-317500" algn="l" rtl="0">
               <a:spcBef>
                 <a:spcPts val="0"/>
               </a:spcBef>
@@ -9542,10 +9498,10 @@
               <a:rPr lang="zh-CN"/>
               <a:t>.loop</a:t>
             </a:r>
-            <a:endParaRPr/>
+            <a:endParaRPr lang="zh-CN"/>
           </a:p>
           <a:p>
-            <a:pPr indent="-342900" lvl="0" marL="457200" rtl="0" algn="l">
+            <a:pPr marL="457200" lvl="0" indent="-342900" algn="l" rtl="0">
               <a:spcBef>
                 <a:spcPts val="0"/>
               </a:spcBef>
@@ -9559,10 +9515,10 @@
               <a:rPr lang="zh-CN"/>
               <a:t>Use directory to save the table of labels</a:t>
             </a:r>
-            <a:endParaRPr/>
+            <a:endParaRPr lang="zh-CN"/>
           </a:p>
           <a:p>
-            <a:pPr indent="-317500" lvl="1" marL="914400" rtl="0" algn="l">
+            <a:pPr marL="914400" lvl="1" indent="-317500" algn="l" rtl="0">
               <a:spcBef>
                 <a:spcPts val="0"/>
               </a:spcBef>
@@ -9576,10 +9532,10 @@
               <a:rPr lang="zh-CN"/>
               <a:t>dic = {loop1:0xABCD, loop2:0xDEFF}</a:t>
             </a:r>
-            <a:endParaRPr/>
+            <a:endParaRPr lang="zh-CN"/>
           </a:p>
           <a:p>
-            <a:pPr indent="-342900" lvl="0" marL="457200" rtl="0" algn="l">
+            <a:pPr marL="457200" lvl="0" indent="-342900" algn="l" rtl="0">
               <a:spcBef>
                 <a:spcPts val="0"/>
               </a:spcBef>
@@ -9593,10 +9549,10 @@
               <a:rPr lang="zh-CN"/>
               <a:t>example</a:t>
             </a:r>
-            <a:endParaRPr/>
+            <a:endParaRPr lang="zh-CN"/>
           </a:p>
           <a:p>
-            <a:pPr indent="0" lvl="0" marL="914400" rtl="0" algn="l">
+            <a:pPr marL="914400" lvl="0" indent="0" algn="l" rtl="0">
               <a:spcBef>
                 <a:spcPts val="1600"/>
               </a:spcBef>
@@ -9605,23 +9561,17 @@
               </a:spcAft>
               <a:buNone/>
             </a:pPr>
-            <a:r>
-              <a:t/>
-            </a:r>
-            <a:endParaRPr/>
           </a:p>
         </p:txBody>
       </p:sp>
       <p:pic>
         <p:nvPicPr>
           <p:cNvPr id="92" name="Google Shape;92;p19"/>
-          <p:cNvPicPr preferRelativeResize="0"/>
+          <p:cNvPicPr preferRelativeResize="false"/>
           <p:nvPr/>
         </p:nvPicPr>
         <p:blipFill>
-          <a:blip r:embed="rId3">
-            <a:alphaModFix/>
-          </a:blip>
+          <a:blip r:embed="rId1"/>
           <a:stretch>
             <a:fillRect/>
           </a:stretch>
@@ -9649,7 +9599,291 @@
 </file>
 
 <file path=ppt/theme/theme1.xml><?xml version="1.0" encoding="utf-8"?>
-<a:theme xmlns:a="http://schemas.openxmlformats.org/drawingml/2006/main" xmlns:r="http://schemas.openxmlformats.org/officeDocument/2006/relationships">
+<a:theme xmlns:a="http://schemas.openxmlformats.org/drawingml/2006/main" name="Simple Light">
+  <a:themeElements>
+    <a:clrScheme name="Simple Light">
+      <a:dk1>
+        <a:srgbClr val="000000"/>
+      </a:dk1>
+      <a:lt1>
+        <a:srgbClr val="FFFFFF"/>
+      </a:lt1>
+      <a:dk2>
+        <a:srgbClr val="595959"/>
+      </a:dk2>
+      <a:lt2>
+        <a:srgbClr val="EEEEEE"/>
+      </a:lt2>
+      <a:accent1>
+        <a:srgbClr val="FFAB40"/>
+      </a:accent1>
+      <a:accent2>
+        <a:srgbClr val="212121"/>
+      </a:accent2>
+      <a:accent3>
+        <a:srgbClr val="78909C"/>
+      </a:accent3>
+      <a:accent4>
+        <a:srgbClr val="FFAB40"/>
+      </a:accent4>
+      <a:accent5>
+        <a:srgbClr val="0097A7"/>
+      </a:accent5>
+      <a:accent6>
+        <a:srgbClr val="EEFF41"/>
+      </a:accent6>
+      <a:hlink>
+        <a:srgbClr val="0097A7"/>
+      </a:hlink>
+      <a:folHlink>
+        <a:srgbClr val="0097A7"/>
+      </a:folHlink>
+    </a:clrScheme>
+    <a:fontScheme name="Office">
+      <a:majorFont>
+        <a:latin typeface="Arial"/>
+        <a:ea typeface=""/>
+        <a:cs typeface=""/>
+        <a:font script="Jpan" typeface="ＭＳ Ｐゴシック"/>
+        <a:font script="Hang" typeface="맑은 고딕"/>
+        <a:font script="Hans" typeface="宋体"/>
+        <a:font script="Hant" typeface="新細明體"/>
+        <a:font script="Arab" typeface="Times New Roman"/>
+        <a:font script="Hebr" typeface="Times New Roman"/>
+        <a:font script="Thai" typeface="Angsana New"/>
+        <a:font script="Ethi" typeface="Nyala"/>
+        <a:font script="Beng" typeface="Vrinda"/>
+        <a:font script="Gujr" typeface="Shruti"/>
+        <a:font script="Khmr" typeface="MoolBoran"/>
+        <a:font script="Knda" typeface="Tunga"/>
+        <a:font script="Guru" typeface="Raavi"/>
+        <a:font script="Cans" typeface="Euphemia"/>
+        <a:font script="Cher" typeface="Plantagenet Cherokee"/>
+        <a:font script="Yiii" typeface="Microsoft Yi Baiti"/>
+        <a:font script="Tibt" typeface="Microsoft Himalaya"/>
+        <a:font script="Thaa" typeface="MV Boli"/>
+        <a:font script="Deva" typeface="Mangal"/>
+        <a:font script="Telu" typeface="Gautami"/>
+        <a:font script="Taml" typeface="Latha"/>
+        <a:font script="Syrc" typeface="Estrangelo Edessa"/>
+        <a:font script="Orya" typeface="Kalinga"/>
+        <a:font script="Mlym" typeface="Kartika"/>
+        <a:font script="Laoo" typeface="DokChampa"/>
+        <a:font script="Sinh" typeface="Iskoola Pota"/>
+        <a:font script="Mong" typeface="Mongolian Baiti"/>
+        <a:font script="Viet" typeface="Times New Roman"/>
+        <a:font script="Uigh" typeface="Microsoft Uighur"/>
+        <a:font script="Geor" typeface="Sylfaen"/>
+      </a:majorFont>
+      <a:minorFont>
+        <a:latin typeface="Arial"/>
+        <a:ea typeface=""/>
+        <a:cs typeface=""/>
+        <a:font script="Jpan" typeface="ＭＳ Ｐゴシック"/>
+        <a:font script="Hang" typeface="맑은 고딕"/>
+        <a:font script="Hans" typeface="宋体"/>
+        <a:font script="Hant" typeface="新細明體"/>
+        <a:font script="Arab" typeface="Arial"/>
+        <a:font script="Hebr" typeface="Arial"/>
+        <a:font script="Thai" typeface="Cordia New"/>
+        <a:font script="Ethi" typeface="Nyala"/>
+        <a:font script="Beng" typeface="Vrinda"/>
+        <a:font script="Gujr" typeface="Shruti"/>
+        <a:font script="Khmr" typeface="DaunPenh"/>
+        <a:font script="Knda" typeface="Tunga"/>
+        <a:font script="Guru" typeface="Raavi"/>
+        <a:font script="Cans" typeface="Euphemia"/>
+        <a:font script="Cher" typeface="Plantagenet Cherokee"/>
+        <a:font script="Yiii" typeface="Microsoft Yi Baiti"/>
+        <a:font script="Tibt" typeface="Microsoft Himalaya"/>
+        <a:font script="Thaa" typeface="MV Boli"/>
+        <a:font script="Deva" typeface="Mangal"/>
+        <a:font script="Telu" typeface="Gautami"/>
+        <a:font script="Taml" typeface="Latha"/>
+        <a:font script="Syrc" typeface="Estrangelo Edessa"/>
+        <a:font script="Orya" typeface="Kalinga"/>
+        <a:font script="Mlym" typeface="Kartika"/>
+        <a:font script="Laoo" typeface="DokChampa"/>
+        <a:font script="Sinh" typeface="Iskoola Pota"/>
+        <a:font script="Mong" typeface="Mongolian Baiti"/>
+        <a:font script="Viet" typeface="Arial"/>
+        <a:font script="Uigh" typeface="Microsoft Uighur"/>
+        <a:font script="Geor" typeface="Sylfaen"/>
+      </a:minorFont>
+    </a:fontScheme>
+    <a:fmtScheme name="Office">
+      <a:fillStyleLst>
+        <a:solidFill>
+          <a:schemeClr val="phClr"/>
+        </a:solidFill>
+        <a:gradFill rotWithShape="true">
+          <a:gsLst>
+            <a:gs pos="0">
+              <a:schemeClr val="phClr">
+                <a:tint val="50000"/>
+                <a:satMod val="300000"/>
+              </a:schemeClr>
+            </a:gs>
+            <a:gs pos="35000">
+              <a:schemeClr val="phClr">
+                <a:tint val="37000"/>
+                <a:satMod val="300000"/>
+              </a:schemeClr>
+            </a:gs>
+            <a:gs pos="100000">
+              <a:schemeClr val="phClr">
+                <a:tint val="15000"/>
+                <a:satMod val="350000"/>
+              </a:schemeClr>
+            </a:gs>
+          </a:gsLst>
+          <a:lin ang="16200000" scaled="true"/>
+        </a:gradFill>
+        <a:gradFill rotWithShape="true">
+          <a:gsLst>
+            <a:gs pos="0">
+              <a:schemeClr val="phClr">
+                <a:tint val="100000"/>
+                <a:shade val="100000"/>
+                <a:satMod val="130000"/>
+              </a:schemeClr>
+            </a:gs>
+            <a:gs pos="100000">
+              <a:schemeClr val="phClr">
+                <a:tint val="50000"/>
+                <a:shade val="100000"/>
+                <a:satMod val="350000"/>
+              </a:schemeClr>
+            </a:gs>
+          </a:gsLst>
+          <a:lin ang="16200000" scaled="false"/>
+        </a:gradFill>
+      </a:fillStyleLst>
+      <a:lnStyleLst>
+        <a:ln w="9525" cap="flat" cmpd="sng" algn="ctr">
+          <a:solidFill>
+            <a:schemeClr val="phClr">
+              <a:shade val="95000"/>
+              <a:satMod val="105000"/>
+            </a:schemeClr>
+          </a:solidFill>
+          <a:prstDash val="solid"/>
+        </a:ln>
+        <a:ln w="25400" cap="flat" cmpd="sng" algn="ctr">
+          <a:solidFill>
+            <a:schemeClr val="phClr"/>
+          </a:solidFill>
+          <a:prstDash val="solid"/>
+        </a:ln>
+        <a:ln w="38100" cap="flat" cmpd="sng" algn="ctr">
+          <a:solidFill>
+            <a:schemeClr val="phClr"/>
+          </a:solidFill>
+          <a:prstDash val="solid"/>
+        </a:ln>
+      </a:lnStyleLst>
+      <a:effectStyleLst>
+        <a:effectStyle>
+          <a:effectLst>
+            <a:outerShdw blurRad="40000" dist="20000" dir="5400000" rotWithShape="0">
+              <a:srgbClr val="000000">
+                <a:alpha val="38000"/>
+              </a:srgbClr>
+            </a:outerShdw>
+          </a:effectLst>
+        </a:effectStyle>
+        <a:effectStyle>
+          <a:effectLst>
+            <a:outerShdw blurRad="40000" dist="23000" dir="5400000" rotWithShape="0">
+              <a:srgbClr val="000000">
+                <a:alpha val="35000"/>
+              </a:srgbClr>
+            </a:outerShdw>
+          </a:effectLst>
+        </a:effectStyle>
+        <a:effectStyle>
+          <a:effectLst>
+            <a:outerShdw blurRad="40000" dist="23000" dir="5400000" rotWithShape="0">
+              <a:srgbClr val="000000">
+                <a:alpha val="35000"/>
+              </a:srgbClr>
+            </a:outerShdw>
+          </a:effectLst>
+          <a:scene3d>
+            <a:camera prst="orthographicFront">
+              <a:rot lat="0" lon="0" rev="0"/>
+            </a:camera>
+            <a:lightRig rig="threePt" dir="t">
+              <a:rot lat="0" lon="0" rev="1200000"/>
+            </a:lightRig>
+          </a:scene3d>
+          <a:sp3d>
+            <a:bevelT w="63500" h="25400"/>
+          </a:sp3d>
+        </a:effectStyle>
+      </a:effectStyleLst>
+      <a:bgFillStyleLst>
+        <a:solidFill>
+          <a:schemeClr val="phClr"/>
+        </a:solidFill>
+        <a:gradFill rotWithShape="true">
+          <a:gsLst>
+            <a:gs pos="0">
+              <a:schemeClr val="phClr">
+                <a:tint val="40000"/>
+                <a:satMod val="350000"/>
+              </a:schemeClr>
+            </a:gs>
+            <a:gs pos="40000">
+              <a:schemeClr val="phClr">
+                <a:tint val="45000"/>
+                <a:shade val="99000"/>
+                <a:satMod val="350000"/>
+              </a:schemeClr>
+            </a:gs>
+            <a:gs pos="100000">
+              <a:schemeClr val="phClr">
+                <a:shade val="20000"/>
+                <a:satMod val="255000"/>
+              </a:schemeClr>
+            </a:gs>
+          </a:gsLst>
+          <a:path path="circle">
+            <a:fillToRect l="50000" t="-80000" r="50000" b="180000"/>
+          </a:path>
+        </a:gradFill>
+        <a:gradFill rotWithShape="true">
+          <a:gsLst>
+            <a:gs pos="0">
+              <a:schemeClr val="phClr">
+                <a:tint val="80000"/>
+                <a:satMod val="300000"/>
+              </a:schemeClr>
+            </a:gs>
+            <a:gs pos="100000">
+              <a:schemeClr val="phClr">
+                <a:shade val="30000"/>
+                <a:satMod val="200000"/>
+              </a:schemeClr>
+            </a:gs>
+          </a:gsLst>
+          <a:path path="circle">
+            <a:fillToRect l="50000" t="50000" r="50000" b="50000"/>
+          </a:path>
+        </a:gradFill>
+      </a:bgFillStyleLst>
+    </a:fmtScheme>
+  </a:themeElements>
+  <a:extLst>
+    <a:ext uri="{05A4C25C-085E-4340-85A3-A5531E510DB2}">
+      <thm15:themeFamily xmlns:thm15="http://schemas.microsoft.com/office/thememl/2012/main" name="Office Theme" id="{62F939B6-93AF-4DB8-9C6B-D6C7DFDC589F}" vid="{4A3C46E8-61CC-4603-A589-7422A47A8E4A}"/>
+    </a:ext>
+  </a:extLst>
+</a:theme>
+</file>
+
+<file path=ppt/theme/theme2.xml><?xml version="1.0" encoding="utf-8"?>
+<a:theme xmlns:a="http://schemas.openxmlformats.org/drawingml/2006/main">
   <a:themeElements>
     <a:clrScheme name="Default">
       <a:dk1>
@@ -9766,7 +10000,7 @@
         <a:solidFill>
           <a:schemeClr val="phClr"/>
         </a:solidFill>
-        <a:gradFill rotWithShape="1">
+        <a:gradFill rotWithShape="true">
           <a:gsLst>
             <a:gs pos="0">
               <a:schemeClr val="phClr">
@@ -9787,9 +10021,9 @@
               </a:schemeClr>
             </a:gs>
           </a:gsLst>
-          <a:lin ang="16200000" scaled="1"/>
+          <a:lin ang="16200000" scaled="true"/>
         </a:gradFill>
-        <a:gradFill rotWithShape="1">
+        <a:gradFill rotWithShape="true">
           <a:gsLst>
             <a:gs pos="0">
               <a:schemeClr val="phClr">
@@ -9806,7 +10040,7 @@
               </a:schemeClr>
             </a:gs>
           </a:gsLst>
-          <a:lin ang="16200000" scaled="0"/>
+          <a:lin ang="16200000" scaled="false"/>
         </a:gradFill>
       </a:fillStyleLst>
       <a:lnStyleLst>
@@ -9876,7 +10110,7 @@
         <a:solidFill>
           <a:schemeClr val="phClr"/>
         </a:solidFill>
-        <a:gradFill rotWithShape="1">
+        <a:gradFill rotWithShape="true">
           <a:gsLst>
             <a:gs pos="0">
               <a:schemeClr val="phClr">
@@ -9902,7 +10136,7 @@
             <a:fillToRect l="50000" t="-80000" r="50000" b="180000"/>
           </a:path>
         </a:gradFill>
-        <a:gradFill rotWithShape="1">
+        <a:gradFill rotWithShape="true">
           <a:gsLst>
             <a:gs pos="0">
               <a:schemeClr val="phClr">
@@ -9924,284 +10158,10 @@
       </a:bgFillStyleLst>
     </a:fmtScheme>
   </a:themeElements>
-</a:theme>
-</file>
-
-<file path=ppt/theme/theme2.xml><?xml version="1.0" encoding="utf-8"?>
-<a:theme xmlns:a="http://schemas.openxmlformats.org/drawingml/2006/main" xmlns:r="http://schemas.openxmlformats.org/officeDocument/2006/relationships" name="Simple Light">
-  <a:themeElements>
-    <a:clrScheme name="Simple Light">
-      <a:dk1>
-        <a:srgbClr val="000000"/>
-      </a:dk1>
-      <a:lt1>
-        <a:srgbClr val="FFFFFF"/>
-      </a:lt1>
-      <a:dk2>
-        <a:srgbClr val="595959"/>
-      </a:dk2>
-      <a:lt2>
-        <a:srgbClr val="EEEEEE"/>
-      </a:lt2>
-      <a:accent1>
-        <a:srgbClr val="FFAB40"/>
-      </a:accent1>
-      <a:accent2>
-        <a:srgbClr val="212121"/>
-      </a:accent2>
-      <a:accent3>
-        <a:srgbClr val="78909C"/>
-      </a:accent3>
-      <a:accent4>
-        <a:srgbClr val="FFAB40"/>
-      </a:accent4>
-      <a:accent5>
-        <a:srgbClr val="0097A7"/>
-      </a:accent5>
-      <a:accent6>
-        <a:srgbClr val="EEFF41"/>
-      </a:accent6>
-      <a:hlink>
-        <a:srgbClr val="0097A7"/>
-      </a:hlink>
-      <a:folHlink>
-        <a:srgbClr val="0097A7"/>
-      </a:folHlink>
-    </a:clrScheme>
-    <a:fontScheme name="Office">
-      <a:majorFont>
-        <a:latin typeface="Arial"/>
-        <a:ea typeface=""/>
-        <a:cs typeface=""/>
-        <a:font script="Jpan" typeface="ＭＳ Ｐゴシック"/>
-        <a:font script="Hang" typeface="맑은 고딕"/>
-        <a:font script="Hans" typeface="宋体"/>
-        <a:font script="Hant" typeface="新細明體"/>
-        <a:font script="Arab" typeface="Times New Roman"/>
-        <a:font script="Hebr" typeface="Times New Roman"/>
-        <a:font script="Thai" typeface="Angsana New"/>
-        <a:font script="Ethi" typeface="Nyala"/>
-        <a:font script="Beng" typeface="Vrinda"/>
-        <a:font script="Gujr" typeface="Shruti"/>
-        <a:font script="Khmr" typeface="MoolBoran"/>
-        <a:font script="Knda" typeface="Tunga"/>
-        <a:font script="Guru" typeface="Raavi"/>
-        <a:font script="Cans" typeface="Euphemia"/>
-        <a:font script="Cher" typeface="Plantagenet Cherokee"/>
-        <a:font script="Yiii" typeface="Microsoft Yi Baiti"/>
-        <a:font script="Tibt" typeface="Microsoft Himalaya"/>
-        <a:font script="Thaa" typeface="MV Boli"/>
-        <a:font script="Deva" typeface="Mangal"/>
-        <a:font script="Telu" typeface="Gautami"/>
-        <a:font script="Taml" typeface="Latha"/>
-        <a:font script="Syrc" typeface="Estrangelo Edessa"/>
-        <a:font script="Orya" typeface="Kalinga"/>
-        <a:font script="Mlym" typeface="Kartika"/>
-        <a:font script="Laoo" typeface="DokChampa"/>
-        <a:font script="Sinh" typeface="Iskoola Pota"/>
-        <a:font script="Mong" typeface="Mongolian Baiti"/>
-        <a:font script="Viet" typeface="Times New Roman"/>
-        <a:font script="Uigh" typeface="Microsoft Uighur"/>
-        <a:font script="Geor" typeface="Sylfaen"/>
-      </a:majorFont>
-      <a:minorFont>
-        <a:latin typeface="Arial"/>
-        <a:ea typeface=""/>
-        <a:cs typeface=""/>
-        <a:font script="Jpan" typeface="ＭＳ Ｐゴシック"/>
-        <a:font script="Hang" typeface="맑은 고딕"/>
-        <a:font script="Hans" typeface="宋体"/>
-        <a:font script="Hant" typeface="新細明體"/>
-        <a:font script="Arab" typeface="Arial"/>
-        <a:font script="Hebr" typeface="Arial"/>
-        <a:font script="Thai" typeface="Cordia New"/>
-        <a:font script="Ethi" typeface="Nyala"/>
-        <a:font script="Beng" typeface="Vrinda"/>
-        <a:font script="Gujr" typeface="Shruti"/>
-        <a:font script="Khmr" typeface="DaunPenh"/>
-        <a:font script="Knda" typeface="Tunga"/>
-        <a:font script="Guru" typeface="Raavi"/>
-        <a:font script="Cans" typeface="Euphemia"/>
-        <a:font script="Cher" typeface="Plantagenet Cherokee"/>
-        <a:font script="Yiii" typeface="Microsoft Yi Baiti"/>
-        <a:font script="Tibt" typeface="Microsoft Himalaya"/>
-        <a:font script="Thaa" typeface="MV Boli"/>
-        <a:font script="Deva" typeface="Mangal"/>
-        <a:font script="Telu" typeface="Gautami"/>
-        <a:font script="Taml" typeface="Latha"/>
-        <a:font script="Syrc" typeface="Estrangelo Edessa"/>
-        <a:font script="Orya" typeface="Kalinga"/>
-        <a:font script="Mlym" typeface="Kartika"/>
-        <a:font script="Laoo" typeface="DokChampa"/>
-        <a:font script="Sinh" typeface="Iskoola Pota"/>
-        <a:font script="Mong" typeface="Mongolian Baiti"/>
-        <a:font script="Viet" typeface="Arial"/>
-        <a:font script="Uigh" typeface="Microsoft Uighur"/>
-        <a:font script="Geor" typeface="Sylfaen"/>
-      </a:minorFont>
-    </a:fontScheme>
-    <a:fmtScheme name="Office">
-      <a:fillStyleLst>
-        <a:solidFill>
-          <a:schemeClr val="phClr"/>
-        </a:solidFill>
-        <a:gradFill rotWithShape="1">
-          <a:gsLst>
-            <a:gs pos="0">
-              <a:schemeClr val="phClr">
-                <a:tint val="50000"/>
-                <a:satMod val="300000"/>
-              </a:schemeClr>
-            </a:gs>
-            <a:gs pos="35000">
-              <a:schemeClr val="phClr">
-                <a:tint val="37000"/>
-                <a:satMod val="300000"/>
-              </a:schemeClr>
-            </a:gs>
-            <a:gs pos="100000">
-              <a:schemeClr val="phClr">
-                <a:tint val="15000"/>
-                <a:satMod val="350000"/>
-              </a:schemeClr>
-            </a:gs>
-          </a:gsLst>
-          <a:lin ang="16200000" scaled="1"/>
-        </a:gradFill>
-        <a:gradFill rotWithShape="1">
-          <a:gsLst>
-            <a:gs pos="0">
-              <a:schemeClr val="phClr">
-                <a:tint val="100000"/>
-                <a:shade val="100000"/>
-                <a:satMod val="130000"/>
-              </a:schemeClr>
-            </a:gs>
-            <a:gs pos="100000">
-              <a:schemeClr val="phClr">
-                <a:tint val="50000"/>
-                <a:shade val="100000"/>
-                <a:satMod val="350000"/>
-              </a:schemeClr>
-            </a:gs>
-          </a:gsLst>
-          <a:lin ang="16200000" scaled="0"/>
-        </a:gradFill>
-      </a:fillStyleLst>
-      <a:lnStyleLst>
-        <a:ln w="9525" cap="flat" cmpd="sng" algn="ctr">
-          <a:solidFill>
-            <a:schemeClr val="phClr">
-              <a:shade val="95000"/>
-              <a:satMod val="105000"/>
-            </a:schemeClr>
-          </a:solidFill>
-          <a:prstDash val="solid"/>
-        </a:ln>
-        <a:ln w="25400" cap="flat" cmpd="sng" algn="ctr">
-          <a:solidFill>
-            <a:schemeClr val="phClr"/>
-          </a:solidFill>
-          <a:prstDash val="solid"/>
-        </a:ln>
-        <a:ln w="38100" cap="flat" cmpd="sng" algn="ctr">
-          <a:solidFill>
-            <a:schemeClr val="phClr"/>
-          </a:solidFill>
-          <a:prstDash val="solid"/>
-        </a:ln>
-      </a:lnStyleLst>
-      <a:effectStyleLst>
-        <a:effectStyle>
-          <a:effectLst>
-            <a:outerShdw blurRad="40000" dist="20000" dir="5400000" rotWithShape="0">
-              <a:srgbClr val="000000">
-                <a:alpha val="38000"/>
-              </a:srgbClr>
-            </a:outerShdw>
-          </a:effectLst>
-        </a:effectStyle>
-        <a:effectStyle>
-          <a:effectLst>
-            <a:outerShdw blurRad="40000" dist="23000" dir="5400000" rotWithShape="0">
-              <a:srgbClr val="000000">
-                <a:alpha val="35000"/>
-              </a:srgbClr>
-            </a:outerShdw>
-          </a:effectLst>
-        </a:effectStyle>
-        <a:effectStyle>
-          <a:effectLst>
-            <a:outerShdw blurRad="40000" dist="23000" dir="5400000" rotWithShape="0">
-              <a:srgbClr val="000000">
-                <a:alpha val="35000"/>
-              </a:srgbClr>
-            </a:outerShdw>
-          </a:effectLst>
-          <a:scene3d>
-            <a:camera prst="orthographicFront">
-              <a:rot lat="0" lon="0" rev="0"/>
-            </a:camera>
-            <a:lightRig rig="threePt" dir="t">
-              <a:rot lat="0" lon="0" rev="1200000"/>
-            </a:lightRig>
-          </a:scene3d>
-          <a:sp3d>
-            <a:bevelT w="63500" h="25400"/>
-          </a:sp3d>
-        </a:effectStyle>
-      </a:effectStyleLst>
-      <a:bgFillStyleLst>
-        <a:solidFill>
-          <a:schemeClr val="phClr"/>
-        </a:solidFill>
-        <a:gradFill rotWithShape="1">
-          <a:gsLst>
-            <a:gs pos="0">
-              <a:schemeClr val="phClr">
-                <a:tint val="40000"/>
-                <a:satMod val="350000"/>
-              </a:schemeClr>
-            </a:gs>
-            <a:gs pos="40000">
-              <a:schemeClr val="phClr">
-                <a:tint val="45000"/>
-                <a:shade val="99000"/>
-                <a:satMod val="350000"/>
-              </a:schemeClr>
-            </a:gs>
-            <a:gs pos="100000">
-              <a:schemeClr val="phClr">
-                <a:shade val="20000"/>
-                <a:satMod val="255000"/>
-              </a:schemeClr>
-            </a:gs>
-          </a:gsLst>
-          <a:path path="circle">
-            <a:fillToRect l="50000" t="-80000" r="50000" b="180000"/>
-          </a:path>
-        </a:gradFill>
-        <a:gradFill rotWithShape="1">
-          <a:gsLst>
-            <a:gs pos="0">
-              <a:schemeClr val="phClr">
-                <a:tint val="80000"/>
-                <a:satMod val="300000"/>
-              </a:schemeClr>
-            </a:gs>
-            <a:gs pos="100000">
-              <a:schemeClr val="phClr">
-                <a:shade val="30000"/>
-                <a:satMod val="200000"/>
-              </a:schemeClr>
-            </a:gs>
-          </a:gsLst>
-          <a:path path="circle">
-            <a:fillToRect l="50000" t="50000" r="50000" b="50000"/>
-          </a:path>
-        </a:gradFill>
-      </a:bgFillStyleLst>
-    </a:fmtScheme>
-  </a:themeElements>
+  <a:extLst>
+    <a:ext uri="{05A4C25C-085E-4340-85A3-A5531E510DB2}">
+      <thm15:themeFamily xmlns:thm15="http://schemas.microsoft.com/office/thememl/2012/main" name="Office Theme" id="{62F939B6-93AF-4DB8-9C6B-D6C7DFDC589F}" vid="{4A3C46E8-61CC-4603-A589-7422A47A8E4A}"/>
+    </a:ext>
+  </a:extLst>
 </a:theme>
 </file>